--- a/docs/articles/header_rot.pptx
+++ b/docs/articles/header_rot.pptx
@@ -5,7 +5,7 @@
     <p:sldMasterId id="2147483648" r:id="rId1"/>
   </p:sldMasterIdLst>
   <p:sldIdLst>
-    <p:sldId id="150954997" r:id="rId6"/>
+    <p:sldId id="1863734928" r:id="rId6"/>
   </p:sldIdLst>
   <p:sldSz cx="12192000" cy="6858000"/>
   <p:notesSz cx="6858000" cy="9144000"/>
@@ -2801,7 +2801,7 @@
                 <a:gridCol w="457200"/>
                 <a:gridCol w="731520"/>
               </a:tblGrid>
-              <a:tr h="990600">
+              <a:tr h="901700">
                 <a:tc>
                   <a:txBody>
                     <a:bodyPr/>
@@ -2823,9 +2823,9 @@
                               <a:alpha val="100000"/>
                             </a:srgbClr>
                           </a:solidFill>
-                          <a:latin typeface="Helvetica"/>
-                          <a:ea typeface="Helvetica"/>
-                          <a:cs typeface="Helvetica"/>
+                          <a:latin typeface="Times New Roman"/>
+                          <a:ea typeface="Times New Roman"/>
+                          <a:cs typeface="Times New Roman"/>
                         </a:rPr>
                         <a:t>Sepal.Length</a:t>
                       </a:r>
@@ -2892,9 +2892,9 @@
                               <a:alpha val="100000"/>
                             </a:srgbClr>
                           </a:solidFill>
-                          <a:latin typeface="Helvetica"/>
-                          <a:ea typeface="Helvetica"/>
-                          <a:cs typeface="Helvetica"/>
+                          <a:latin typeface="Times New Roman"/>
+                          <a:ea typeface="Times New Roman"/>
+                          <a:cs typeface="Times New Roman"/>
                         </a:rPr>
                         <a:t>Sepal.Width</a:t>
                       </a:r>
@@ -2961,9 +2961,9 @@
                               <a:alpha val="100000"/>
                             </a:srgbClr>
                           </a:solidFill>
-                          <a:latin typeface="Helvetica"/>
-                          <a:ea typeface="Helvetica"/>
-                          <a:cs typeface="Helvetica"/>
+                          <a:latin typeface="Times New Roman"/>
+                          <a:ea typeface="Times New Roman"/>
+                          <a:cs typeface="Times New Roman"/>
                         </a:rPr>
                         <a:t>Petal.Length</a:t>
                       </a:r>
@@ -3030,9 +3030,9 @@
                               <a:alpha val="100000"/>
                             </a:srgbClr>
                           </a:solidFill>
-                          <a:latin typeface="Helvetica"/>
-                          <a:ea typeface="Helvetica"/>
-                          <a:cs typeface="Helvetica"/>
+                          <a:latin typeface="Times New Roman"/>
+                          <a:ea typeface="Times New Roman"/>
+                          <a:cs typeface="Times New Roman"/>
                         </a:rPr>
                         <a:t>Petal.Width</a:t>
                       </a:r>
@@ -3099,9 +3099,9 @@
                               <a:alpha val="100000"/>
                             </a:srgbClr>
                           </a:solidFill>
-                          <a:latin typeface="Helvetica"/>
-                          <a:ea typeface="Helvetica"/>
-                          <a:cs typeface="Helvetica"/>
+                          <a:latin typeface="Times New Roman"/>
+                          <a:ea typeface="Times New Roman"/>
+                          <a:cs typeface="Times New Roman"/>
                         </a:rPr>
                         <a:t>Species</a:t>
                       </a:r>
@@ -3170,9 +3170,9 @@
                               <a:alpha val="100000"/>
                             </a:srgbClr>
                           </a:solidFill>
-                          <a:latin typeface="Helvetica"/>
-                          <a:ea typeface="Helvetica"/>
-                          <a:cs typeface="Helvetica"/>
+                          <a:latin typeface="Times New Roman"/>
+                          <a:ea typeface="Times New Roman"/>
+                          <a:cs typeface="Times New Roman"/>
                         </a:rPr>
                         <a:t/>
                       </a:r>
@@ -3183,9 +3183,9 @@
                               <a:alpha val="100000"/>
                             </a:srgbClr>
                           </a:solidFill>
-                          <a:latin typeface="Helvetica"/>
-                          <a:ea typeface="Helvetica"/>
-                          <a:cs typeface="Helvetica"/>
+                          <a:latin typeface="Times New Roman"/>
+                          <a:ea typeface="Times New Roman"/>
+                          <a:cs typeface="Times New Roman"/>
                         </a:rPr>
                         <a:t>4.8</a:t>
                       </a:r>
@@ -3252,9 +3252,9 @@
                               <a:alpha val="100000"/>
                             </a:srgbClr>
                           </a:solidFill>
-                          <a:latin typeface="Helvetica"/>
-                          <a:ea typeface="Helvetica"/>
-                          <a:cs typeface="Helvetica"/>
+                          <a:latin typeface="Times New Roman"/>
+                          <a:ea typeface="Times New Roman"/>
+                          <a:cs typeface="Times New Roman"/>
                         </a:rPr>
                         <a:t/>
                       </a:r>
@@ -3265,9 +3265,9 @@
                               <a:alpha val="100000"/>
                             </a:srgbClr>
                           </a:solidFill>
-                          <a:latin typeface="Helvetica"/>
-                          <a:ea typeface="Helvetica"/>
-                          <a:cs typeface="Helvetica"/>
+                          <a:latin typeface="Times New Roman"/>
+                          <a:ea typeface="Times New Roman"/>
+                          <a:cs typeface="Times New Roman"/>
                         </a:rPr>
                         <a:t>3.0</a:t>
                       </a:r>
@@ -3334,9 +3334,9 @@
                               <a:alpha val="100000"/>
                             </a:srgbClr>
                           </a:solidFill>
-                          <a:latin typeface="Helvetica"/>
-                          <a:ea typeface="Helvetica"/>
-                          <a:cs typeface="Helvetica"/>
+                          <a:latin typeface="Times New Roman"/>
+                          <a:ea typeface="Times New Roman"/>
+                          <a:cs typeface="Times New Roman"/>
                         </a:rPr>
                         <a:t/>
                       </a:r>
@@ -3347,9 +3347,9 @@
                               <a:alpha val="100000"/>
                             </a:srgbClr>
                           </a:solidFill>
-                          <a:latin typeface="Helvetica"/>
-                          <a:ea typeface="Helvetica"/>
-                          <a:cs typeface="Helvetica"/>
+                          <a:latin typeface="Times New Roman"/>
+                          <a:ea typeface="Times New Roman"/>
+                          <a:cs typeface="Times New Roman"/>
                         </a:rPr>
                         <a:t>1.4</a:t>
                       </a:r>
@@ -3416,9 +3416,9 @@
                               <a:alpha val="100000"/>
                             </a:srgbClr>
                           </a:solidFill>
-                          <a:latin typeface="Helvetica"/>
-                          <a:ea typeface="Helvetica"/>
-                          <a:cs typeface="Helvetica"/>
+                          <a:latin typeface="Times New Roman"/>
+                          <a:ea typeface="Times New Roman"/>
+                          <a:cs typeface="Times New Roman"/>
                         </a:rPr>
                         <a:t/>
                       </a:r>
@@ -3429,9 +3429,9 @@
                               <a:alpha val="100000"/>
                             </a:srgbClr>
                           </a:solidFill>
-                          <a:latin typeface="Helvetica"/>
-                          <a:ea typeface="Helvetica"/>
-                          <a:cs typeface="Helvetica"/>
+                          <a:latin typeface="Times New Roman"/>
+                          <a:ea typeface="Times New Roman"/>
+                          <a:cs typeface="Times New Roman"/>
                         </a:rPr>
                         <a:t>0.3</a:t>
                       </a:r>
@@ -3498,9 +3498,9 @@
                               <a:alpha val="100000"/>
                             </a:srgbClr>
                           </a:solidFill>
-                          <a:latin typeface="Helvetica"/>
-                          <a:ea typeface="Helvetica"/>
-                          <a:cs typeface="Helvetica"/>
+                          <a:latin typeface="Times New Roman"/>
+                          <a:ea typeface="Times New Roman"/>
+                          <a:cs typeface="Times New Roman"/>
                         </a:rPr>
                         <a:t/>
                       </a:r>
@@ -3511,9 +3511,9 @@
                               <a:alpha val="100000"/>
                             </a:srgbClr>
                           </a:solidFill>
-                          <a:latin typeface="Helvetica"/>
-                          <a:ea typeface="Helvetica"/>
-                          <a:cs typeface="Helvetica"/>
+                          <a:latin typeface="Times New Roman"/>
+                          <a:ea typeface="Times New Roman"/>
+                          <a:cs typeface="Times New Roman"/>
                         </a:rPr>
                         <a:t>setosa</a:t>
                       </a:r>
@@ -3582,9 +3582,9 @@
                               <a:alpha val="100000"/>
                             </a:srgbClr>
                           </a:solidFill>
-                          <a:latin typeface="Helvetica"/>
-                          <a:ea typeface="Helvetica"/>
-                          <a:cs typeface="Helvetica"/>
+                          <a:latin typeface="Times New Roman"/>
+                          <a:ea typeface="Times New Roman"/>
+                          <a:cs typeface="Times New Roman"/>
                         </a:rPr>
                         <a:t/>
                       </a:r>
@@ -3595,9 +3595,9 @@
                               <a:alpha val="100000"/>
                             </a:srgbClr>
                           </a:solidFill>
-                          <a:latin typeface="Helvetica"/>
-                          <a:ea typeface="Helvetica"/>
-                          <a:cs typeface="Helvetica"/>
+                          <a:latin typeface="Times New Roman"/>
+                          <a:ea typeface="Times New Roman"/>
+                          <a:cs typeface="Times New Roman"/>
                         </a:rPr>
                         <a:t>5.1</a:t>
                       </a:r>
@@ -3664,9 +3664,9 @@
                               <a:alpha val="100000"/>
                             </a:srgbClr>
                           </a:solidFill>
-                          <a:latin typeface="Helvetica"/>
-                          <a:ea typeface="Helvetica"/>
-                          <a:cs typeface="Helvetica"/>
+                          <a:latin typeface="Times New Roman"/>
+                          <a:ea typeface="Times New Roman"/>
+                          <a:cs typeface="Times New Roman"/>
                         </a:rPr>
                         <a:t/>
                       </a:r>
@@ -3677,9 +3677,9 @@
                               <a:alpha val="100000"/>
                             </a:srgbClr>
                           </a:solidFill>
-                          <a:latin typeface="Helvetica"/>
-                          <a:ea typeface="Helvetica"/>
-                          <a:cs typeface="Helvetica"/>
+                          <a:latin typeface="Times New Roman"/>
+                          <a:ea typeface="Times New Roman"/>
+                          <a:cs typeface="Times New Roman"/>
                         </a:rPr>
                         <a:t>3.8</a:t>
                       </a:r>
@@ -3746,9 +3746,9 @@
                               <a:alpha val="100000"/>
                             </a:srgbClr>
                           </a:solidFill>
-                          <a:latin typeface="Helvetica"/>
-                          <a:ea typeface="Helvetica"/>
-                          <a:cs typeface="Helvetica"/>
+                          <a:latin typeface="Times New Roman"/>
+                          <a:ea typeface="Times New Roman"/>
+                          <a:cs typeface="Times New Roman"/>
                         </a:rPr>
                         <a:t/>
                       </a:r>
@@ -3759,9 +3759,9 @@
                               <a:alpha val="100000"/>
                             </a:srgbClr>
                           </a:solidFill>
-                          <a:latin typeface="Helvetica"/>
-                          <a:ea typeface="Helvetica"/>
-                          <a:cs typeface="Helvetica"/>
+                          <a:latin typeface="Times New Roman"/>
+                          <a:ea typeface="Times New Roman"/>
+                          <a:cs typeface="Times New Roman"/>
                         </a:rPr>
                         <a:t>1.6</a:t>
                       </a:r>
@@ -3828,9 +3828,9 @@
                               <a:alpha val="100000"/>
                             </a:srgbClr>
                           </a:solidFill>
-                          <a:latin typeface="Helvetica"/>
-                          <a:ea typeface="Helvetica"/>
-                          <a:cs typeface="Helvetica"/>
+                          <a:latin typeface="Times New Roman"/>
+                          <a:ea typeface="Times New Roman"/>
+                          <a:cs typeface="Times New Roman"/>
                         </a:rPr>
                         <a:t/>
                       </a:r>
@@ -3841,9 +3841,9 @@
                               <a:alpha val="100000"/>
                             </a:srgbClr>
                           </a:solidFill>
-                          <a:latin typeface="Helvetica"/>
-                          <a:ea typeface="Helvetica"/>
-                          <a:cs typeface="Helvetica"/>
+                          <a:latin typeface="Times New Roman"/>
+                          <a:ea typeface="Times New Roman"/>
+                          <a:cs typeface="Times New Roman"/>
                         </a:rPr>
                         <a:t>0.2</a:t>
                       </a:r>
@@ -3910,9 +3910,9 @@
                               <a:alpha val="100000"/>
                             </a:srgbClr>
                           </a:solidFill>
-                          <a:latin typeface="Helvetica"/>
-                          <a:ea typeface="Helvetica"/>
-                          <a:cs typeface="Helvetica"/>
+                          <a:latin typeface="Times New Roman"/>
+                          <a:ea typeface="Times New Roman"/>
+                          <a:cs typeface="Times New Roman"/>
                         </a:rPr>
                         <a:t/>
                       </a:r>
@@ -3923,9 +3923,9 @@
                               <a:alpha val="100000"/>
                             </a:srgbClr>
                           </a:solidFill>
-                          <a:latin typeface="Helvetica"/>
-                          <a:ea typeface="Helvetica"/>
-                          <a:cs typeface="Helvetica"/>
+                          <a:latin typeface="Times New Roman"/>
+                          <a:ea typeface="Times New Roman"/>
+                          <a:cs typeface="Times New Roman"/>
                         </a:rPr>
                         <a:t>setosa</a:t>
                       </a:r>
@@ -3994,9 +3994,9 @@
                               <a:alpha val="100000"/>
                             </a:srgbClr>
                           </a:solidFill>
-                          <a:latin typeface="Helvetica"/>
-                          <a:ea typeface="Helvetica"/>
-                          <a:cs typeface="Helvetica"/>
+                          <a:latin typeface="Times New Roman"/>
+                          <a:ea typeface="Times New Roman"/>
+                          <a:cs typeface="Times New Roman"/>
                         </a:rPr>
                         <a:t/>
                       </a:r>
@@ -4007,9 +4007,9 @@
                               <a:alpha val="100000"/>
                             </a:srgbClr>
                           </a:solidFill>
-                          <a:latin typeface="Helvetica"/>
-                          <a:ea typeface="Helvetica"/>
-                          <a:cs typeface="Helvetica"/>
+                          <a:latin typeface="Times New Roman"/>
+                          <a:ea typeface="Times New Roman"/>
+                          <a:cs typeface="Times New Roman"/>
                         </a:rPr>
                         <a:t>4.6</a:t>
                       </a:r>
@@ -4076,9 +4076,9 @@
                               <a:alpha val="100000"/>
                             </a:srgbClr>
                           </a:solidFill>
-                          <a:latin typeface="Helvetica"/>
-                          <a:ea typeface="Helvetica"/>
-                          <a:cs typeface="Helvetica"/>
+                          <a:latin typeface="Times New Roman"/>
+                          <a:ea typeface="Times New Roman"/>
+                          <a:cs typeface="Times New Roman"/>
                         </a:rPr>
                         <a:t/>
                       </a:r>
@@ -4089,9 +4089,9 @@
                               <a:alpha val="100000"/>
                             </a:srgbClr>
                           </a:solidFill>
-                          <a:latin typeface="Helvetica"/>
-                          <a:ea typeface="Helvetica"/>
-                          <a:cs typeface="Helvetica"/>
+                          <a:latin typeface="Times New Roman"/>
+                          <a:ea typeface="Times New Roman"/>
+                          <a:cs typeface="Times New Roman"/>
                         </a:rPr>
                         <a:t>3.2</a:t>
                       </a:r>
@@ -4158,9 +4158,9 @@
                               <a:alpha val="100000"/>
                             </a:srgbClr>
                           </a:solidFill>
-                          <a:latin typeface="Helvetica"/>
-                          <a:ea typeface="Helvetica"/>
-                          <a:cs typeface="Helvetica"/>
+                          <a:latin typeface="Times New Roman"/>
+                          <a:ea typeface="Times New Roman"/>
+                          <a:cs typeface="Times New Roman"/>
                         </a:rPr>
                         <a:t/>
                       </a:r>
@@ -4171,9 +4171,9 @@
                               <a:alpha val="100000"/>
                             </a:srgbClr>
                           </a:solidFill>
-                          <a:latin typeface="Helvetica"/>
-                          <a:ea typeface="Helvetica"/>
-                          <a:cs typeface="Helvetica"/>
+                          <a:latin typeface="Times New Roman"/>
+                          <a:ea typeface="Times New Roman"/>
+                          <a:cs typeface="Times New Roman"/>
                         </a:rPr>
                         <a:t>1.4</a:t>
                       </a:r>
@@ -4240,9 +4240,9 @@
                               <a:alpha val="100000"/>
                             </a:srgbClr>
                           </a:solidFill>
-                          <a:latin typeface="Helvetica"/>
-                          <a:ea typeface="Helvetica"/>
-                          <a:cs typeface="Helvetica"/>
+                          <a:latin typeface="Times New Roman"/>
+                          <a:ea typeface="Times New Roman"/>
+                          <a:cs typeface="Times New Roman"/>
                         </a:rPr>
                         <a:t/>
                       </a:r>
@@ -4253,9 +4253,9 @@
                               <a:alpha val="100000"/>
                             </a:srgbClr>
                           </a:solidFill>
-                          <a:latin typeface="Helvetica"/>
-                          <a:ea typeface="Helvetica"/>
-                          <a:cs typeface="Helvetica"/>
+                          <a:latin typeface="Times New Roman"/>
+                          <a:ea typeface="Times New Roman"/>
+                          <a:cs typeface="Times New Roman"/>
                         </a:rPr>
                         <a:t>0.2</a:t>
                       </a:r>
@@ -4322,9 +4322,9 @@
                               <a:alpha val="100000"/>
                             </a:srgbClr>
                           </a:solidFill>
-                          <a:latin typeface="Helvetica"/>
-                          <a:ea typeface="Helvetica"/>
-                          <a:cs typeface="Helvetica"/>
+                          <a:latin typeface="Times New Roman"/>
+                          <a:ea typeface="Times New Roman"/>
+                          <a:cs typeface="Times New Roman"/>
                         </a:rPr>
                         <a:t/>
                       </a:r>
@@ -4335,9 +4335,9 @@
                               <a:alpha val="100000"/>
                             </a:srgbClr>
                           </a:solidFill>
-                          <a:latin typeface="Helvetica"/>
-                          <a:ea typeface="Helvetica"/>
-                          <a:cs typeface="Helvetica"/>
+                          <a:latin typeface="Times New Roman"/>
+                          <a:ea typeface="Times New Roman"/>
+                          <a:cs typeface="Times New Roman"/>
                         </a:rPr>
                         <a:t>setosa</a:t>
                       </a:r>
@@ -4406,9 +4406,9 @@
                               <a:alpha val="100000"/>
                             </a:srgbClr>
                           </a:solidFill>
-                          <a:latin typeface="Helvetica"/>
-                          <a:ea typeface="Helvetica"/>
-                          <a:cs typeface="Helvetica"/>
+                          <a:latin typeface="Times New Roman"/>
+                          <a:ea typeface="Times New Roman"/>
+                          <a:cs typeface="Times New Roman"/>
                         </a:rPr>
                         <a:t/>
                       </a:r>
@@ -4419,9 +4419,9 @@
                               <a:alpha val="100000"/>
                             </a:srgbClr>
                           </a:solidFill>
-                          <a:latin typeface="Helvetica"/>
-                          <a:ea typeface="Helvetica"/>
-                          <a:cs typeface="Helvetica"/>
+                          <a:latin typeface="Times New Roman"/>
+                          <a:ea typeface="Times New Roman"/>
+                          <a:cs typeface="Times New Roman"/>
                         </a:rPr>
                         <a:t>5.3</a:t>
                       </a:r>
@@ -4488,9 +4488,9 @@
                               <a:alpha val="100000"/>
                             </a:srgbClr>
                           </a:solidFill>
-                          <a:latin typeface="Helvetica"/>
-                          <a:ea typeface="Helvetica"/>
-                          <a:cs typeface="Helvetica"/>
+                          <a:latin typeface="Times New Roman"/>
+                          <a:ea typeface="Times New Roman"/>
+                          <a:cs typeface="Times New Roman"/>
                         </a:rPr>
                         <a:t/>
                       </a:r>
@@ -4501,9 +4501,9 @@
                               <a:alpha val="100000"/>
                             </a:srgbClr>
                           </a:solidFill>
-                          <a:latin typeface="Helvetica"/>
-                          <a:ea typeface="Helvetica"/>
-                          <a:cs typeface="Helvetica"/>
+                          <a:latin typeface="Times New Roman"/>
+                          <a:ea typeface="Times New Roman"/>
+                          <a:cs typeface="Times New Roman"/>
                         </a:rPr>
                         <a:t>3.7</a:t>
                       </a:r>
@@ -4570,9 +4570,9 @@
                               <a:alpha val="100000"/>
                             </a:srgbClr>
                           </a:solidFill>
-                          <a:latin typeface="Helvetica"/>
-                          <a:ea typeface="Helvetica"/>
-                          <a:cs typeface="Helvetica"/>
+                          <a:latin typeface="Times New Roman"/>
+                          <a:ea typeface="Times New Roman"/>
+                          <a:cs typeface="Times New Roman"/>
                         </a:rPr>
                         <a:t/>
                       </a:r>
@@ -4583,9 +4583,9 @@
                               <a:alpha val="100000"/>
                             </a:srgbClr>
                           </a:solidFill>
-                          <a:latin typeface="Helvetica"/>
-                          <a:ea typeface="Helvetica"/>
-                          <a:cs typeface="Helvetica"/>
+                          <a:latin typeface="Times New Roman"/>
+                          <a:ea typeface="Times New Roman"/>
+                          <a:cs typeface="Times New Roman"/>
                         </a:rPr>
                         <a:t>1.5</a:t>
                       </a:r>
@@ -4652,9 +4652,9 @@
                               <a:alpha val="100000"/>
                             </a:srgbClr>
                           </a:solidFill>
-                          <a:latin typeface="Helvetica"/>
-                          <a:ea typeface="Helvetica"/>
-                          <a:cs typeface="Helvetica"/>
+                          <a:latin typeface="Times New Roman"/>
+                          <a:ea typeface="Times New Roman"/>
+                          <a:cs typeface="Times New Roman"/>
                         </a:rPr>
                         <a:t/>
                       </a:r>
@@ -4665,9 +4665,9 @@
                               <a:alpha val="100000"/>
                             </a:srgbClr>
                           </a:solidFill>
-                          <a:latin typeface="Helvetica"/>
-                          <a:ea typeface="Helvetica"/>
-                          <a:cs typeface="Helvetica"/>
+                          <a:latin typeface="Times New Roman"/>
+                          <a:ea typeface="Times New Roman"/>
+                          <a:cs typeface="Times New Roman"/>
                         </a:rPr>
                         <a:t>0.2</a:t>
                       </a:r>
@@ -4734,9 +4734,9 @@
                               <a:alpha val="100000"/>
                             </a:srgbClr>
                           </a:solidFill>
-                          <a:latin typeface="Helvetica"/>
-                          <a:ea typeface="Helvetica"/>
-                          <a:cs typeface="Helvetica"/>
+                          <a:latin typeface="Times New Roman"/>
+                          <a:ea typeface="Times New Roman"/>
+                          <a:cs typeface="Times New Roman"/>
                         </a:rPr>
                         <a:t/>
                       </a:r>
@@ -4747,9 +4747,9 @@
                               <a:alpha val="100000"/>
                             </a:srgbClr>
                           </a:solidFill>
-                          <a:latin typeface="Helvetica"/>
-                          <a:ea typeface="Helvetica"/>
-                          <a:cs typeface="Helvetica"/>
+                          <a:latin typeface="Times New Roman"/>
+                          <a:ea typeface="Times New Roman"/>
+                          <a:cs typeface="Times New Roman"/>
                         </a:rPr>
                         <a:t>setosa</a:t>
                       </a:r>
@@ -4818,9 +4818,9 @@
                               <a:alpha val="100000"/>
                             </a:srgbClr>
                           </a:solidFill>
-                          <a:latin typeface="Helvetica"/>
-                          <a:ea typeface="Helvetica"/>
-                          <a:cs typeface="Helvetica"/>
+                          <a:latin typeface="Times New Roman"/>
+                          <a:ea typeface="Times New Roman"/>
+                          <a:cs typeface="Times New Roman"/>
                         </a:rPr>
                         <a:t/>
                       </a:r>
@@ -4831,9 +4831,9 @@
                               <a:alpha val="100000"/>
                             </a:srgbClr>
                           </a:solidFill>
-                          <a:latin typeface="Helvetica"/>
-                          <a:ea typeface="Helvetica"/>
-                          <a:cs typeface="Helvetica"/>
+                          <a:latin typeface="Times New Roman"/>
+                          <a:ea typeface="Times New Roman"/>
+                          <a:cs typeface="Times New Roman"/>
                         </a:rPr>
                         <a:t>5.0</a:t>
                       </a:r>
@@ -4900,9 +4900,9 @@
                               <a:alpha val="100000"/>
                             </a:srgbClr>
                           </a:solidFill>
-                          <a:latin typeface="Helvetica"/>
-                          <a:ea typeface="Helvetica"/>
-                          <a:cs typeface="Helvetica"/>
+                          <a:latin typeface="Times New Roman"/>
+                          <a:ea typeface="Times New Roman"/>
+                          <a:cs typeface="Times New Roman"/>
                         </a:rPr>
                         <a:t/>
                       </a:r>
@@ -4913,9 +4913,9 @@
                               <a:alpha val="100000"/>
                             </a:srgbClr>
                           </a:solidFill>
-                          <a:latin typeface="Helvetica"/>
-                          <a:ea typeface="Helvetica"/>
-                          <a:cs typeface="Helvetica"/>
+                          <a:latin typeface="Times New Roman"/>
+                          <a:ea typeface="Times New Roman"/>
+                          <a:cs typeface="Times New Roman"/>
                         </a:rPr>
                         <a:t>3.3</a:t>
                       </a:r>
@@ -4982,9 +4982,9 @@
                               <a:alpha val="100000"/>
                             </a:srgbClr>
                           </a:solidFill>
-                          <a:latin typeface="Helvetica"/>
-                          <a:ea typeface="Helvetica"/>
-                          <a:cs typeface="Helvetica"/>
+                          <a:latin typeface="Times New Roman"/>
+                          <a:ea typeface="Times New Roman"/>
+                          <a:cs typeface="Times New Roman"/>
                         </a:rPr>
                         <a:t/>
                       </a:r>
@@ -4995,9 +4995,9 @@
                               <a:alpha val="100000"/>
                             </a:srgbClr>
                           </a:solidFill>
-                          <a:latin typeface="Helvetica"/>
-                          <a:ea typeface="Helvetica"/>
-                          <a:cs typeface="Helvetica"/>
+                          <a:latin typeface="Times New Roman"/>
+                          <a:ea typeface="Times New Roman"/>
+                          <a:cs typeface="Times New Roman"/>
                         </a:rPr>
                         <a:t>1.4</a:t>
                       </a:r>
@@ -5064,9 +5064,9 @@
                               <a:alpha val="100000"/>
                             </a:srgbClr>
                           </a:solidFill>
-                          <a:latin typeface="Helvetica"/>
-                          <a:ea typeface="Helvetica"/>
-                          <a:cs typeface="Helvetica"/>
+                          <a:latin typeface="Times New Roman"/>
+                          <a:ea typeface="Times New Roman"/>
+                          <a:cs typeface="Times New Roman"/>
                         </a:rPr>
                         <a:t/>
                       </a:r>
@@ -5077,9 +5077,9 @@
                               <a:alpha val="100000"/>
                             </a:srgbClr>
                           </a:solidFill>
-                          <a:latin typeface="Helvetica"/>
-                          <a:ea typeface="Helvetica"/>
-                          <a:cs typeface="Helvetica"/>
+                          <a:latin typeface="Times New Roman"/>
+                          <a:ea typeface="Times New Roman"/>
+                          <a:cs typeface="Times New Roman"/>
                         </a:rPr>
                         <a:t>0.2</a:t>
                       </a:r>
@@ -5146,9 +5146,9 @@
                               <a:alpha val="100000"/>
                             </a:srgbClr>
                           </a:solidFill>
-                          <a:latin typeface="Helvetica"/>
-                          <a:ea typeface="Helvetica"/>
-                          <a:cs typeface="Helvetica"/>
+                          <a:latin typeface="Times New Roman"/>
+                          <a:ea typeface="Times New Roman"/>
+                          <a:cs typeface="Times New Roman"/>
                         </a:rPr>
                         <a:t/>
                       </a:r>
@@ -5159,9 +5159,9 @@
                               <a:alpha val="100000"/>
                             </a:srgbClr>
                           </a:solidFill>
-                          <a:latin typeface="Helvetica"/>
-                          <a:ea typeface="Helvetica"/>
-                          <a:cs typeface="Helvetica"/>
+                          <a:latin typeface="Times New Roman"/>
+                          <a:ea typeface="Times New Roman"/>
+                          <a:cs typeface="Times New Roman"/>
                         </a:rPr>
                         <a:t>setosa</a:t>
                       </a:r>
@@ -5230,9 +5230,9 @@
                               <a:alpha val="100000"/>
                             </a:srgbClr>
                           </a:solidFill>
-                          <a:latin typeface="Helvetica"/>
-                          <a:ea typeface="Helvetica"/>
-                          <a:cs typeface="Helvetica"/>
+                          <a:latin typeface="Times New Roman"/>
+                          <a:ea typeface="Times New Roman"/>
+                          <a:cs typeface="Times New Roman"/>
                         </a:rPr>
                         <a:t/>
                       </a:r>
@@ -5243,9 +5243,9 @@
                               <a:alpha val="100000"/>
                             </a:srgbClr>
                           </a:solidFill>
-                          <a:latin typeface="Helvetica"/>
-                          <a:ea typeface="Helvetica"/>
-                          <a:cs typeface="Helvetica"/>
+                          <a:latin typeface="Times New Roman"/>
+                          <a:ea typeface="Times New Roman"/>
+                          <a:cs typeface="Times New Roman"/>
                         </a:rPr>
                         <a:t>7.0</a:t>
                       </a:r>
@@ -5312,9 +5312,9 @@
                               <a:alpha val="100000"/>
                             </a:srgbClr>
                           </a:solidFill>
-                          <a:latin typeface="Helvetica"/>
-                          <a:ea typeface="Helvetica"/>
-                          <a:cs typeface="Helvetica"/>
+                          <a:latin typeface="Times New Roman"/>
+                          <a:ea typeface="Times New Roman"/>
+                          <a:cs typeface="Times New Roman"/>
                         </a:rPr>
                         <a:t/>
                       </a:r>
@@ -5325,9 +5325,9 @@
                               <a:alpha val="100000"/>
                             </a:srgbClr>
                           </a:solidFill>
-                          <a:latin typeface="Helvetica"/>
-                          <a:ea typeface="Helvetica"/>
-                          <a:cs typeface="Helvetica"/>
+                          <a:latin typeface="Times New Roman"/>
+                          <a:ea typeface="Times New Roman"/>
+                          <a:cs typeface="Times New Roman"/>
                         </a:rPr>
                         <a:t>3.2</a:t>
                       </a:r>
@@ -5394,9 +5394,9 @@
                               <a:alpha val="100000"/>
                             </a:srgbClr>
                           </a:solidFill>
-                          <a:latin typeface="Helvetica"/>
-                          <a:ea typeface="Helvetica"/>
-                          <a:cs typeface="Helvetica"/>
+                          <a:latin typeface="Times New Roman"/>
+                          <a:ea typeface="Times New Roman"/>
+                          <a:cs typeface="Times New Roman"/>
                         </a:rPr>
                         <a:t/>
                       </a:r>
@@ -5407,9 +5407,9 @@
                               <a:alpha val="100000"/>
                             </a:srgbClr>
                           </a:solidFill>
-                          <a:latin typeface="Helvetica"/>
-                          <a:ea typeface="Helvetica"/>
-                          <a:cs typeface="Helvetica"/>
+                          <a:latin typeface="Times New Roman"/>
+                          <a:ea typeface="Times New Roman"/>
+                          <a:cs typeface="Times New Roman"/>
                         </a:rPr>
                         <a:t>4.7</a:t>
                       </a:r>
@@ -5476,9 +5476,9 @@
                               <a:alpha val="100000"/>
                             </a:srgbClr>
                           </a:solidFill>
-                          <a:latin typeface="Helvetica"/>
-                          <a:ea typeface="Helvetica"/>
-                          <a:cs typeface="Helvetica"/>
+                          <a:latin typeface="Times New Roman"/>
+                          <a:ea typeface="Times New Roman"/>
+                          <a:cs typeface="Times New Roman"/>
                         </a:rPr>
                         <a:t/>
                       </a:r>
@@ -5489,9 +5489,9 @@
                               <a:alpha val="100000"/>
                             </a:srgbClr>
                           </a:solidFill>
-                          <a:latin typeface="Helvetica"/>
-                          <a:ea typeface="Helvetica"/>
-                          <a:cs typeface="Helvetica"/>
+                          <a:latin typeface="Times New Roman"/>
+                          <a:ea typeface="Times New Roman"/>
+                          <a:cs typeface="Times New Roman"/>
                         </a:rPr>
                         <a:t>1.4</a:t>
                       </a:r>
@@ -5558,9 +5558,9 @@
                               <a:alpha val="100000"/>
                             </a:srgbClr>
                           </a:solidFill>
-                          <a:latin typeface="Helvetica"/>
-                          <a:ea typeface="Helvetica"/>
-                          <a:cs typeface="Helvetica"/>
+                          <a:latin typeface="Times New Roman"/>
+                          <a:ea typeface="Times New Roman"/>
+                          <a:cs typeface="Times New Roman"/>
                         </a:rPr>
                         <a:t/>
                       </a:r>
@@ -5571,9 +5571,9 @@
                               <a:alpha val="100000"/>
                             </a:srgbClr>
                           </a:solidFill>
-                          <a:latin typeface="Helvetica"/>
-                          <a:ea typeface="Helvetica"/>
-                          <a:cs typeface="Helvetica"/>
+                          <a:latin typeface="Times New Roman"/>
+                          <a:ea typeface="Times New Roman"/>
+                          <a:cs typeface="Times New Roman"/>
                         </a:rPr>
                         <a:t>versicolor</a:t>
                       </a:r>
@@ -5642,9 +5642,9 @@
                               <a:alpha val="100000"/>
                             </a:srgbClr>
                           </a:solidFill>
-                          <a:latin typeface="Helvetica"/>
-                          <a:ea typeface="Helvetica"/>
-                          <a:cs typeface="Helvetica"/>
+                          <a:latin typeface="Times New Roman"/>
+                          <a:ea typeface="Times New Roman"/>
+                          <a:cs typeface="Times New Roman"/>
                         </a:rPr>
                         <a:t/>
                       </a:r>
@@ -5655,9 +5655,9 @@
                               <a:alpha val="100000"/>
                             </a:srgbClr>
                           </a:solidFill>
-                          <a:latin typeface="Helvetica"/>
-                          <a:ea typeface="Helvetica"/>
-                          <a:cs typeface="Helvetica"/>
+                          <a:latin typeface="Times New Roman"/>
+                          <a:ea typeface="Times New Roman"/>
+                          <a:cs typeface="Times New Roman"/>
                         </a:rPr>
                         <a:t>6.4</a:t>
                       </a:r>
@@ -5724,9 +5724,9 @@
                               <a:alpha val="100000"/>
                             </a:srgbClr>
                           </a:solidFill>
-                          <a:latin typeface="Helvetica"/>
-                          <a:ea typeface="Helvetica"/>
-                          <a:cs typeface="Helvetica"/>
+                          <a:latin typeface="Times New Roman"/>
+                          <a:ea typeface="Times New Roman"/>
+                          <a:cs typeface="Times New Roman"/>
                         </a:rPr>
                         <a:t/>
                       </a:r>
@@ -5737,9 +5737,9 @@
                               <a:alpha val="100000"/>
                             </a:srgbClr>
                           </a:solidFill>
-                          <a:latin typeface="Helvetica"/>
-                          <a:ea typeface="Helvetica"/>
-                          <a:cs typeface="Helvetica"/>
+                          <a:latin typeface="Times New Roman"/>
+                          <a:ea typeface="Times New Roman"/>
+                          <a:cs typeface="Times New Roman"/>
                         </a:rPr>
                         <a:t>3.2</a:t>
                       </a:r>
@@ -5806,9 +5806,9 @@
                               <a:alpha val="100000"/>
                             </a:srgbClr>
                           </a:solidFill>
-                          <a:latin typeface="Helvetica"/>
-                          <a:ea typeface="Helvetica"/>
-                          <a:cs typeface="Helvetica"/>
+                          <a:latin typeface="Times New Roman"/>
+                          <a:ea typeface="Times New Roman"/>
+                          <a:cs typeface="Times New Roman"/>
                         </a:rPr>
                         <a:t/>
                       </a:r>
@@ -5819,9 +5819,9 @@
                               <a:alpha val="100000"/>
                             </a:srgbClr>
                           </a:solidFill>
-                          <a:latin typeface="Helvetica"/>
-                          <a:ea typeface="Helvetica"/>
-                          <a:cs typeface="Helvetica"/>
+                          <a:latin typeface="Times New Roman"/>
+                          <a:ea typeface="Times New Roman"/>
+                          <a:cs typeface="Times New Roman"/>
                         </a:rPr>
                         <a:t>4.5</a:t>
                       </a:r>
@@ -5888,9 +5888,9 @@
                               <a:alpha val="100000"/>
                             </a:srgbClr>
                           </a:solidFill>
-                          <a:latin typeface="Helvetica"/>
-                          <a:ea typeface="Helvetica"/>
-                          <a:cs typeface="Helvetica"/>
+                          <a:latin typeface="Times New Roman"/>
+                          <a:ea typeface="Times New Roman"/>
+                          <a:cs typeface="Times New Roman"/>
                         </a:rPr>
                         <a:t/>
                       </a:r>
@@ -5901,9 +5901,9 @@
                               <a:alpha val="100000"/>
                             </a:srgbClr>
                           </a:solidFill>
-                          <a:latin typeface="Helvetica"/>
-                          <a:ea typeface="Helvetica"/>
-                          <a:cs typeface="Helvetica"/>
+                          <a:latin typeface="Times New Roman"/>
+                          <a:ea typeface="Times New Roman"/>
+                          <a:cs typeface="Times New Roman"/>
                         </a:rPr>
                         <a:t>1.5</a:t>
                       </a:r>
@@ -5970,9 +5970,9 @@
                               <a:alpha val="100000"/>
                             </a:srgbClr>
                           </a:solidFill>
-                          <a:latin typeface="Helvetica"/>
-                          <a:ea typeface="Helvetica"/>
-                          <a:cs typeface="Helvetica"/>
+                          <a:latin typeface="Times New Roman"/>
+                          <a:ea typeface="Times New Roman"/>
+                          <a:cs typeface="Times New Roman"/>
                         </a:rPr>
                         <a:t/>
                       </a:r>
@@ -5983,9 +5983,9 @@
                               <a:alpha val="100000"/>
                             </a:srgbClr>
                           </a:solidFill>
-                          <a:latin typeface="Helvetica"/>
-                          <a:ea typeface="Helvetica"/>
-                          <a:cs typeface="Helvetica"/>
+                          <a:latin typeface="Times New Roman"/>
+                          <a:ea typeface="Times New Roman"/>
+                          <a:cs typeface="Times New Roman"/>
                         </a:rPr>
                         <a:t>versicolor</a:t>
                       </a:r>
@@ -6054,9 +6054,9 @@
                               <a:alpha val="100000"/>
                             </a:srgbClr>
                           </a:solidFill>
-                          <a:latin typeface="Helvetica"/>
-                          <a:ea typeface="Helvetica"/>
-                          <a:cs typeface="Helvetica"/>
+                          <a:latin typeface="Times New Roman"/>
+                          <a:ea typeface="Times New Roman"/>
+                          <a:cs typeface="Times New Roman"/>
                         </a:rPr>
                         <a:t/>
                       </a:r>
@@ -6067,9 +6067,9 @@
                               <a:alpha val="100000"/>
                             </a:srgbClr>
                           </a:solidFill>
-                          <a:latin typeface="Helvetica"/>
-                          <a:ea typeface="Helvetica"/>
-                          <a:cs typeface="Helvetica"/>
+                          <a:latin typeface="Times New Roman"/>
+                          <a:ea typeface="Times New Roman"/>
+                          <a:cs typeface="Times New Roman"/>
                         </a:rPr>
                         <a:t>6.9</a:t>
                       </a:r>
@@ -6136,9 +6136,9 @@
                               <a:alpha val="100000"/>
                             </a:srgbClr>
                           </a:solidFill>
-                          <a:latin typeface="Helvetica"/>
-                          <a:ea typeface="Helvetica"/>
-                          <a:cs typeface="Helvetica"/>
+                          <a:latin typeface="Times New Roman"/>
+                          <a:ea typeface="Times New Roman"/>
+                          <a:cs typeface="Times New Roman"/>
                         </a:rPr>
                         <a:t/>
                       </a:r>
@@ -6149,9 +6149,9 @@
                               <a:alpha val="100000"/>
                             </a:srgbClr>
                           </a:solidFill>
-                          <a:latin typeface="Helvetica"/>
-                          <a:ea typeface="Helvetica"/>
-                          <a:cs typeface="Helvetica"/>
+                          <a:latin typeface="Times New Roman"/>
+                          <a:ea typeface="Times New Roman"/>
+                          <a:cs typeface="Times New Roman"/>
                         </a:rPr>
                         <a:t>3.1</a:t>
                       </a:r>
@@ -6218,9 +6218,9 @@
                               <a:alpha val="100000"/>
                             </a:srgbClr>
                           </a:solidFill>
-                          <a:latin typeface="Helvetica"/>
-                          <a:ea typeface="Helvetica"/>
-                          <a:cs typeface="Helvetica"/>
+                          <a:latin typeface="Times New Roman"/>
+                          <a:ea typeface="Times New Roman"/>
+                          <a:cs typeface="Times New Roman"/>
                         </a:rPr>
                         <a:t/>
                       </a:r>
@@ -6231,9 +6231,9 @@
                               <a:alpha val="100000"/>
                             </a:srgbClr>
                           </a:solidFill>
-                          <a:latin typeface="Helvetica"/>
-                          <a:ea typeface="Helvetica"/>
-                          <a:cs typeface="Helvetica"/>
+                          <a:latin typeface="Times New Roman"/>
+                          <a:ea typeface="Times New Roman"/>
+                          <a:cs typeface="Times New Roman"/>
                         </a:rPr>
                         <a:t>4.9</a:t>
                       </a:r>
@@ -6300,9 +6300,9 @@
                               <a:alpha val="100000"/>
                             </a:srgbClr>
                           </a:solidFill>
-                          <a:latin typeface="Helvetica"/>
-                          <a:ea typeface="Helvetica"/>
-                          <a:cs typeface="Helvetica"/>
+                          <a:latin typeface="Times New Roman"/>
+                          <a:ea typeface="Times New Roman"/>
+                          <a:cs typeface="Times New Roman"/>
                         </a:rPr>
                         <a:t/>
                       </a:r>
@@ -6313,9 +6313,9 @@
                               <a:alpha val="100000"/>
                             </a:srgbClr>
                           </a:solidFill>
-                          <a:latin typeface="Helvetica"/>
-                          <a:ea typeface="Helvetica"/>
-                          <a:cs typeface="Helvetica"/>
+                          <a:latin typeface="Times New Roman"/>
+                          <a:ea typeface="Times New Roman"/>
+                          <a:cs typeface="Times New Roman"/>
                         </a:rPr>
                         <a:t>1.5</a:t>
                       </a:r>
@@ -6382,9 +6382,9 @@
                               <a:alpha val="100000"/>
                             </a:srgbClr>
                           </a:solidFill>
-                          <a:latin typeface="Helvetica"/>
-                          <a:ea typeface="Helvetica"/>
-                          <a:cs typeface="Helvetica"/>
+                          <a:latin typeface="Times New Roman"/>
+                          <a:ea typeface="Times New Roman"/>
+                          <a:cs typeface="Times New Roman"/>
                         </a:rPr>
                         <a:t/>
                       </a:r>
@@ -6395,9 +6395,9 @@
                               <a:alpha val="100000"/>
                             </a:srgbClr>
                           </a:solidFill>
-                          <a:latin typeface="Helvetica"/>
-                          <a:ea typeface="Helvetica"/>
-                          <a:cs typeface="Helvetica"/>
+                          <a:latin typeface="Times New Roman"/>
+                          <a:ea typeface="Times New Roman"/>
+                          <a:cs typeface="Times New Roman"/>
                         </a:rPr>
                         <a:t>versicolor</a:t>
                       </a:r>
@@ -6466,9 +6466,9 @@
                               <a:alpha val="100000"/>
                             </a:srgbClr>
                           </a:solidFill>
-                          <a:latin typeface="Helvetica"/>
-                          <a:ea typeface="Helvetica"/>
-                          <a:cs typeface="Helvetica"/>
+                          <a:latin typeface="Times New Roman"/>
+                          <a:ea typeface="Times New Roman"/>
+                          <a:cs typeface="Times New Roman"/>
                         </a:rPr>
                         <a:t/>
                       </a:r>
@@ -6479,9 +6479,9 @@
                               <a:alpha val="100000"/>
                             </a:srgbClr>
                           </a:solidFill>
-                          <a:latin typeface="Helvetica"/>
-                          <a:ea typeface="Helvetica"/>
-                          <a:cs typeface="Helvetica"/>
+                          <a:latin typeface="Times New Roman"/>
+                          <a:ea typeface="Times New Roman"/>
+                          <a:cs typeface="Times New Roman"/>
                         </a:rPr>
                         <a:t>5.5</a:t>
                       </a:r>
@@ -6548,9 +6548,9 @@
                               <a:alpha val="100000"/>
                             </a:srgbClr>
                           </a:solidFill>
-                          <a:latin typeface="Helvetica"/>
-                          <a:ea typeface="Helvetica"/>
-                          <a:cs typeface="Helvetica"/>
+                          <a:latin typeface="Times New Roman"/>
+                          <a:ea typeface="Times New Roman"/>
+                          <a:cs typeface="Times New Roman"/>
                         </a:rPr>
                         <a:t/>
                       </a:r>
@@ -6561,9 +6561,9 @@
                               <a:alpha val="100000"/>
                             </a:srgbClr>
                           </a:solidFill>
-                          <a:latin typeface="Helvetica"/>
-                          <a:ea typeface="Helvetica"/>
-                          <a:cs typeface="Helvetica"/>
+                          <a:latin typeface="Times New Roman"/>
+                          <a:ea typeface="Times New Roman"/>
+                          <a:cs typeface="Times New Roman"/>
                         </a:rPr>
                         <a:t>2.3</a:t>
                       </a:r>
@@ -6630,9 +6630,9 @@
                               <a:alpha val="100000"/>
                             </a:srgbClr>
                           </a:solidFill>
-                          <a:latin typeface="Helvetica"/>
-                          <a:ea typeface="Helvetica"/>
-                          <a:cs typeface="Helvetica"/>
+                          <a:latin typeface="Times New Roman"/>
+                          <a:ea typeface="Times New Roman"/>
+                          <a:cs typeface="Times New Roman"/>
                         </a:rPr>
                         <a:t/>
                       </a:r>
@@ -6643,9 +6643,9 @@
                               <a:alpha val="100000"/>
                             </a:srgbClr>
                           </a:solidFill>
-                          <a:latin typeface="Helvetica"/>
-                          <a:ea typeface="Helvetica"/>
-                          <a:cs typeface="Helvetica"/>
+                          <a:latin typeface="Times New Roman"/>
+                          <a:ea typeface="Times New Roman"/>
+                          <a:cs typeface="Times New Roman"/>
                         </a:rPr>
                         <a:t>4.0</a:t>
                       </a:r>
@@ -6712,9 +6712,9 @@
                               <a:alpha val="100000"/>
                             </a:srgbClr>
                           </a:solidFill>
-                          <a:latin typeface="Helvetica"/>
-                          <a:ea typeface="Helvetica"/>
-                          <a:cs typeface="Helvetica"/>
+                          <a:latin typeface="Times New Roman"/>
+                          <a:ea typeface="Times New Roman"/>
+                          <a:cs typeface="Times New Roman"/>
                         </a:rPr>
                         <a:t/>
                       </a:r>
@@ -6725,9 +6725,9 @@
                               <a:alpha val="100000"/>
                             </a:srgbClr>
                           </a:solidFill>
-                          <a:latin typeface="Helvetica"/>
-                          <a:ea typeface="Helvetica"/>
-                          <a:cs typeface="Helvetica"/>
+                          <a:latin typeface="Times New Roman"/>
+                          <a:ea typeface="Times New Roman"/>
+                          <a:cs typeface="Times New Roman"/>
                         </a:rPr>
                         <a:t>1.3</a:t>
                       </a:r>
@@ -6794,9 +6794,9 @@
                               <a:alpha val="100000"/>
                             </a:srgbClr>
                           </a:solidFill>
-                          <a:latin typeface="Helvetica"/>
-                          <a:ea typeface="Helvetica"/>
-                          <a:cs typeface="Helvetica"/>
+                          <a:latin typeface="Times New Roman"/>
+                          <a:ea typeface="Times New Roman"/>
+                          <a:cs typeface="Times New Roman"/>
                         </a:rPr>
                         <a:t/>
                       </a:r>
@@ -6807,9 +6807,9 @@
                               <a:alpha val="100000"/>
                             </a:srgbClr>
                           </a:solidFill>
-                          <a:latin typeface="Helvetica"/>
-                          <a:ea typeface="Helvetica"/>
-                          <a:cs typeface="Helvetica"/>
+                          <a:latin typeface="Times New Roman"/>
+                          <a:ea typeface="Times New Roman"/>
+                          <a:cs typeface="Times New Roman"/>
                         </a:rPr>
                         <a:t>versicolor</a:t>
                       </a:r>
@@ -6878,9 +6878,9 @@
                               <a:alpha val="100000"/>
                             </a:srgbClr>
                           </a:solidFill>
-                          <a:latin typeface="Helvetica"/>
-                          <a:ea typeface="Helvetica"/>
-                          <a:cs typeface="Helvetica"/>
+                          <a:latin typeface="Times New Roman"/>
+                          <a:ea typeface="Times New Roman"/>
+                          <a:cs typeface="Times New Roman"/>
                         </a:rPr>
                         <a:t/>
                       </a:r>
@@ -6891,9 +6891,9 @@
                               <a:alpha val="100000"/>
                             </a:srgbClr>
                           </a:solidFill>
-                          <a:latin typeface="Helvetica"/>
-                          <a:ea typeface="Helvetica"/>
-                          <a:cs typeface="Helvetica"/>
+                          <a:latin typeface="Times New Roman"/>
+                          <a:ea typeface="Times New Roman"/>
+                          <a:cs typeface="Times New Roman"/>
                         </a:rPr>
                         <a:t>6.5</a:t>
                       </a:r>
@@ -6960,9 +6960,9 @@
                               <a:alpha val="100000"/>
                             </a:srgbClr>
                           </a:solidFill>
-                          <a:latin typeface="Helvetica"/>
-                          <a:ea typeface="Helvetica"/>
-                          <a:cs typeface="Helvetica"/>
+                          <a:latin typeface="Times New Roman"/>
+                          <a:ea typeface="Times New Roman"/>
+                          <a:cs typeface="Times New Roman"/>
                         </a:rPr>
                         <a:t/>
                       </a:r>
@@ -6973,9 +6973,9 @@
                               <a:alpha val="100000"/>
                             </a:srgbClr>
                           </a:solidFill>
-                          <a:latin typeface="Helvetica"/>
-                          <a:ea typeface="Helvetica"/>
-                          <a:cs typeface="Helvetica"/>
+                          <a:latin typeface="Times New Roman"/>
+                          <a:ea typeface="Times New Roman"/>
+                          <a:cs typeface="Times New Roman"/>
                         </a:rPr>
                         <a:t>2.8</a:t>
                       </a:r>
@@ -7042,9 +7042,9 @@
                               <a:alpha val="100000"/>
                             </a:srgbClr>
                           </a:solidFill>
-                          <a:latin typeface="Helvetica"/>
-                          <a:ea typeface="Helvetica"/>
-                          <a:cs typeface="Helvetica"/>
+                          <a:latin typeface="Times New Roman"/>
+                          <a:ea typeface="Times New Roman"/>
+                          <a:cs typeface="Times New Roman"/>
                         </a:rPr>
                         <a:t/>
                       </a:r>
@@ -7055,9 +7055,9 @@
                               <a:alpha val="100000"/>
                             </a:srgbClr>
                           </a:solidFill>
-                          <a:latin typeface="Helvetica"/>
-                          <a:ea typeface="Helvetica"/>
-                          <a:cs typeface="Helvetica"/>
+                          <a:latin typeface="Times New Roman"/>
+                          <a:ea typeface="Times New Roman"/>
+                          <a:cs typeface="Times New Roman"/>
                         </a:rPr>
                         <a:t>4.6</a:t>
                       </a:r>
@@ -7124,9 +7124,9 @@
                               <a:alpha val="100000"/>
                             </a:srgbClr>
                           </a:solidFill>
-                          <a:latin typeface="Helvetica"/>
-                          <a:ea typeface="Helvetica"/>
-                          <a:cs typeface="Helvetica"/>
+                          <a:latin typeface="Times New Roman"/>
+                          <a:ea typeface="Times New Roman"/>
+                          <a:cs typeface="Times New Roman"/>
                         </a:rPr>
                         <a:t/>
                       </a:r>
@@ -7137,9 +7137,9 @@
                               <a:alpha val="100000"/>
                             </a:srgbClr>
                           </a:solidFill>
-                          <a:latin typeface="Helvetica"/>
-                          <a:ea typeface="Helvetica"/>
-                          <a:cs typeface="Helvetica"/>
+                          <a:latin typeface="Times New Roman"/>
+                          <a:ea typeface="Times New Roman"/>
+                          <a:cs typeface="Times New Roman"/>
                         </a:rPr>
                         <a:t>1.5</a:t>
                       </a:r>
@@ -7206,9 +7206,9 @@
                               <a:alpha val="100000"/>
                             </a:srgbClr>
                           </a:solidFill>
-                          <a:latin typeface="Helvetica"/>
-                          <a:ea typeface="Helvetica"/>
-                          <a:cs typeface="Helvetica"/>
+                          <a:latin typeface="Times New Roman"/>
+                          <a:ea typeface="Times New Roman"/>
+                          <a:cs typeface="Times New Roman"/>
                         </a:rPr>
                         <a:t/>
                       </a:r>
@@ -7219,9 +7219,9 @@
                               <a:alpha val="100000"/>
                             </a:srgbClr>
                           </a:solidFill>
-                          <a:latin typeface="Helvetica"/>
-                          <a:ea typeface="Helvetica"/>
-                          <a:cs typeface="Helvetica"/>
+                          <a:latin typeface="Times New Roman"/>
+                          <a:ea typeface="Times New Roman"/>
+                          <a:cs typeface="Times New Roman"/>
                         </a:rPr>
                         <a:t>versicolor</a:t>
                       </a:r>

--- a/docs/articles/header_rot.pptx
+++ b/docs/articles/header_rot.pptx
@@ -1,11 +1,11 @@
 
 <file path=ppt/presentation.xml><?xml version="1.0" encoding="utf-8"?>
-<p:presentation xmlns:p="http://schemas.openxmlformats.org/presentationml/2006/main" xmlns:a="http://schemas.openxmlformats.org/drawingml/2006/main" xmlns:r="http://schemas.openxmlformats.org/officeDocument/2006/relationships" xmlns:mc="http://schemas.openxmlformats.org/markup-compatibility/2006" xmlns:c="http://schemas.openxmlformats.org/drawingml/2006/chart" xmlns:ns6="http://schemas.openxmlformats.org/drawingml/2006/chartDrawing" xmlns:dgm="http://schemas.openxmlformats.org/drawingml/2006/diagram" xmlns:pic="http://schemas.openxmlformats.org/drawingml/2006/picture" xmlns:wp="http://schemas.openxmlformats.org/drawingml/2006/wordprocessingDrawing" xmlns:xdr="http://schemas.openxmlformats.org/drawingml/2006/spreadsheetDrawing" xmlns:ns11="http://schemas.openxmlformats.org/drawingml/2006/compatibility" xmlns:ns12="http://schemas.openxmlformats.org/drawingml/2006/lockedCanvas" saveSubsetFonts="true">
+<p:presentation xmlns:p="http://schemas.openxmlformats.org/presentationml/2006/main" xmlns:r="http://schemas.openxmlformats.org/officeDocument/2006/relationships" xmlns:a="http://schemas.openxmlformats.org/drawingml/2006/main" xmlns:mc="http://schemas.openxmlformats.org/markup-compatibility/2006" xmlns:c="http://schemas.openxmlformats.org/drawingml/2006/chart" xmlns:ns6="http://schemas.openxmlformats.org/drawingml/2006/chartDrawing" xmlns:dgm="http://schemas.openxmlformats.org/drawingml/2006/diagram" xmlns:pic="http://schemas.openxmlformats.org/drawingml/2006/picture" xmlns:wp="http://schemas.openxmlformats.org/drawingml/2006/wordprocessingDrawing" xmlns:xdr="http://schemas.openxmlformats.org/drawingml/2006/spreadsheetDrawing" xmlns:ns11="http://schemas.openxmlformats.org/drawingml/2006/compatibility" xmlns:ns12="http://schemas.openxmlformats.org/drawingml/2006/lockedCanvas" saveSubsetFonts="true">
   <p:sldMasterIdLst>
     <p:sldMasterId id="2147483648" r:id="rId1"/>
   </p:sldMasterIdLst>
   <p:sldIdLst>
-    <p:sldId id="1863734928" r:id="rId6"/>
+    <p:sldId id="435183019" r:id="rId6"/>
   </p:sldIdLst>
   <p:sldSz cx="12192000" cy="6858000"/>
   <p:notesSz cx="6858000" cy="9144000"/>
@@ -113,7 +113,7 @@
 </file>
 
 <file path=ppt/slideLayouts/slideLayout1.xml><?xml version="1.0" encoding="utf-8"?>
-<p:sldLayout xmlns:p="http://schemas.openxmlformats.org/presentationml/2006/main" xmlns:a="http://schemas.openxmlformats.org/drawingml/2006/main" xmlns:r="http://schemas.openxmlformats.org/officeDocument/2006/relationships" xmlns:mc="http://schemas.openxmlformats.org/markup-compatibility/2006" xmlns:c="http://schemas.openxmlformats.org/drawingml/2006/chart" xmlns:ns6="http://schemas.openxmlformats.org/drawingml/2006/chartDrawing" xmlns:dgm="http://schemas.openxmlformats.org/drawingml/2006/diagram" xmlns:pic="http://schemas.openxmlformats.org/drawingml/2006/picture" xmlns:wp="http://schemas.openxmlformats.org/drawingml/2006/wordprocessingDrawing" xmlns:xdr="http://schemas.openxmlformats.org/drawingml/2006/spreadsheetDrawing" xmlns:ns11="http://schemas.openxmlformats.org/drawingml/2006/compatibility" xmlns:ns12="http://schemas.openxmlformats.org/drawingml/2006/lockedCanvas" type="title" preserve="true">
+<p:sldLayout xmlns:p="http://schemas.openxmlformats.org/presentationml/2006/main" xmlns:r="http://schemas.openxmlformats.org/officeDocument/2006/relationships" xmlns:a="http://schemas.openxmlformats.org/drawingml/2006/main" xmlns:mc="http://schemas.openxmlformats.org/markup-compatibility/2006" xmlns:c="http://schemas.openxmlformats.org/drawingml/2006/chart" xmlns:ns6="http://schemas.openxmlformats.org/drawingml/2006/chartDrawing" xmlns:dgm="http://schemas.openxmlformats.org/drawingml/2006/diagram" xmlns:pic="http://schemas.openxmlformats.org/drawingml/2006/picture" xmlns:wp="http://schemas.openxmlformats.org/drawingml/2006/wordprocessingDrawing" xmlns:xdr="http://schemas.openxmlformats.org/drawingml/2006/spreadsheetDrawing" xmlns:ns11="http://schemas.openxmlformats.org/drawingml/2006/compatibility" xmlns:ns12="http://schemas.openxmlformats.org/drawingml/2006/lockedCanvas" type="title" preserve="true">
   <p:cSld name="Title Slide">
     <p:spTree>
       <p:nvGrpSpPr>
@@ -312,7 +312,7 @@
 </file>
 
 <file path=ppt/slideLayouts/slideLayout10.xml><?xml version="1.0" encoding="utf-8"?>
-<p:sldLayout xmlns:p="http://schemas.openxmlformats.org/presentationml/2006/main" xmlns:a="http://schemas.openxmlformats.org/drawingml/2006/main" xmlns:r="http://schemas.openxmlformats.org/officeDocument/2006/relationships" xmlns:mc="http://schemas.openxmlformats.org/markup-compatibility/2006" xmlns:c="http://schemas.openxmlformats.org/drawingml/2006/chart" xmlns:ns6="http://schemas.openxmlformats.org/drawingml/2006/chartDrawing" xmlns:dgm="http://schemas.openxmlformats.org/drawingml/2006/diagram" xmlns:pic="http://schemas.openxmlformats.org/drawingml/2006/picture" xmlns:wp="http://schemas.openxmlformats.org/drawingml/2006/wordprocessingDrawing" xmlns:xdr="http://schemas.openxmlformats.org/drawingml/2006/spreadsheetDrawing" xmlns:ns11="http://schemas.openxmlformats.org/drawingml/2006/compatibility" xmlns:ns12="http://schemas.openxmlformats.org/drawingml/2006/lockedCanvas" type="vertTitleAndTx" preserve="true">
+<p:sldLayout xmlns:p="http://schemas.openxmlformats.org/presentationml/2006/main" xmlns:r="http://schemas.openxmlformats.org/officeDocument/2006/relationships" xmlns:a="http://schemas.openxmlformats.org/drawingml/2006/main" xmlns:mc="http://schemas.openxmlformats.org/markup-compatibility/2006" xmlns:c="http://schemas.openxmlformats.org/drawingml/2006/chart" xmlns:ns6="http://schemas.openxmlformats.org/drawingml/2006/chartDrawing" xmlns:dgm="http://schemas.openxmlformats.org/drawingml/2006/diagram" xmlns:pic="http://schemas.openxmlformats.org/drawingml/2006/picture" xmlns:wp="http://schemas.openxmlformats.org/drawingml/2006/wordprocessingDrawing" xmlns:xdr="http://schemas.openxmlformats.org/drawingml/2006/spreadsheetDrawing" xmlns:ns11="http://schemas.openxmlformats.org/drawingml/2006/compatibility" xmlns:ns12="http://schemas.openxmlformats.org/drawingml/2006/lockedCanvas" type="vertTitleAndTx" preserve="true">
   <p:cSld name="Vertical Title and Text">
     <p:spTree>
       <p:nvGrpSpPr>
@@ -499,7 +499,7 @@
 </file>
 
 <file path=ppt/slideLayouts/slideLayout2.xml><?xml version="1.0" encoding="utf-8"?>
-<p:sldLayout xmlns:p="http://schemas.openxmlformats.org/presentationml/2006/main" xmlns:a="http://schemas.openxmlformats.org/drawingml/2006/main" xmlns:r="http://schemas.openxmlformats.org/officeDocument/2006/relationships" xmlns:mc="http://schemas.openxmlformats.org/markup-compatibility/2006" xmlns:c="http://schemas.openxmlformats.org/drawingml/2006/chart" xmlns:ns6="http://schemas.openxmlformats.org/drawingml/2006/chartDrawing" xmlns:dgm="http://schemas.openxmlformats.org/drawingml/2006/diagram" xmlns:pic="http://schemas.openxmlformats.org/drawingml/2006/picture" xmlns:wp="http://schemas.openxmlformats.org/drawingml/2006/wordprocessingDrawing" xmlns:xdr="http://schemas.openxmlformats.org/drawingml/2006/spreadsheetDrawing" xmlns:ns11="http://schemas.openxmlformats.org/drawingml/2006/compatibility" xmlns:ns12="http://schemas.openxmlformats.org/drawingml/2006/lockedCanvas" type="obj" preserve="true">
+<p:sldLayout xmlns:p="http://schemas.openxmlformats.org/presentationml/2006/main" xmlns:r="http://schemas.openxmlformats.org/officeDocument/2006/relationships" xmlns:a="http://schemas.openxmlformats.org/drawingml/2006/main" xmlns:mc="http://schemas.openxmlformats.org/markup-compatibility/2006" xmlns:c="http://schemas.openxmlformats.org/drawingml/2006/chart" xmlns:ns6="http://schemas.openxmlformats.org/drawingml/2006/chartDrawing" xmlns:dgm="http://schemas.openxmlformats.org/drawingml/2006/diagram" xmlns:pic="http://schemas.openxmlformats.org/drawingml/2006/picture" xmlns:wp="http://schemas.openxmlformats.org/drawingml/2006/wordprocessingDrawing" xmlns:xdr="http://schemas.openxmlformats.org/drawingml/2006/spreadsheetDrawing" xmlns:ns11="http://schemas.openxmlformats.org/drawingml/2006/compatibility" xmlns:ns12="http://schemas.openxmlformats.org/drawingml/2006/lockedCanvas" type="obj" preserve="true">
   <p:cSld name="Title and Content">
     <p:spTree>
       <p:nvGrpSpPr>
@@ -681,7 +681,7 @@
 </file>
 
 <file path=ppt/slideLayouts/slideLayout3.xml><?xml version="1.0" encoding="utf-8"?>
-<p:sldLayout xmlns:p="http://schemas.openxmlformats.org/presentationml/2006/main" xmlns:a="http://schemas.openxmlformats.org/drawingml/2006/main" xmlns:r="http://schemas.openxmlformats.org/officeDocument/2006/relationships" xmlns:mc="http://schemas.openxmlformats.org/markup-compatibility/2006" xmlns:c="http://schemas.openxmlformats.org/drawingml/2006/chart" xmlns:ns6="http://schemas.openxmlformats.org/drawingml/2006/chartDrawing" xmlns:dgm="http://schemas.openxmlformats.org/drawingml/2006/diagram" xmlns:pic="http://schemas.openxmlformats.org/drawingml/2006/picture" xmlns:wp="http://schemas.openxmlformats.org/drawingml/2006/wordprocessingDrawing" xmlns:xdr="http://schemas.openxmlformats.org/drawingml/2006/spreadsheetDrawing" xmlns:ns11="http://schemas.openxmlformats.org/drawingml/2006/compatibility" xmlns:ns12="http://schemas.openxmlformats.org/drawingml/2006/lockedCanvas" type="secHead" preserve="true">
+<p:sldLayout xmlns:p="http://schemas.openxmlformats.org/presentationml/2006/main" xmlns:r="http://schemas.openxmlformats.org/officeDocument/2006/relationships" xmlns:a="http://schemas.openxmlformats.org/drawingml/2006/main" xmlns:mc="http://schemas.openxmlformats.org/markup-compatibility/2006" xmlns:c="http://schemas.openxmlformats.org/drawingml/2006/chart" xmlns:ns6="http://schemas.openxmlformats.org/drawingml/2006/chartDrawing" xmlns:dgm="http://schemas.openxmlformats.org/drawingml/2006/diagram" xmlns:pic="http://schemas.openxmlformats.org/drawingml/2006/picture" xmlns:wp="http://schemas.openxmlformats.org/drawingml/2006/wordprocessingDrawing" xmlns:xdr="http://schemas.openxmlformats.org/drawingml/2006/spreadsheetDrawing" xmlns:ns11="http://schemas.openxmlformats.org/drawingml/2006/compatibility" xmlns:ns12="http://schemas.openxmlformats.org/drawingml/2006/lockedCanvas" type="secHead" preserve="true">
   <p:cSld name="Section Header">
     <p:spTree>
       <p:nvGrpSpPr>
@@ -934,7 +934,7 @@
 </file>
 
 <file path=ppt/slideLayouts/slideLayout4.xml><?xml version="1.0" encoding="utf-8"?>
-<p:sldLayout xmlns:p="http://schemas.openxmlformats.org/presentationml/2006/main" xmlns:a="http://schemas.openxmlformats.org/drawingml/2006/main" xmlns:r="http://schemas.openxmlformats.org/officeDocument/2006/relationships" xmlns:mc="http://schemas.openxmlformats.org/markup-compatibility/2006" xmlns:c="http://schemas.openxmlformats.org/drawingml/2006/chart" xmlns:ns6="http://schemas.openxmlformats.org/drawingml/2006/chartDrawing" xmlns:dgm="http://schemas.openxmlformats.org/drawingml/2006/diagram" xmlns:pic="http://schemas.openxmlformats.org/drawingml/2006/picture" xmlns:wp="http://schemas.openxmlformats.org/drawingml/2006/wordprocessingDrawing" xmlns:xdr="http://schemas.openxmlformats.org/drawingml/2006/spreadsheetDrawing" xmlns:ns11="http://schemas.openxmlformats.org/drawingml/2006/compatibility" xmlns:ns12="http://schemas.openxmlformats.org/drawingml/2006/lockedCanvas" type="twoObj" preserve="true">
+<p:sldLayout xmlns:p="http://schemas.openxmlformats.org/presentationml/2006/main" xmlns:r="http://schemas.openxmlformats.org/officeDocument/2006/relationships" xmlns:a="http://schemas.openxmlformats.org/drawingml/2006/main" xmlns:mc="http://schemas.openxmlformats.org/markup-compatibility/2006" xmlns:c="http://schemas.openxmlformats.org/drawingml/2006/chart" xmlns:ns6="http://schemas.openxmlformats.org/drawingml/2006/chartDrawing" xmlns:dgm="http://schemas.openxmlformats.org/drawingml/2006/diagram" xmlns:pic="http://schemas.openxmlformats.org/drawingml/2006/picture" xmlns:wp="http://schemas.openxmlformats.org/drawingml/2006/wordprocessingDrawing" xmlns:xdr="http://schemas.openxmlformats.org/drawingml/2006/spreadsheetDrawing" xmlns:ns11="http://schemas.openxmlformats.org/drawingml/2006/compatibility" xmlns:ns12="http://schemas.openxmlformats.org/drawingml/2006/lockedCanvas" type="twoObj" preserve="true">
   <p:cSld name="Two Content">
     <p:spTree>
       <p:nvGrpSpPr>
@@ -1173,7 +1173,7 @@
 </file>
 
 <file path=ppt/slideLayouts/slideLayout5.xml><?xml version="1.0" encoding="utf-8"?>
-<p:sldLayout xmlns:p="http://schemas.openxmlformats.org/presentationml/2006/main" xmlns:a="http://schemas.openxmlformats.org/drawingml/2006/main" xmlns:r="http://schemas.openxmlformats.org/officeDocument/2006/relationships" xmlns:mc="http://schemas.openxmlformats.org/markup-compatibility/2006" xmlns:c="http://schemas.openxmlformats.org/drawingml/2006/chart" xmlns:ns6="http://schemas.openxmlformats.org/drawingml/2006/chartDrawing" xmlns:dgm="http://schemas.openxmlformats.org/drawingml/2006/diagram" xmlns:pic="http://schemas.openxmlformats.org/drawingml/2006/picture" xmlns:wp="http://schemas.openxmlformats.org/drawingml/2006/wordprocessingDrawing" xmlns:xdr="http://schemas.openxmlformats.org/drawingml/2006/spreadsheetDrawing" xmlns:ns11="http://schemas.openxmlformats.org/drawingml/2006/compatibility" xmlns:ns12="http://schemas.openxmlformats.org/drawingml/2006/lockedCanvas" type="twoTxTwoObj" preserve="true">
+<p:sldLayout xmlns:p="http://schemas.openxmlformats.org/presentationml/2006/main" xmlns:r="http://schemas.openxmlformats.org/officeDocument/2006/relationships" xmlns:a="http://schemas.openxmlformats.org/drawingml/2006/main" xmlns:mc="http://schemas.openxmlformats.org/markup-compatibility/2006" xmlns:c="http://schemas.openxmlformats.org/drawingml/2006/chart" xmlns:ns6="http://schemas.openxmlformats.org/drawingml/2006/chartDrawing" xmlns:dgm="http://schemas.openxmlformats.org/drawingml/2006/diagram" xmlns:pic="http://schemas.openxmlformats.org/drawingml/2006/picture" xmlns:wp="http://schemas.openxmlformats.org/drawingml/2006/wordprocessingDrawing" xmlns:xdr="http://schemas.openxmlformats.org/drawingml/2006/spreadsheetDrawing" xmlns:ns11="http://schemas.openxmlformats.org/drawingml/2006/compatibility" xmlns:ns12="http://schemas.openxmlformats.org/drawingml/2006/lockedCanvas" type="twoTxTwoObj" preserve="true">
   <p:cSld name="Comparison">
     <p:spTree>
       <p:nvGrpSpPr>
@@ -1528,7 +1528,7 @@
 </file>
 
 <file path=ppt/slideLayouts/slideLayout6.xml><?xml version="1.0" encoding="utf-8"?>
-<p:sldLayout xmlns:p="http://schemas.openxmlformats.org/presentationml/2006/main" xmlns:a="http://schemas.openxmlformats.org/drawingml/2006/main" xmlns:r="http://schemas.openxmlformats.org/officeDocument/2006/relationships" xmlns:mc="http://schemas.openxmlformats.org/markup-compatibility/2006" xmlns:c="http://schemas.openxmlformats.org/drawingml/2006/chart" xmlns:ns6="http://schemas.openxmlformats.org/drawingml/2006/chartDrawing" xmlns:dgm="http://schemas.openxmlformats.org/drawingml/2006/diagram" xmlns:pic="http://schemas.openxmlformats.org/drawingml/2006/picture" xmlns:wp="http://schemas.openxmlformats.org/drawingml/2006/wordprocessingDrawing" xmlns:xdr="http://schemas.openxmlformats.org/drawingml/2006/spreadsheetDrawing" xmlns:ns11="http://schemas.openxmlformats.org/drawingml/2006/compatibility" xmlns:ns12="http://schemas.openxmlformats.org/drawingml/2006/lockedCanvas" type="titleOnly" preserve="true">
+<p:sldLayout xmlns:p="http://schemas.openxmlformats.org/presentationml/2006/main" xmlns:r="http://schemas.openxmlformats.org/officeDocument/2006/relationships" xmlns:a="http://schemas.openxmlformats.org/drawingml/2006/main" xmlns:mc="http://schemas.openxmlformats.org/markup-compatibility/2006" xmlns:c="http://schemas.openxmlformats.org/drawingml/2006/chart" xmlns:ns6="http://schemas.openxmlformats.org/drawingml/2006/chartDrawing" xmlns:dgm="http://schemas.openxmlformats.org/drawingml/2006/diagram" xmlns:pic="http://schemas.openxmlformats.org/drawingml/2006/picture" xmlns:wp="http://schemas.openxmlformats.org/drawingml/2006/wordprocessingDrawing" xmlns:xdr="http://schemas.openxmlformats.org/drawingml/2006/spreadsheetDrawing" xmlns:ns11="http://schemas.openxmlformats.org/drawingml/2006/compatibility" xmlns:ns12="http://schemas.openxmlformats.org/drawingml/2006/lockedCanvas" type="titleOnly" preserve="true">
   <p:cSld name="Title Only">
     <p:spTree>
       <p:nvGrpSpPr>
@@ -1653,7 +1653,7 @@
 </file>
 
 <file path=ppt/slideLayouts/slideLayout7.xml><?xml version="1.0" encoding="utf-8"?>
-<p:sldLayout xmlns:p="http://schemas.openxmlformats.org/presentationml/2006/main" xmlns:a="http://schemas.openxmlformats.org/drawingml/2006/main" xmlns:r="http://schemas.openxmlformats.org/officeDocument/2006/relationships" xmlns:mc="http://schemas.openxmlformats.org/markup-compatibility/2006" xmlns:c="http://schemas.openxmlformats.org/drawingml/2006/chart" xmlns:ns6="http://schemas.openxmlformats.org/drawingml/2006/chartDrawing" xmlns:dgm="http://schemas.openxmlformats.org/drawingml/2006/diagram" xmlns:pic="http://schemas.openxmlformats.org/drawingml/2006/picture" xmlns:wp="http://schemas.openxmlformats.org/drawingml/2006/wordprocessingDrawing" xmlns:xdr="http://schemas.openxmlformats.org/drawingml/2006/spreadsheetDrawing" xmlns:ns11="http://schemas.openxmlformats.org/drawingml/2006/compatibility" xmlns:ns12="http://schemas.openxmlformats.org/drawingml/2006/lockedCanvas" type="blank" preserve="true">
+<p:sldLayout xmlns:p="http://schemas.openxmlformats.org/presentationml/2006/main" xmlns:r="http://schemas.openxmlformats.org/officeDocument/2006/relationships" xmlns:a="http://schemas.openxmlformats.org/drawingml/2006/main" xmlns:mc="http://schemas.openxmlformats.org/markup-compatibility/2006" xmlns:c="http://schemas.openxmlformats.org/drawingml/2006/chart" xmlns:ns6="http://schemas.openxmlformats.org/drawingml/2006/chartDrawing" xmlns:dgm="http://schemas.openxmlformats.org/drawingml/2006/diagram" xmlns:pic="http://schemas.openxmlformats.org/drawingml/2006/picture" xmlns:wp="http://schemas.openxmlformats.org/drawingml/2006/wordprocessingDrawing" xmlns:xdr="http://schemas.openxmlformats.org/drawingml/2006/spreadsheetDrawing" xmlns:ns11="http://schemas.openxmlformats.org/drawingml/2006/compatibility" xmlns:ns12="http://schemas.openxmlformats.org/drawingml/2006/lockedCanvas" type="blank" preserve="true">
   <p:cSld name="Blank">
     <p:spTree>
       <p:nvGrpSpPr>
@@ -1755,7 +1755,7 @@
 </file>
 
 <file path=ppt/slideLayouts/slideLayout8.xml><?xml version="1.0" encoding="utf-8"?>
-<p:sldLayout xmlns:p="http://schemas.openxmlformats.org/presentationml/2006/main" xmlns:a="http://schemas.openxmlformats.org/drawingml/2006/main" xmlns:r="http://schemas.openxmlformats.org/officeDocument/2006/relationships" xmlns:mc="http://schemas.openxmlformats.org/markup-compatibility/2006" xmlns:c="http://schemas.openxmlformats.org/drawingml/2006/chart" xmlns:ns6="http://schemas.openxmlformats.org/drawingml/2006/chartDrawing" xmlns:dgm="http://schemas.openxmlformats.org/drawingml/2006/diagram" xmlns:pic="http://schemas.openxmlformats.org/drawingml/2006/picture" xmlns:wp="http://schemas.openxmlformats.org/drawingml/2006/wordprocessingDrawing" xmlns:xdr="http://schemas.openxmlformats.org/drawingml/2006/spreadsheetDrawing" xmlns:ns11="http://schemas.openxmlformats.org/drawingml/2006/compatibility" xmlns:ns12="http://schemas.openxmlformats.org/drawingml/2006/lockedCanvas" type="objTx" preserve="true">
+<p:sldLayout xmlns:p="http://schemas.openxmlformats.org/presentationml/2006/main" xmlns:r="http://schemas.openxmlformats.org/officeDocument/2006/relationships" xmlns:a="http://schemas.openxmlformats.org/drawingml/2006/main" xmlns:mc="http://schemas.openxmlformats.org/markup-compatibility/2006" xmlns:c="http://schemas.openxmlformats.org/drawingml/2006/chart" xmlns:ns6="http://schemas.openxmlformats.org/drawingml/2006/chartDrawing" xmlns:dgm="http://schemas.openxmlformats.org/drawingml/2006/diagram" xmlns:pic="http://schemas.openxmlformats.org/drawingml/2006/picture" xmlns:wp="http://schemas.openxmlformats.org/drawingml/2006/wordprocessingDrawing" xmlns:xdr="http://schemas.openxmlformats.org/drawingml/2006/spreadsheetDrawing" xmlns:ns11="http://schemas.openxmlformats.org/drawingml/2006/compatibility" xmlns:ns12="http://schemas.openxmlformats.org/drawingml/2006/lockedCanvas" type="objTx" preserve="true">
   <p:cSld name="Content with Caption">
     <p:spTree>
       <p:nvGrpSpPr>
@@ -2039,7 +2039,7 @@
 </file>
 
 <file path=ppt/slideLayouts/slideLayout9.xml><?xml version="1.0" encoding="utf-8"?>
-<p:sldLayout xmlns:p="http://schemas.openxmlformats.org/presentationml/2006/main" xmlns:a="http://schemas.openxmlformats.org/drawingml/2006/main" xmlns:r="http://schemas.openxmlformats.org/officeDocument/2006/relationships" xmlns:mc="http://schemas.openxmlformats.org/markup-compatibility/2006" xmlns:c="http://schemas.openxmlformats.org/drawingml/2006/chart" xmlns:ns6="http://schemas.openxmlformats.org/drawingml/2006/chartDrawing" xmlns:dgm="http://schemas.openxmlformats.org/drawingml/2006/diagram" xmlns:pic="http://schemas.openxmlformats.org/drawingml/2006/picture" xmlns:wp="http://schemas.openxmlformats.org/drawingml/2006/wordprocessingDrawing" xmlns:xdr="http://schemas.openxmlformats.org/drawingml/2006/spreadsheetDrawing" xmlns:ns11="http://schemas.openxmlformats.org/drawingml/2006/compatibility" xmlns:ns12="http://schemas.openxmlformats.org/drawingml/2006/lockedCanvas" type="vertTx" preserve="true">
+<p:sldLayout xmlns:p="http://schemas.openxmlformats.org/presentationml/2006/main" xmlns:r="http://schemas.openxmlformats.org/officeDocument/2006/relationships" xmlns:a="http://schemas.openxmlformats.org/drawingml/2006/main" xmlns:mc="http://schemas.openxmlformats.org/markup-compatibility/2006" xmlns:c="http://schemas.openxmlformats.org/drawingml/2006/chart" xmlns:ns6="http://schemas.openxmlformats.org/drawingml/2006/chartDrawing" xmlns:dgm="http://schemas.openxmlformats.org/drawingml/2006/diagram" xmlns:pic="http://schemas.openxmlformats.org/drawingml/2006/picture" xmlns:wp="http://schemas.openxmlformats.org/drawingml/2006/wordprocessingDrawing" xmlns:xdr="http://schemas.openxmlformats.org/drawingml/2006/spreadsheetDrawing" xmlns:ns11="http://schemas.openxmlformats.org/drawingml/2006/compatibility" xmlns:ns12="http://schemas.openxmlformats.org/drawingml/2006/lockedCanvas" type="vertTx" preserve="true">
   <p:cSld name="Title and Vertical Text">
     <p:spTree>
       <p:nvGrpSpPr>
@@ -2216,7 +2216,7 @@
 </file>
 
 <file path=ppt/slideMasters/slideMaster1.xml><?xml version="1.0" encoding="utf-8"?>
-<p:sldMaster xmlns:p="http://schemas.openxmlformats.org/presentationml/2006/main" xmlns:a="http://schemas.openxmlformats.org/drawingml/2006/main" xmlns:r="http://schemas.openxmlformats.org/officeDocument/2006/relationships" xmlns:mc="http://schemas.openxmlformats.org/markup-compatibility/2006" xmlns:c="http://schemas.openxmlformats.org/drawingml/2006/chart" xmlns:ns6="http://schemas.openxmlformats.org/drawingml/2006/chartDrawing" xmlns:dgm="http://schemas.openxmlformats.org/drawingml/2006/diagram" xmlns:pic="http://schemas.openxmlformats.org/drawingml/2006/picture" xmlns:wp="http://schemas.openxmlformats.org/drawingml/2006/wordprocessingDrawing" xmlns:xdr="http://schemas.openxmlformats.org/drawingml/2006/spreadsheetDrawing" xmlns:ns11="http://schemas.openxmlformats.org/drawingml/2006/compatibility" xmlns:ns12="http://schemas.openxmlformats.org/drawingml/2006/lockedCanvas">
+<p:sldMaster xmlns:p="http://schemas.openxmlformats.org/presentationml/2006/main" xmlns:r="http://schemas.openxmlformats.org/officeDocument/2006/relationships" xmlns:a="http://schemas.openxmlformats.org/drawingml/2006/main" xmlns:mc="http://schemas.openxmlformats.org/markup-compatibility/2006" xmlns:c="http://schemas.openxmlformats.org/drawingml/2006/chart" xmlns:ns6="http://schemas.openxmlformats.org/drawingml/2006/chartDrawing" xmlns:dgm="http://schemas.openxmlformats.org/drawingml/2006/diagram" xmlns:pic="http://schemas.openxmlformats.org/drawingml/2006/picture" xmlns:wp="http://schemas.openxmlformats.org/drawingml/2006/wordprocessingDrawing" xmlns:xdr="http://schemas.openxmlformats.org/drawingml/2006/spreadsheetDrawing" xmlns:ns11="http://schemas.openxmlformats.org/drawingml/2006/compatibility" xmlns:ns12="http://schemas.openxmlformats.org/drawingml/2006/lockedCanvas">
   <p:cSld>
     <p:bg>
       <p:bgRef idx="1001">
@@ -2762,7 +2762,7 @@
 </file>
 
 <file path=ppt/slides/slide1.xml><?xml version="1.0" encoding="utf-8"?>
-<p:sld xmlns:p="http://schemas.openxmlformats.org/presentationml/2006/main" xmlns:a="http://schemas.openxmlformats.org/drawingml/2006/main" xmlns:r="http://schemas.openxmlformats.org/officeDocument/2006/relationships" xmlns:mc="http://schemas.openxmlformats.org/markup-compatibility/2006" xmlns:c="http://schemas.openxmlformats.org/drawingml/2006/chart" xmlns:ns6="http://schemas.openxmlformats.org/drawingml/2006/chartDrawing" xmlns:dgm="http://schemas.openxmlformats.org/drawingml/2006/diagram" xmlns:pic="http://schemas.openxmlformats.org/drawingml/2006/picture" xmlns:wp="http://schemas.openxmlformats.org/drawingml/2006/wordprocessingDrawing" xmlns:xdr="http://schemas.openxmlformats.org/drawingml/2006/spreadsheetDrawing" xmlns:ns11="http://schemas.openxmlformats.org/drawingml/2006/compatibility" xmlns:ns12="http://schemas.openxmlformats.org/drawingml/2006/lockedCanvas">
+<p:sld xmlns:p="http://schemas.openxmlformats.org/presentationml/2006/main" xmlns:r="http://schemas.openxmlformats.org/officeDocument/2006/relationships" xmlns:a="http://schemas.openxmlformats.org/drawingml/2006/main" xmlns:mc="http://schemas.openxmlformats.org/markup-compatibility/2006" xmlns:c="http://schemas.openxmlformats.org/drawingml/2006/chart" xmlns:ns6="http://schemas.openxmlformats.org/drawingml/2006/chartDrawing" xmlns:dgm="http://schemas.openxmlformats.org/drawingml/2006/diagram" xmlns:pic="http://schemas.openxmlformats.org/drawingml/2006/picture" xmlns:wp="http://schemas.openxmlformats.org/drawingml/2006/wordprocessingDrawing" xmlns:xdr="http://schemas.openxmlformats.org/drawingml/2006/spreadsheetDrawing" xmlns:ns11="http://schemas.openxmlformats.org/drawingml/2006/compatibility" xmlns:ns12="http://schemas.openxmlformats.org/drawingml/2006/lockedCanvas">
   <p:cSld>
     <p:spTree>
       <p:nvGrpSpPr>

--- a/docs/articles/header_rot.pptx
+++ b/docs/articles/header_rot.pptx
@@ -1,11 +1,11 @@
 
 <file path=ppt/presentation.xml><?xml version="1.0" encoding="utf-8"?>
-<p:presentation xmlns:p="http://schemas.openxmlformats.org/presentationml/2006/main" xmlns:r="http://schemas.openxmlformats.org/officeDocument/2006/relationships" xmlns:a="http://schemas.openxmlformats.org/drawingml/2006/main" xmlns:mc="http://schemas.openxmlformats.org/markup-compatibility/2006" xmlns:c="http://schemas.openxmlformats.org/drawingml/2006/chart" xmlns:ns6="http://schemas.openxmlformats.org/drawingml/2006/chartDrawing" xmlns:dgm="http://schemas.openxmlformats.org/drawingml/2006/diagram" xmlns:pic="http://schemas.openxmlformats.org/drawingml/2006/picture" xmlns:wp="http://schemas.openxmlformats.org/drawingml/2006/wordprocessingDrawing" xmlns:xdr="http://schemas.openxmlformats.org/drawingml/2006/spreadsheetDrawing" xmlns:ns11="http://schemas.openxmlformats.org/drawingml/2006/compatibility" xmlns:ns12="http://schemas.openxmlformats.org/drawingml/2006/lockedCanvas" saveSubsetFonts="true">
+<p:presentation xmlns:a="http://schemas.openxmlformats.org/drawingml/2006/main" xmlns:r="http://schemas.openxmlformats.org/officeDocument/2006/relationships" xmlns:p="http://schemas.openxmlformats.org/presentationml/2006/main" xmlns:mc="http://schemas.openxmlformats.org/markup-compatibility/2006" xmlns:c="http://schemas.openxmlformats.org/drawingml/2006/chart" xmlns:ns6="http://schemas.openxmlformats.org/drawingml/2006/chartDrawing" xmlns:dgm="http://schemas.openxmlformats.org/drawingml/2006/diagram" xmlns:pic="http://schemas.openxmlformats.org/drawingml/2006/picture" xmlns:wp="http://schemas.openxmlformats.org/drawingml/2006/wordprocessingDrawing" xmlns:xdr="http://schemas.openxmlformats.org/drawingml/2006/spreadsheetDrawing" xmlns:ns11="http://schemas.openxmlformats.org/drawingml/2006/compatibility" xmlns:ns12="http://schemas.openxmlformats.org/drawingml/2006/lockedCanvas" saveSubsetFonts="true">
   <p:sldMasterIdLst>
     <p:sldMasterId id="2147483648" r:id="rId1"/>
   </p:sldMasterIdLst>
   <p:sldIdLst>
-    <p:sldId id="435183019" r:id="rId6"/>
+    <p:sldId id="1610619970" r:id="rId6"/>
   </p:sldIdLst>
   <p:sldSz cx="12192000" cy="6858000"/>
   <p:notesSz cx="6858000" cy="9144000"/>
@@ -113,7 +113,7 @@
 </file>
 
 <file path=ppt/slideLayouts/slideLayout1.xml><?xml version="1.0" encoding="utf-8"?>
-<p:sldLayout xmlns:p="http://schemas.openxmlformats.org/presentationml/2006/main" xmlns:r="http://schemas.openxmlformats.org/officeDocument/2006/relationships" xmlns:a="http://schemas.openxmlformats.org/drawingml/2006/main" xmlns:mc="http://schemas.openxmlformats.org/markup-compatibility/2006" xmlns:c="http://schemas.openxmlformats.org/drawingml/2006/chart" xmlns:ns6="http://schemas.openxmlformats.org/drawingml/2006/chartDrawing" xmlns:dgm="http://schemas.openxmlformats.org/drawingml/2006/diagram" xmlns:pic="http://schemas.openxmlformats.org/drawingml/2006/picture" xmlns:wp="http://schemas.openxmlformats.org/drawingml/2006/wordprocessingDrawing" xmlns:xdr="http://schemas.openxmlformats.org/drawingml/2006/spreadsheetDrawing" xmlns:ns11="http://schemas.openxmlformats.org/drawingml/2006/compatibility" xmlns:ns12="http://schemas.openxmlformats.org/drawingml/2006/lockedCanvas" type="title" preserve="true">
+<p:sldLayout xmlns:a="http://schemas.openxmlformats.org/drawingml/2006/main" xmlns:r="http://schemas.openxmlformats.org/officeDocument/2006/relationships" xmlns:p="http://schemas.openxmlformats.org/presentationml/2006/main" xmlns:mc="http://schemas.openxmlformats.org/markup-compatibility/2006" xmlns:c="http://schemas.openxmlformats.org/drawingml/2006/chart" xmlns:ns6="http://schemas.openxmlformats.org/drawingml/2006/chartDrawing" xmlns:dgm="http://schemas.openxmlformats.org/drawingml/2006/diagram" xmlns:pic="http://schemas.openxmlformats.org/drawingml/2006/picture" xmlns:wp="http://schemas.openxmlformats.org/drawingml/2006/wordprocessingDrawing" xmlns:xdr="http://schemas.openxmlformats.org/drawingml/2006/spreadsheetDrawing" xmlns:ns11="http://schemas.openxmlformats.org/drawingml/2006/compatibility" xmlns:ns12="http://schemas.openxmlformats.org/drawingml/2006/lockedCanvas" type="title" preserve="true">
   <p:cSld name="Title Slide">
     <p:spTree>
       <p:nvGrpSpPr>
@@ -312,7 +312,7 @@
 </file>
 
 <file path=ppt/slideLayouts/slideLayout10.xml><?xml version="1.0" encoding="utf-8"?>
-<p:sldLayout xmlns:p="http://schemas.openxmlformats.org/presentationml/2006/main" xmlns:r="http://schemas.openxmlformats.org/officeDocument/2006/relationships" xmlns:a="http://schemas.openxmlformats.org/drawingml/2006/main" xmlns:mc="http://schemas.openxmlformats.org/markup-compatibility/2006" xmlns:c="http://schemas.openxmlformats.org/drawingml/2006/chart" xmlns:ns6="http://schemas.openxmlformats.org/drawingml/2006/chartDrawing" xmlns:dgm="http://schemas.openxmlformats.org/drawingml/2006/diagram" xmlns:pic="http://schemas.openxmlformats.org/drawingml/2006/picture" xmlns:wp="http://schemas.openxmlformats.org/drawingml/2006/wordprocessingDrawing" xmlns:xdr="http://schemas.openxmlformats.org/drawingml/2006/spreadsheetDrawing" xmlns:ns11="http://schemas.openxmlformats.org/drawingml/2006/compatibility" xmlns:ns12="http://schemas.openxmlformats.org/drawingml/2006/lockedCanvas" type="vertTitleAndTx" preserve="true">
+<p:sldLayout xmlns:a="http://schemas.openxmlformats.org/drawingml/2006/main" xmlns:r="http://schemas.openxmlformats.org/officeDocument/2006/relationships" xmlns:p="http://schemas.openxmlformats.org/presentationml/2006/main" xmlns:mc="http://schemas.openxmlformats.org/markup-compatibility/2006" xmlns:c="http://schemas.openxmlformats.org/drawingml/2006/chart" xmlns:ns6="http://schemas.openxmlformats.org/drawingml/2006/chartDrawing" xmlns:dgm="http://schemas.openxmlformats.org/drawingml/2006/diagram" xmlns:pic="http://schemas.openxmlformats.org/drawingml/2006/picture" xmlns:wp="http://schemas.openxmlformats.org/drawingml/2006/wordprocessingDrawing" xmlns:xdr="http://schemas.openxmlformats.org/drawingml/2006/spreadsheetDrawing" xmlns:ns11="http://schemas.openxmlformats.org/drawingml/2006/compatibility" xmlns:ns12="http://schemas.openxmlformats.org/drawingml/2006/lockedCanvas" type="vertTitleAndTx" preserve="true">
   <p:cSld name="Vertical Title and Text">
     <p:spTree>
       <p:nvGrpSpPr>
@@ -499,7 +499,7 @@
 </file>
 
 <file path=ppt/slideLayouts/slideLayout2.xml><?xml version="1.0" encoding="utf-8"?>
-<p:sldLayout xmlns:p="http://schemas.openxmlformats.org/presentationml/2006/main" xmlns:r="http://schemas.openxmlformats.org/officeDocument/2006/relationships" xmlns:a="http://schemas.openxmlformats.org/drawingml/2006/main" xmlns:mc="http://schemas.openxmlformats.org/markup-compatibility/2006" xmlns:c="http://schemas.openxmlformats.org/drawingml/2006/chart" xmlns:ns6="http://schemas.openxmlformats.org/drawingml/2006/chartDrawing" xmlns:dgm="http://schemas.openxmlformats.org/drawingml/2006/diagram" xmlns:pic="http://schemas.openxmlformats.org/drawingml/2006/picture" xmlns:wp="http://schemas.openxmlformats.org/drawingml/2006/wordprocessingDrawing" xmlns:xdr="http://schemas.openxmlformats.org/drawingml/2006/spreadsheetDrawing" xmlns:ns11="http://schemas.openxmlformats.org/drawingml/2006/compatibility" xmlns:ns12="http://schemas.openxmlformats.org/drawingml/2006/lockedCanvas" type="obj" preserve="true">
+<p:sldLayout xmlns:a="http://schemas.openxmlformats.org/drawingml/2006/main" xmlns:r="http://schemas.openxmlformats.org/officeDocument/2006/relationships" xmlns:p="http://schemas.openxmlformats.org/presentationml/2006/main" xmlns:mc="http://schemas.openxmlformats.org/markup-compatibility/2006" xmlns:c="http://schemas.openxmlformats.org/drawingml/2006/chart" xmlns:ns6="http://schemas.openxmlformats.org/drawingml/2006/chartDrawing" xmlns:dgm="http://schemas.openxmlformats.org/drawingml/2006/diagram" xmlns:pic="http://schemas.openxmlformats.org/drawingml/2006/picture" xmlns:wp="http://schemas.openxmlformats.org/drawingml/2006/wordprocessingDrawing" xmlns:xdr="http://schemas.openxmlformats.org/drawingml/2006/spreadsheetDrawing" xmlns:ns11="http://schemas.openxmlformats.org/drawingml/2006/compatibility" xmlns:ns12="http://schemas.openxmlformats.org/drawingml/2006/lockedCanvas" type="obj" preserve="true">
   <p:cSld name="Title and Content">
     <p:spTree>
       <p:nvGrpSpPr>
@@ -681,7 +681,7 @@
 </file>
 
 <file path=ppt/slideLayouts/slideLayout3.xml><?xml version="1.0" encoding="utf-8"?>
-<p:sldLayout xmlns:p="http://schemas.openxmlformats.org/presentationml/2006/main" xmlns:r="http://schemas.openxmlformats.org/officeDocument/2006/relationships" xmlns:a="http://schemas.openxmlformats.org/drawingml/2006/main" xmlns:mc="http://schemas.openxmlformats.org/markup-compatibility/2006" xmlns:c="http://schemas.openxmlformats.org/drawingml/2006/chart" xmlns:ns6="http://schemas.openxmlformats.org/drawingml/2006/chartDrawing" xmlns:dgm="http://schemas.openxmlformats.org/drawingml/2006/diagram" xmlns:pic="http://schemas.openxmlformats.org/drawingml/2006/picture" xmlns:wp="http://schemas.openxmlformats.org/drawingml/2006/wordprocessingDrawing" xmlns:xdr="http://schemas.openxmlformats.org/drawingml/2006/spreadsheetDrawing" xmlns:ns11="http://schemas.openxmlformats.org/drawingml/2006/compatibility" xmlns:ns12="http://schemas.openxmlformats.org/drawingml/2006/lockedCanvas" type="secHead" preserve="true">
+<p:sldLayout xmlns:a="http://schemas.openxmlformats.org/drawingml/2006/main" xmlns:r="http://schemas.openxmlformats.org/officeDocument/2006/relationships" xmlns:p="http://schemas.openxmlformats.org/presentationml/2006/main" xmlns:mc="http://schemas.openxmlformats.org/markup-compatibility/2006" xmlns:c="http://schemas.openxmlformats.org/drawingml/2006/chart" xmlns:ns6="http://schemas.openxmlformats.org/drawingml/2006/chartDrawing" xmlns:dgm="http://schemas.openxmlformats.org/drawingml/2006/diagram" xmlns:pic="http://schemas.openxmlformats.org/drawingml/2006/picture" xmlns:wp="http://schemas.openxmlformats.org/drawingml/2006/wordprocessingDrawing" xmlns:xdr="http://schemas.openxmlformats.org/drawingml/2006/spreadsheetDrawing" xmlns:ns11="http://schemas.openxmlformats.org/drawingml/2006/compatibility" xmlns:ns12="http://schemas.openxmlformats.org/drawingml/2006/lockedCanvas" type="secHead" preserve="true">
   <p:cSld name="Section Header">
     <p:spTree>
       <p:nvGrpSpPr>
@@ -934,7 +934,7 @@
 </file>
 
 <file path=ppt/slideLayouts/slideLayout4.xml><?xml version="1.0" encoding="utf-8"?>
-<p:sldLayout xmlns:p="http://schemas.openxmlformats.org/presentationml/2006/main" xmlns:r="http://schemas.openxmlformats.org/officeDocument/2006/relationships" xmlns:a="http://schemas.openxmlformats.org/drawingml/2006/main" xmlns:mc="http://schemas.openxmlformats.org/markup-compatibility/2006" xmlns:c="http://schemas.openxmlformats.org/drawingml/2006/chart" xmlns:ns6="http://schemas.openxmlformats.org/drawingml/2006/chartDrawing" xmlns:dgm="http://schemas.openxmlformats.org/drawingml/2006/diagram" xmlns:pic="http://schemas.openxmlformats.org/drawingml/2006/picture" xmlns:wp="http://schemas.openxmlformats.org/drawingml/2006/wordprocessingDrawing" xmlns:xdr="http://schemas.openxmlformats.org/drawingml/2006/spreadsheetDrawing" xmlns:ns11="http://schemas.openxmlformats.org/drawingml/2006/compatibility" xmlns:ns12="http://schemas.openxmlformats.org/drawingml/2006/lockedCanvas" type="twoObj" preserve="true">
+<p:sldLayout xmlns:a="http://schemas.openxmlformats.org/drawingml/2006/main" xmlns:r="http://schemas.openxmlformats.org/officeDocument/2006/relationships" xmlns:p="http://schemas.openxmlformats.org/presentationml/2006/main" xmlns:mc="http://schemas.openxmlformats.org/markup-compatibility/2006" xmlns:c="http://schemas.openxmlformats.org/drawingml/2006/chart" xmlns:ns6="http://schemas.openxmlformats.org/drawingml/2006/chartDrawing" xmlns:dgm="http://schemas.openxmlformats.org/drawingml/2006/diagram" xmlns:pic="http://schemas.openxmlformats.org/drawingml/2006/picture" xmlns:wp="http://schemas.openxmlformats.org/drawingml/2006/wordprocessingDrawing" xmlns:xdr="http://schemas.openxmlformats.org/drawingml/2006/spreadsheetDrawing" xmlns:ns11="http://schemas.openxmlformats.org/drawingml/2006/compatibility" xmlns:ns12="http://schemas.openxmlformats.org/drawingml/2006/lockedCanvas" type="twoObj" preserve="true">
   <p:cSld name="Two Content">
     <p:spTree>
       <p:nvGrpSpPr>
@@ -1173,7 +1173,7 @@
 </file>
 
 <file path=ppt/slideLayouts/slideLayout5.xml><?xml version="1.0" encoding="utf-8"?>
-<p:sldLayout xmlns:p="http://schemas.openxmlformats.org/presentationml/2006/main" xmlns:r="http://schemas.openxmlformats.org/officeDocument/2006/relationships" xmlns:a="http://schemas.openxmlformats.org/drawingml/2006/main" xmlns:mc="http://schemas.openxmlformats.org/markup-compatibility/2006" xmlns:c="http://schemas.openxmlformats.org/drawingml/2006/chart" xmlns:ns6="http://schemas.openxmlformats.org/drawingml/2006/chartDrawing" xmlns:dgm="http://schemas.openxmlformats.org/drawingml/2006/diagram" xmlns:pic="http://schemas.openxmlformats.org/drawingml/2006/picture" xmlns:wp="http://schemas.openxmlformats.org/drawingml/2006/wordprocessingDrawing" xmlns:xdr="http://schemas.openxmlformats.org/drawingml/2006/spreadsheetDrawing" xmlns:ns11="http://schemas.openxmlformats.org/drawingml/2006/compatibility" xmlns:ns12="http://schemas.openxmlformats.org/drawingml/2006/lockedCanvas" type="twoTxTwoObj" preserve="true">
+<p:sldLayout xmlns:a="http://schemas.openxmlformats.org/drawingml/2006/main" xmlns:r="http://schemas.openxmlformats.org/officeDocument/2006/relationships" xmlns:p="http://schemas.openxmlformats.org/presentationml/2006/main" xmlns:mc="http://schemas.openxmlformats.org/markup-compatibility/2006" xmlns:c="http://schemas.openxmlformats.org/drawingml/2006/chart" xmlns:ns6="http://schemas.openxmlformats.org/drawingml/2006/chartDrawing" xmlns:dgm="http://schemas.openxmlformats.org/drawingml/2006/diagram" xmlns:pic="http://schemas.openxmlformats.org/drawingml/2006/picture" xmlns:wp="http://schemas.openxmlformats.org/drawingml/2006/wordprocessingDrawing" xmlns:xdr="http://schemas.openxmlformats.org/drawingml/2006/spreadsheetDrawing" xmlns:ns11="http://schemas.openxmlformats.org/drawingml/2006/compatibility" xmlns:ns12="http://schemas.openxmlformats.org/drawingml/2006/lockedCanvas" type="twoTxTwoObj" preserve="true">
   <p:cSld name="Comparison">
     <p:spTree>
       <p:nvGrpSpPr>
@@ -1528,7 +1528,7 @@
 </file>
 
 <file path=ppt/slideLayouts/slideLayout6.xml><?xml version="1.0" encoding="utf-8"?>
-<p:sldLayout xmlns:p="http://schemas.openxmlformats.org/presentationml/2006/main" xmlns:r="http://schemas.openxmlformats.org/officeDocument/2006/relationships" xmlns:a="http://schemas.openxmlformats.org/drawingml/2006/main" xmlns:mc="http://schemas.openxmlformats.org/markup-compatibility/2006" xmlns:c="http://schemas.openxmlformats.org/drawingml/2006/chart" xmlns:ns6="http://schemas.openxmlformats.org/drawingml/2006/chartDrawing" xmlns:dgm="http://schemas.openxmlformats.org/drawingml/2006/diagram" xmlns:pic="http://schemas.openxmlformats.org/drawingml/2006/picture" xmlns:wp="http://schemas.openxmlformats.org/drawingml/2006/wordprocessingDrawing" xmlns:xdr="http://schemas.openxmlformats.org/drawingml/2006/spreadsheetDrawing" xmlns:ns11="http://schemas.openxmlformats.org/drawingml/2006/compatibility" xmlns:ns12="http://schemas.openxmlformats.org/drawingml/2006/lockedCanvas" type="titleOnly" preserve="true">
+<p:sldLayout xmlns:a="http://schemas.openxmlformats.org/drawingml/2006/main" xmlns:r="http://schemas.openxmlformats.org/officeDocument/2006/relationships" xmlns:p="http://schemas.openxmlformats.org/presentationml/2006/main" xmlns:mc="http://schemas.openxmlformats.org/markup-compatibility/2006" xmlns:c="http://schemas.openxmlformats.org/drawingml/2006/chart" xmlns:ns6="http://schemas.openxmlformats.org/drawingml/2006/chartDrawing" xmlns:dgm="http://schemas.openxmlformats.org/drawingml/2006/diagram" xmlns:pic="http://schemas.openxmlformats.org/drawingml/2006/picture" xmlns:wp="http://schemas.openxmlformats.org/drawingml/2006/wordprocessingDrawing" xmlns:xdr="http://schemas.openxmlformats.org/drawingml/2006/spreadsheetDrawing" xmlns:ns11="http://schemas.openxmlformats.org/drawingml/2006/compatibility" xmlns:ns12="http://schemas.openxmlformats.org/drawingml/2006/lockedCanvas" type="titleOnly" preserve="true">
   <p:cSld name="Title Only">
     <p:spTree>
       <p:nvGrpSpPr>
@@ -1653,7 +1653,7 @@
 </file>
 
 <file path=ppt/slideLayouts/slideLayout7.xml><?xml version="1.0" encoding="utf-8"?>
-<p:sldLayout xmlns:p="http://schemas.openxmlformats.org/presentationml/2006/main" xmlns:r="http://schemas.openxmlformats.org/officeDocument/2006/relationships" xmlns:a="http://schemas.openxmlformats.org/drawingml/2006/main" xmlns:mc="http://schemas.openxmlformats.org/markup-compatibility/2006" xmlns:c="http://schemas.openxmlformats.org/drawingml/2006/chart" xmlns:ns6="http://schemas.openxmlformats.org/drawingml/2006/chartDrawing" xmlns:dgm="http://schemas.openxmlformats.org/drawingml/2006/diagram" xmlns:pic="http://schemas.openxmlformats.org/drawingml/2006/picture" xmlns:wp="http://schemas.openxmlformats.org/drawingml/2006/wordprocessingDrawing" xmlns:xdr="http://schemas.openxmlformats.org/drawingml/2006/spreadsheetDrawing" xmlns:ns11="http://schemas.openxmlformats.org/drawingml/2006/compatibility" xmlns:ns12="http://schemas.openxmlformats.org/drawingml/2006/lockedCanvas" type="blank" preserve="true">
+<p:sldLayout xmlns:a="http://schemas.openxmlformats.org/drawingml/2006/main" xmlns:r="http://schemas.openxmlformats.org/officeDocument/2006/relationships" xmlns:p="http://schemas.openxmlformats.org/presentationml/2006/main" xmlns:mc="http://schemas.openxmlformats.org/markup-compatibility/2006" xmlns:c="http://schemas.openxmlformats.org/drawingml/2006/chart" xmlns:ns6="http://schemas.openxmlformats.org/drawingml/2006/chartDrawing" xmlns:dgm="http://schemas.openxmlformats.org/drawingml/2006/diagram" xmlns:pic="http://schemas.openxmlformats.org/drawingml/2006/picture" xmlns:wp="http://schemas.openxmlformats.org/drawingml/2006/wordprocessingDrawing" xmlns:xdr="http://schemas.openxmlformats.org/drawingml/2006/spreadsheetDrawing" xmlns:ns11="http://schemas.openxmlformats.org/drawingml/2006/compatibility" xmlns:ns12="http://schemas.openxmlformats.org/drawingml/2006/lockedCanvas" type="blank" preserve="true">
   <p:cSld name="Blank">
     <p:spTree>
       <p:nvGrpSpPr>
@@ -1755,7 +1755,7 @@
 </file>
 
 <file path=ppt/slideLayouts/slideLayout8.xml><?xml version="1.0" encoding="utf-8"?>
-<p:sldLayout xmlns:p="http://schemas.openxmlformats.org/presentationml/2006/main" xmlns:r="http://schemas.openxmlformats.org/officeDocument/2006/relationships" xmlns:a="http://schemas.openxmlformats.org/drawingml/2006/main" xmlns:mc="http://schemas.openxmlformats.org/markup-compatibility/2006" xmlns:c="http://schemas.openxmlformats.org/drawingml/2006/chart" xmlns:ns6="http://schemas.openxmlformats.org/drawingml/2006/chartDrawing" xmlns:dgm="http://schemas.openxmlformats.org/drawingml/2006/diagram" xmlns:pic="http://schemas.openxmlformats.org/drawingml/2006/picture" xmlns:wp="http://schemas.openxmlformats.org/drawingml/2006/wordprocessingDrawing" xmlns:xdr="http://schemas.openxmlformats.org/drawingml/2006/spreadsheetDrawing" xmlns:ns11="http://schemas.openxmlformats.org/drawingml/2006/compatibility" xmlns:ns12="http://schemas.openxmlformats.org/drawingml/2006/lockedCanvas" type="objTx" preserve="true">
+<p:sldLayout xmlns:a="http://schemas.openxmlformats.org/drawingml/2006/main" xmlns:r="http://schemas.openxmlformats.org/officeDocument/2006/relationships" xmlns:p="http://schemas.openxmlformats.org/presentationml/2006/main" xmlns:mc="http://schemas.openxmlformats.org/markup-compatibility/2006" xmlns:c="http://schemas.openxmlformats.org/drawingml/2006/chart" xmlns:ns6="http://schemas.openxmlformats.org/drawingml/2006/chartDrawing" xmlns:dgm="http://schemas.openxmlformats.org/drawingml/2006/diagram" xmlns:pic="http://schemas.openxmlformats.org/drawingml/2006/picture" xmlns:wp="http://schemas.openxmlformats.org/drawingml/2006/wordprocessingDrawing" xmlns:xdr="http://schemas.openxmlformats.org/drawingml/2006/spreadsheetDrawing" xmlns:ns11="http://schemas.openxmlformats.org/drawingml/2006/compatibility" xmlns:ns12="http://schemas.openxmlformats.org/drawingml/2006/lockedCanvas" type="objTx" preserve="true">
   <p:cSld name="Content with Caption">
     <p:spTree>
       <p:nvGrpSpPr>
@@ -2039,7 +2039,7 @@
 </file>
 
 <file path=ppt/slideLayouts/slideLayout9.xml><?xml version="1.0" encoding="utf-8"?>
-<p:sldLayout xmlns:p="http://schemas.openxmlformats.org/presentationml/2006/main" xmlns:r="http://schemas.openxmlformats.org/officeDocument/2006/relationships" xmlns:a="http://schemas.openxmlformats.org/drawingml/2006/main" xmlns:mc="http://schemas.openxmlformats.org/markup-compatibility/2006" xmlns:c="http://schemas.openxmlformats.org/drawingml/2006/chart" xmlns:ns6="http://schemas.openxmlformats.org/drawingml/2006/chartDrawing" xmlns:dgm="http://schemas.openxmlformats.org/drawingml/2006/diagram" xmlns:pic="http://schemas.openxmlformats.org/drawingml/2006/picture" xmlns:wp="http://schemas.openxmlformats.org/drawingml/2006/wordprocessingDrawing" xmlns:xdr="http://schemas.openxmlformats.org/drawingml/2006/spreadsheetDrawing" xmlns:ns11="http://schemas.openxmlformats.org/drawingml/2006/compatibility" xmlns:ns12="http://schemas.openxmlformats.org/drawingml/2006/lockedCanvas" type="vertTx" preserve="true">
+<p:sldLayout xmlns:a="http://schemas.openxmlformats.org/drawingml/2006/main" xmlns:r="http://schemas.openxmlformats.org/officeDocument/2006/relationships" xmlns:p="http://schemas.openxmlformats.org/presentationml/2006/main" xmlns:mc="http://schemas.openxmlformats.org/markup-compatibility/2006" xmlns:c="http://schemas.openxmlformats.org/drawingml/2006/chart" xmlns:ns6="http://schemas.openxmlformats.org/drawingml/2006/chartDrawing" xmlns:dgm="http://schemas.openxmlformats.org/drawingml/2006/diagram" xmlns:pic="http://schemas.openxmlformats.org/drawingml/2006/picture" xmlns:wp="http://schemas.openxmlformats.org/drawingml/2006/wordprocessingDrawing" xmlns:xdr="http://schemas.openxmlformats.org/drawingml/2006/spreadsheetDrawing" xmlns:ns11="http://schemas.openxmlformats.org/drawingml/2006/compatibility" xmlns:ns12="http://schemas.openxmlformats.org/drawingml/2006/lockedCanvas" type="vertTx" preserve="true">
   <p:cSld name="Title and Vertical Text">
     <p:spTree>
       <p:nvGrpSpPr>
@@ -2216,7 +2216,7 @@
 </file>
 
 <file path=ppt/slideMasters/slideMaster1.xml><?xml version="1.0" encoding="utf-8"?>
-<p:sldMaster xmlns:p="http://schemas.openxmlformats.org/presentationml/2006/main" xmlns:r="http://schemas.openxmlformats.org/officeDocument/2006/relationships" xmlns:a="http://schemas.openxmlformats.org/drawingml/2006/main" xmlns:mc="http://schemas.openxmlformats.org/markup-compatibility/2006" xmlns:c="http://schemas.openxmlformats.org/drawingml/2006/chart" xmlns:ns6="http://schemas.openxmlformats.org/drawingml/2006/chartDrawing" xmlns:dgm="http://schemas.openxmlformats.org/drawingml/2006/diagram" xmlns:pic="http://schemas.openxmlformats.org/drawingml/2006/picture" xmlns:wp="http://schemas.openxmlformats.org/drawingml/2006/wordprocessingDrawing" xmlns:xdr="http://schemas.openxmlformats.org/drawingml/2006/spreadsheetDrawing" xmlns:ns11="http://schemas.openxmlformats.org/drawingml/2006/compatibility" xmlns:ns12="http://schemas.openxmlformats.org/drawingml/2006/lockedCanvas">
+<p:sldMaster xmlns:a="http://schemas.openxmlformats.org/drawingml/2006/main" xmlns:r="http://schemas.openxmlformats.org/officeDocument/2006/relationships" xmlns:p="http://schemas.openxmlformats.org/presentationml/2006/main" xmlns:mc="http://schemas.openxmlformats.org/markup-compatibility/2006" xmlns:c="http://schemas.openxmlformats.org/drawingml/2006/chart" xmlns:ns6="http://schemas.openxmlformats.org/drawingml/2006/chartDrawing" xmlns:dgm="http://schemas.openxmlformats.org/drawingml/2006/diagram" xmlns:pic="http://schemas.openxmlformats.org/drawingml/2006/picture" xmlns:wp="http://schemas.openxmlformats.org/drawingml/2006/wordprocessingDrawing" xmlns:xdr="http://schemas.openxmlformats.org/drawingml/2006/spreadsheetDrawing" xmlns:ns11="http://schemas.openxmlformats.org/drawingml/2006/compatibility" xmlns:ns12="http://schemas.openxmlformats.org/drawingml/2006/lockedCanvas">
   <p:cSld>
     <p:bg>
       <p:bgRef idx="1001">
@@ -2762,7 +2762,7 @@
 </file>
 
 <file path=ppt/slides/slide1.xml><?xml version="1.0" encoding="utf-8"?>
-<p:sld xmlns:p="http://schemas.openxmlformats.org/presentationml/2006/main" xmlns:r="http://schemas.openxmlformats.org/officeDocument/2006/relationships" xmlns:a="http://schemas.openxmlformats.org/drawingml/2006/main" xmlns:mc="http://schemas.openxmlformats.org/markup-compatibility/2006" xmlns:c="http://schemas.openxmlformats.org/drawingml/2006/chart" xmlns:ns6="http://schemas.openxmlformats.org/drawingml/2006/chartDrawing" xmlns:dgm="http://schemas.openxmlformats.org/drawingml/2006/diagram" xmlns:pic="http://schemas.openxmlformats.org/drawingml/2006/picture" xmlns:wp="http://schemas.openxmlformats.org/drawingml/2006/wordprocessingDrawing" xmlns:xdr="http://schemas.openxmlformats.org/drawingml/2006/spreadsheetDrawing" xmlns:ns11="http://schemas.openxmlformats.org/drawingml/2006/compatibility" xmlns:ns12="http://schemas.openxmlformats.org/drawingml/2006/lockedCanvas">
+<p:sld xmlns:a="http://schemas.openxmlformats.org/drawingml/2006/main" xmlns:r="http://schemas.openxmlformats.org/officeDocument/2006/relationships" xmlns:p="http://schemas.openxmlformats.org/presentationml/2006/main" xmlns:mc="http://schemas.openxmlformats.org/markup-compatibility/2006" xmlns:c="http://schemas.openxmlformats.org/drawingml/2006/chart" xmlns:ns6="http://schemas.openxmlformats.org/drawingml/2006/chartDrawing" xmlns:dgm="http://schemas.openxmlformats.org/drawingml/2006/diagram" xmlns:pic="http://schemas.openxmlformats.org/drawingml/2006/picture" xmlns:wp="http://schemas.openxmlformats.org/drawingml/2006/wordprocessingDrawing" xmlns:xdr="http://schemas.openxmlformats.org/drawingml/2006/spreadsheetDrawing" xmlns:ns11="http://schemas.openxmlformats.org/drawingml/2006/compatibility" xmlns:ns12="http://schemas.openxmlformats.org/drawingml/2006/lockedCanvas">
   <p:cSld>
     <p:spTree>
       <p:nvGrpSpPr>

--- a/docs/articles/header_rot.pptx
+++ b/docs/articles/header_rot.pptx
@@ -1,11 +1,11 @@
 
 <file path=ppt/presentation.xml><?xml version="1.0" encoding="utf-8"?>
-<p:presentation xmlns:a="http://schemas.openxmlformats.org/drawingml/2006/main" xmlns:r="http://schemas.openxmlformats.org/officeDocument/2006/relationships" xmlns:p="http://schemas.openxmlformats.org/presentationml/2006/main" xmlns:mc="http://schemas.openxmlformats.org/markup-compatibility/2006" xmlns:c="http://schemas.openxmlformats.org/drawingml/2006/chart" xmlns:ns6="http://schemas.openxmlformats.org/drawingml/2006/chartDrawing" xmlns:dgm="http://schemas.openxmlformats.org/drawingml/2006/diagram" xmlns:pic="http://schemas.openxmlformats.org/drawingml/2006/picture" xmlns:wp="http://schemas.openxmlformats.org/drawingml/2006/wordprocessingDrawing" xmlns:xdr="http://schemas.openxmlformats.org/drawingml/2006/spreadsheetDrawing" xmlns:ns11="http://schemas.openxmlformats.org/drawingml/2006/compatibility" xmlns:ns12="http://schemas.openxmlformats.org/drawingml/2006/lockedCanvas" saveSubsetFonts="true">
+<p:presentation xmlns:r="http://schemas.openxmlformats.org/officeDocument/2006/relationships" xmlns:a="http://schemas.openxmlformats.org/drawingml/2006/main" xmlns:p="http://schemas.openxmlformats.org/presentationml/2006/main" xmlns:mc="http://schemas.openxmlformats.org/markup-compatibility/2006" xmlns:c="http://schemas.openxmlformats.org/drawingml/2006/chart" xmlns:ns6="http://schemas.openxmlformats.org/drawingml/2006/chartDrawing" xmlns:dgm="http://schemas.openxmlformats.org/drawingml/2006/diagram" xmlns:pic="http://schemas.openxmlformats.org/drawingml/2006/picture" xmlns:wp="http://schemas.openxmlformats.org/drawingml/2006/wordprocessingDrawing" xmlns:xdr="http://schemas.openxmlformats.org/drawingml/2006/spreadsheetDrawing" xmlns:ns11="http://schemas.openxmlformats.org/drawingml/2006/compatibility" xmlns:ns12="http://schemas.openxmlformats.org/drawingml/2006/lockedCanvas" saveSubsetFonts="true">
   <p:sldMasterIdLst>
     <p:sldMasterId id="2147483648" r:id="rId1"/>
   </p:sldMasterIdLst>
   <p:sldIdLst>
-    <p:sldId id="1610619970" r:id="rId6"/>
+    <p:sldId id="2091622036" r:id="rId6"/>
   </p:sldIdLst>
   <p:sldSz cx="12192000" cy="6858000"/>
   <p:notesSz cx="6858000" cy="9144000"/>
@@ -113,7 +113,7 @@
 </file>
 
 <file path=ppt/slideLayouts/slideLayout1.xml><?xml version="1.0" encoding="utf-8"?>
-<p:sldLayout xmlns:a="http://schemas.openxmlformats.org/drawingml/2006/main" xmlns:r="http://schemas.openxmlformats.org/officeDocument/2006/relationships" xmlns:p="http://schemas.openxmlformats.org/presentationml/2006/main" xmlns:mc="http://schemas.openxmlformats.org/markup-compatibility/2006" xmlns:c="http://schemas.openxmlformats.org/drawingml/2006/chart" xmlns:ns6="http://schemas.openxmlformats.org/drawingml/2006/chartDrawing" xmlns:dgm="http://schemas.openxmlformats.org/drawingml/2006/diagram" xmlns:pic="http://schemas.openxmlformats.org/drawingml/2006/picture" xmlns:wp="http://schemas.openxmlformats.org/drawingml/2006/wordprocessingDrawing" xmlns:xdr="http://schemas.openxmlformats.org/drawingml/2006/spreadsheetDrawing" xmlns:ns11="http://schemas.openxmlformats.org/drawingml/2006/compatibility" xmlns:ns12="http://schemas.openxmlformats.org/drawingml/2006/lockedCanvas" type="title" preserve="true">
+<p:sldLayout xmlns:r="http://schemas.openxmlformats.org/officeDocument/2006/relationships" xmlns:a="http://schemas.openxmlformats.org/drawingml/2006/main" xmlns:p="http://schemas.openxmlformats.org/presentationml/2006/main" xmlns:mc="http://schemas.openxmlformats.org/markup-compatibility/2006" xmlns:c="http://schemas.openxmlformats.org/drawingml/2006/chart" xmlns:ns6="http://schemas.openxmlformats.org/drawingml/2006/chartDrawing" xmlns:dgm="http://schemas.openxmlformats.org/drawingml/2006/diagram" xmlns:pic="http://schemas.openxmlformats.org/drawingml/2006/picture" xmlns:wp="http://schemas.openxmlformats.org/drawingml/2006/wordprocessingDrawing" xmlns:xdr="http://schemas.openxmlformats.org/drawingml/2006/spreadsheetDrawing" xmlns:ns11="http://schemas.openxmlformats.org/drawingml/2006/compatibility" xmlns:ns12="http://schemas.openxmlformats.org/drawingml/2006/lockedCanvas" type="title" preserve="true">
   <p:cSld name="Title Slide">
     <p:spTree>
       <p:nvGrpSpPr>
@@ -312,7 +312,7 @@
 </file>
 
 <file path=ppt/slideLayouts/slideLayout10.xml><?xml version="1.0" encoding="utf-8"?>
-<p:sldLayout xmlns:a="http://schemas.openxmlformats.org/drawingml/2006/main" xmlns:r="http://schemas.openxmlformats.org/officeDocument/2006/relationships" xmlns:p="http://schemas.openxmlformats.org/presentationml/2006/main" xmlns:mc="http://schemas.openxmlformats.org/markup-compatibility/2006" xmlns:c="http://schemas.openxmlformats.org/drawingml/2006/chart" xmlns:ns6="http://schemas.openxmlformats.org/drawingml/2006/chartDrawing" xmlns:dgm="http://schemas.openxmlformats.org/drawingml/2006/diagram" xmlns:pic="http://schemas.openxmlformats.org/drawingml/2006/picture" xmlns:wp="http://schemas.openxmlformats.org/drawingml/2006/wordprocessingDrawing" xmlns:xdr="http://schemas.openxmlformats.org/drawingml/2006/spreadsheetDrawing" xmlns:ns11="http://schemas.openxmlformats.org/drawingml/2006/compatibility" xmlns:ns12="http://schemas.openxmlformats.org/drawingml/2006/lockedCanvas" type="vertTitleAndTx" preserve="true">
+<p:sldLayout xmlns:r="http://schemas.openxmlformats.org/officeDocument/2006/relationships" xmlns:a="http://schemas.openxmlformats.org/drawingml/2006/main" xmlns:p="http://schemas.openxmlformats.org/presentationml/2006/main" xmlns:mc="http://schemas.openxmlformats.org/markup-compatibility/2006" xmlns:c="http://schemas.openxmlformats.org/drawingml/2006/chart" xmlns:ns6="http://schemas.openxmlformats.org/drawingml/2006/chartDrawing" xmlns:dgm="http://schemas.openxmlformats.org/drawingml/2006/diagram" xmlns:pic="http://schemas.openxmlformats.org/drawingml/2006/picture" xmlns:wp="http://schemas.openxmlformats.org/drawingml/2006/wordprocessingDrawing" xmlns:xdr="http://schemas.openxmlformats.org/drawingml/2006/spreadsheetDrawing" xmlns:ns11="http://schemas.openxmlformats.org/drawingml/2006/compatibility" xmlns:ns12="http://schemas.openxmlformats.org/drawingml/2006/lockedCanvas" type="vertTitleAndTx" preserve="true">
   <p:cSld name="Vertical Title and Text">
     <p:spTree>
       <p:nvGrpSpPr>
@@ -499,7 +499,7 @@
 </file>
 
 <file path=ppt/slideLayouts/slideLayout2.xml><?xml version="1.0" encoding="utf-8"?>
-<p:sldLayout xmlns:a="http://schemas.openxmlformats.org/drawingml/2006/main" xmlns:r="http://schemas.openxmlformats.org/officeDocument/2006/relationships" xmlns:p="http://schemas.openxmlformats.org/presentationml/2006/main" xmlns:mc="http://schemas.openxmlformats.org/markup-compatibility/2006" xmlns:c="http://schemas.openxmlformats.org/drawingml/2006/chart" xmlns:ns6="http://schemas.openxmlformats.org/drawingml/2006/chartDrawing" xmlns:dgm="http://schemas.openxmlformats.org/drawingml/2006/diagram" xmlns:pic="http://schemas.openxmlformats.org/drawingml/2006/picture" xmlns:wp="http://schemas.openxmlformats.org/drawingml/2006/wordprocessingDrawing" xmlns:xdr="http://schemas.openxmlformats.org/drawingml/2006/spreadsheetDrawing" xmlns:ns11="http://schemas.openxmlformats.org/drawingml/2006/compatibility" xmlns:ns12="http://schemas.openxmlformats.org/drawingml/2006/lockedCanvas" type="obj" preserve="true">
+<p:sldLayout xmlns:r="http://schemas.openxmlformats.org/officeDocument/2006/relationships" xmlns:a="http://schemas.openxmlformats.org/drawingml/2006/main" xmlns:p="http://schemas.openxmlformats.org/presentationml/2006/main" xmlns:mc="http://schemas.openxmlformats.org/markup-compatibility/2006" xmlns:c="http://schemas.openxmlformats.org/drawingml/2006/chart" xmlns:ns6="http://schemas.openxmlformats.org/drawingml/2006/chartDrawing" xmlns:dgm="http://schemas.openxmlformats.org/drawingml/2006/diagram" xmlns:pic="http://schemas.openxmlformats.org/drawingml/2006/picture" xmlns:wp="http://schemas.openxmlformats.org/drawingml/2006/wordprocessingDrawing" xmlns:xdr="http://schemas.openxmlformats.org/drawingml/2006/spreadsheetDrawing" xmlns:ns11="http://schemas.openxmlformats.org/drawingml/2006/compatibility" xmlns:ns12="http://schemas.openxmlformats.org/drawingml/2006/lockedCanvas" type="obj" preserve="true">
   <p:cSld name="Title and Content">
     <p:spTree>
       <p:nvGrpSpPr>
@@ -681,7 +681,7 @@
 </file>
 
 <file path=ppt/slideLayouts/slideLayout3.xml><?xml version="1.0" encoding="utf-8"?>
-<p:sldLayout xmlns:a="http://schemas.openxmlformats.org/drawingml/2006/main" xmlns:r="http://schemas.openxmlformats.org/officeDocument/2006/relationships" xmlns:p="http://schemas.openxmlformats.org/presentationml/2006/main" xmlns:mc="http://schemas.openxmlformats.org/markup-compatibility/2006" xmlns:c="http://schemas.openxmlformats.org/drawingml/2006/chart" xmlns:ns6="http://schemas.openxmlformats.org/drawingml/2006/chartDrawing" xmlns:dgm="http://schemas.openxmlformats.org/drawingml/2006/diagram" xmlns:pic="http://schemas.openxmlformats.org/drawingml/2006/picture" xmlns:wp="http://schemas.openxmlformats.org/drawingml/2006/wordprocessingDrawing" xmlns:xdr="http://schemas.openxmlformats.org/drawingml/2006/spreadsheetDrawing" xmlns:ns11="http://schemas.openxmlformats.org/drawingml/2006/compatibility" xmlns:ns12="http://schemas.openxmlformats.org/drawingml/2006/lockedCanvas" type="secHead" preserve="true">
+<p:sldLayout xmlns:r="http://schemas.openxmlformats.org/officeDocument/2006/relationships" xmlns:a="http://schemas.openxmlformats.org/drawingml/2006/main" xmlns:p="http://schemas.openxmlformats.org/presentationml/2006/main" xmlns:mc="http://schemas.openxmlformats.org/markup-compatibility/2006" xmlns:c="http://schemas.openxmlformats.org/drawingml/2006/chart" xmlns:ns6="http://schemas.openxmlformats.org/drawingml/2006/chartDrawing" xmlns:dgm="http://schemas.openxmlformats.org/drawingml/2006/diagram" xmlns:pic="http://schemas.openxmlformats.org/drawingml/2006/picture" xmlns:wp="http://schemas.openxmlformats.org/drawingml/2006/wordprocessingDrawing" xmlns:xdr="http://schemas.openxmlformats.org/drawingml/2006/spreadsheetDrawing" xmlns:ns11="http://schemas.openxmlformats.org/drawingml/2006/compatibility" xmlns:ns12="http://schemas.openxmlformats.org/drawingml/2006/lockedCanvas" type="secHead" preserve="true">
   <p:cSld name="Section Header">
     <p:spTree>
       <p:nvGrpSpPr>
@@ -934,7 +934,7 @@
 </file>
 
 <file path=ppt/slideLayouts/slideLayout4.xml><?xml version="1.0" encoding="utf-8"?>
-<p:sldLayout xmlns:a="http://schemas.openxmlformats.org/drawingml/2006/main" xmlns:r="http://schemas.openxmlformats.org/officeDocument/2006/relationships" xmlns:p="http://schemas.openxmlformats.org/presentationml/2006/main" xmlns:mc="http://schemas.openxmlformats.org/markup-compatibility/2006" xmlns:c="http://schemas.openxmlformats.org/drawingml/2006/chart" xmlns:ns6="http://schemas.openxmlformats.org/drawingml/2006/chartDrawing" xmlns:dgm="http://schemas.openxmlformats.org/drawingml/2006/diagram" xmlns:pic="http://schemas.openxmlformats.org/drawingml/2006/picture" xmlns:wp="http://schemas.openxmlformats.org/drawingml/2006/wordprocessingDrawing" xmlns:xdr="http://schemas.openxmlformats.org/drawingml/2006/spreadsheetDrawing" xmlns:ns11="http://schemas.openxmlformats.org/drawingml/2006/compatibility" xmlns:ns12="http://schemas.openxmlformats.org/drawingml/2006/lockedCanvas" type="twoObj" preserve="true">
+<p:sldLayout xmlns:r="http://schemas.openxmlformats.org/officeDocument/2006/relationships" xmlns:a="http://schemas.openxmlformats.org/drawingml/2006/main" xmlns:p="http://schemas.openxmlformats.org/presentationml/2006/main" xmlns:mc="http://schemas.openxmlformats.org/markup-compatibility/2006" xmlns:c="http://schemas.openxmlformats.org/drawingml/2006/chart" xmlns:ns6="http://schemas.openxmlformats.org/drawingml/2006/chartDrawing" xmlns:dgm="http://schemas.openxmlformats.org/drawingml/2006/diagram" xmlns:pic="http://schemas.openxmlformats.org/drawingml/2006/picture" xmlns:wp="http://schemas.openxmlformats.org/drawingml/2006/wordprocessingDrawing" xmlns:xdr="http://schemas.openxmlformats.org/drawingml/2006/spreadsheetDrawing" xmlns:ns11="http://schemas.openxmlformats.org/drawingml/2006/compatibility" xmlns:ns12="http://schemas.openxmlformats.org/drawingml/2006/lockedCanvas" type="twoObj" preserve="true">
   <p:cSld name="Two Content">
     <p:spTree>
       <p:nvGrpSpPr>
@@ -1173,7 +1173,7 @@
 </file>
 
 <file path=ppt/slideLayouts/slideLayout5.xml><?xml version="1.0" encoding="utf-8"?>
-<p:sldLayout xmlns:a="http://schemas.openxmlformats.org/drawingml/2006/main" xmlns:r="http://schemas.openxmlformats.org/officeDocument/2006/relationships" xmlns:p="http://schemas.openxmlformats.org/presentationml/2006/main" xmlns:mc="http://schemas.openxmlformats.org/markup-compatibility/2006" xmlns:c="http://schemas.openxmlformats.org/drawingml/2006/chart" xmlns:ns6="http://schemas.openxmlformats.org/drawingml/2006/chartDrawing" xmlns:dgm="http://schemas.openxmlformats.org/drawingml/2006/diagram" xmlns:pic="http://schemas.openxmlformats.org/drawingml/2006/picture" xmlns:wp="http://schemas.openxmlformats.org/drawingml/2006/wordprocessingDrawing" xmlns:xdr="http://schemas.openxmlformats.org/drawingml/2006/spreadsheetDrawing" xmlns:ns11="http://schemas.openxmlformats.org/drawingml/2006/compatibility" xmlns:ns12="http://schemas.openxmlformats.org/drawingml/2006/lockedCanvas" type="twoTxTwoObj" preserve="true">
+<p:sldLayout xmlns:r="http://schemas.openxmlformats.org/officeDocument/2006/relationships" xmlns:a="http://schemas.openxmlformats.org/drawingml/2006/main" xmlns:p="http://schemas.openxmlformats.org/presentationml/2006/main" xmlns:mc="http://schemas.openxmlformats.org/markup-compatibility/2006" xmlns:c="http://schemas.openxmlformats.org/drawingml/2006/chart" xmlns:ns6="http://schemas.openxmlformats.org/drawingml/2006/chartDrawing" xmlns:dgm="http://schemas.openxmlformats.org/drawingml/2006/diagram" xmlns:pic="http://schemas.openxmlformats.org/drawingml/2006/picture" xmlns:wp="http://schemas.openxmlformats.org/drawingml/2006/wordprocessingDrawing" xmlns:xdr="http://schemas.openxmlformats.org/drawingml/2006/spreadsheetDrawing" xmlns:ns11="http://schemas.openxmlformats.org/drawingml/2006/compatibility" xmlns:ns12="http://schemas.openxmlformats.org/drawingml/2006/lockedCanvas" type="twoTxTwoObj" preserve="true">
   <p:cSld name="Comparison">
     <p:spTree>
       <p:nvGrpSpPr>
@@ -1528,7 +1528,7 @@
 </file>
 
 <file path=ppt/slideLayouts/slideLayout6.xml><?xml version="1.0" encoding="utf-8"?>
-<p:sldLayout xmlns:a="http://schemas.openxmlformats.org/drawingml/2006/main" xmlns:r="http://schemas.openxmlformats.org/officeDocument/2006/relationships" xmlns:p="http://schemas.openxmlformats.org/presentationml/2006/main" xmlns:mc="http://schemas.openxmlformats.org/markup-compatibility/2006" xmlns:c="http://schemas.openxmlformats.org/drawingml/2006/chart" xmlns:ns6="http://schemas.openxmlformats.org/drawingml/2006/chartDrawing" xmlns:dgm="http://schemas.openxmlformats.org/drawingml/2006/diagram" xmlns:pic="http://schemas.openxmlformats.org/drawingml/2006/picture" xmlns:wp="http://schemas.openxmlformats.org/drawingml/2006/wordprocessingDrawing" xmlns:xdr="http://schemas.openxmlformats.org/drawingml/2006/spreadsheetDrawing" xmlns:ns11="http://schemas.openxmlformats.org/drawingml/2006/compatibility" xmlns:ns12="http://schemas.openxmlformats.org/drawingml/2006/lockedCanvas" type="titleOnly" preserve="true">
+<p:sldLayout xmlns:r="http://schemas.openxmlformats.org/officeDocument/2006/relationships" xmlns:a="http://schemas.openxmlformats.org/drawingml/2006/main" xmlns:p="http://schemas.openxmlformats.org/presentationml/2006/main" xmlns:mc="http://schemas.openxmlformats.org/markup-compatibility/2006" xmlns:c="http://schemas.openxmlformats.org/drawingml/2006/chart" xmlns:ns6="http://schemas.openxmlformats.org/drawingml/2006/chartDrawing" xmlns:dgm="http://schemas.openxmlformats.org/drawingml/2006/diagram" xmlns:pic="http://schemas.openxmlformats.org/drawingml/2006/picture" xmlns:wp="http://schemas.openxmlformats.org/drawingml/2006/wordprocessingDrawing" xmlns:xdr="http://schemas.openxmlformats.org/drawingml/2006/spreadsheetDrawing" xmlns:ns11="http://schemas.openxmlformats.org/drawingml/2006/compatibility" xmlns:ns12="http://schemas.openxmlformats.org/drawingml/2006/lockedCanvas" type="titleOnly" preserve="true">
   <p:cSld name="Title Only">
     <p:spTree>
       <p:nvGrpSpPr>
@@ -1653,7 +1653,7 @@
 </file>
 
 <file path=ppt/slideLayouts/slideLayout7.xml><?xml version="1.0" encoding="utf-8"?>
-<p:sldLayout xmlns:a="http://schemas.openxmlformats.org/drawingml/2006/main" xmlns:r="http://schemas.openxmlformats.org/officeDocument/2006/relationships" xmlns:p="http://schemas.openxmlformats.org/presentationml/2006/main" xmlns:mc="http://schemas.openxmlformats.org/markup-compatibility/2006" xmlns:c="http://schemas.openxmlformats.org/drawingml/2006/chart" xmlns:ns6="http://schemas.openxmlformats.org/drawingml/2006/chartDrawing" xmlns:dgm="http://schemas.openxmlformats.org/drawingml/2006/diagram" xmlns:pic="http://schemas.openxmlformats.org/drawingml/2006/picture" xmlns:wp="http://schemas.openxmlformats.org/drawingml/2006/wordprocessingDrawing" xmlns:xdr="http://schemas.openxmlformats.org/drawingml/2006/spreadsheetDrawing" xmlns:ns11="http://schemas.openxmlformats.org/drawingml/2006/compatibility" xmlns:ns12="http://schemas.openxmlformats.org/drawingml/2006/lockedCanvas" type="blank" preserve="true">
+<p:sldLayout xmlns:r="http://schemas.openxmlformats.org/officeDocument/2006/relationships" xmlns:a="http://schemas.openxmlformats.org/drawingml/2006/main" xmlns:p="http://schemas.openxmlformats.org/presentationml/2006/main" xmlns:mc="http://schemas.openxmlformats.org/markup-compatibility/2006" xmlns:c="http://schemas.openxmlformats.org/drawingml/2006/chart" xmlns:ns6="http://schemas.openxmlformats.org/drawingml/2006/chartDrawing" xmlns:dgm="http://schemas.openxmlformats.org/drawingml/2006/diagram" xmlns:pic="http://schemas.openxmlformats.org/drawingml/2006/picture" xmlns:wp="http://schemas.openxmlformats.org/drawingml/2006/wordprocessingDrawing" xmlns:xdr="http://schemas.openxmlformats.org/drawingml/2006/spreadsheetDrawing" xmlns:ns11="http://schemas.openxmlformats.org/drawingml/2006/compatibility" xmlns:ns12="http://schemas.openxmlformats.org/drawingml/2006/lockedCanvas" type="blank" preserve="true">
   <p:cSld name="Blank">
     <p:spTree>
       <p:nvGrpSpPr>
@@ -1755,7 +1755,7 @@
 </file>
 
 <file path=ppt/slideLayouts/slideLayout8.xml><?xml version="1.0" encoding="utf-8"?>
-<p:sldLayout xmlns:a="http://schemas.openxmlformats.org/drawingml/2006/main" xmlns:r="http://schemas.openxmlformats.org/officeDocument/2006/relationships" xmlns:p="http://schemas.openxmlformats.org/presentationml/2006/main" xmlns:mc="http://schemas.openxmlformats.org/markup-compatibility/2006" xmlns:c="http://schemas.openxmlformats.org/drawingml/2006/chart" xmlns:ns6="http://schemas.openxmlformats.org/drawingml/2006/chartDrawing" xmlns:dgm="http://schemas.openxmlformats.org/drawingml/2006/diagram" xmlns:pic="http://schemas.openxmlformats.org/drawingml/2006/picture" xmlns:wp="http://schemas.openxmlformats.org/drawingml/2006/wordprocessingDrawing" xmlns:xdr="http://schemas.openxmlformats.org/drawingml/2006/spreadsheetDrawing" xmlns:ns11="http://schemas.openxmlformats.org/drawingml/2006/compatibility" xmlns:ns12="http://schemas.openxmlformats.org/drawingml/2006/lockedCanvas" type="objTx" preserve="true">
+<p:sldLayout xmlns:r="http://schemas.openxmlformats.org/officeDocument/2006/relationships" xmlns:a="http://schemas.openxmlformats.org/drawingml/2006/main" xmlns:p="http://schemas.openxmlformats.org/presentationml/2006/main" xmlns:mc="http://schemas.openxmlformats.org/markup-compatibility/2006" xmlns:c="http://schemas.openxmlformats.org/drawingml/2006/chart" xmlns:ns6="http://schemas.openxmlformats.org/drawingml/2006/chartDrawing" xmlns:dgm="http://schemas.openxmlformats.org/drawingml/2006/diagram" xmlns:pic="http://schemas.openxmlformats.org/drawingml/2006/picture" xmlns:wp="http://schemas.openxmlformats.org/drawingml/2006/wordprocessingDrawing" xmlns:xdr="http://schemas.openxmlformats.org/drawingml/2006/spreadsheetDrawing" xmlns:ns11="http://schemas.openxmlformats.org/drawingml/2006/compatibility" xmlns:ns12="http://schemas.openxmlformats.org/drawingml/2006/lockedCanvas" type="objTx" preserve="true">
   <p:cSld name="Content with Caption">
     <p:spTree>
       <p:nvGrpSpPr>
@@ -2039,7 +2039,7 @@
 </file>
 
 <file path=ppt/slideLayouts/slideLayout9.xml><?xml version="1.0" encoding="utf-8"?>
-<p:sldLayout xmlns:a="http://schemas.openxmlformats.org/drawingml/2006/main" xmlns:r="http://schemas.openxmlformats.org/officeDocument/2006/relationships" xmlns:p="http://schemas.openxmlformats.org/presentationml/2006/main" xmlns:mc="http://schemas.openxmlformats.org/markup-compatibility/2006" xmlns:c="http://schemas.openxmlformats.org/drawingml/2006/chart" xmlns:ns6="http://schemas.openxmlformats.org/drawingml/2006/chartDrawing" xmlns:dgm="http://schemas.openxmlformats.org/drawingml/2006/diagram" xmlns:pic="http://schemas.openxmlformats.org/drawingml/2006/picture" xmlns:wp="http://schemas.openxmlformats.org/drawingml/2006/wordprocessingDrawing" xmlns:xdr="http://schemas.openxmlformats.org/drawingml/2006/spreadsheetDrawing" xmlns:ns11="http://schemas.openxmlformats.org/drawingml/2006/compatibility" xmlns:ns12="http://schemas.openxmlformats.org/drawingml/2006/lockedCanvas" type="vertTx" preserve="true">
+<p:sldLayout xmlns:r="http://schemas.openxmlformats.org/officeDocument/2006/relationships" xmlns:a="http://schemas.openxmlformats.org/drawingml/2006/main" xmlns:p="http://schemas.openxmlformats.org/presentationml/2006/main" xmlns:mc="http://schemas.openxmlformats.org/markup-compatibility/2006" xmlns:c="http://schemas.openxmlformats.org/drawingml/2006/chart" xmlns:ns6="http://schemas.openxmlformats.org/drawingml/2006/chartDrawing" xmlns:dgm="http://schemas.openxmlformats.org/drawingml/2006/diagram" xmlns:pic="http://schemas.openxmlformats.org/drawingml/2006/picture" xmlns:wp="http://schemas.openxmlformats.org/drawingml/2006/wordprocessingDrawing" xmlns:xdr="http://schemas.openxmlformats.org/drawingml/2006/spreadsheetDrawing" xmlns:ns11="http://schemas.openxmlformats.org/drawingml/2006/compatibility" xmlns:ns12="http://schemas.openxmlformats.org/drawingml/2006/lockedCanvas" type="vertTx" preserve="true">
   <p:cSld name="Title and Vertical Text">
     <p:spTree>
       <p:nvGrpSpPr>
@@ -2216,7 +2216,7 @@
 </file>
 
 <file path=ppt/slideMasters/slideMaster1.xml><?xml version="1.0" encoding="utf-8"?>
-<p:sldMaster xmlns:a="http://schemas.openxmlformats.org/drawingml/2006/main" xmlns:r="http://schemas.openxmlformats.org/officeDocument/2006/relationships" xmlns:p="http://schemas.openxmlformats.org/presentationml/2006/main" xmlns:mc="http://schemas.openxmlformats.org/markup-compatibility/2006" xmlns:c="http://schemas.openxmlformats.org/drawingml/2006/chart" xmlns:ns6="http://schemas.openxmlformats.org/drawingml/2006/chartDrawing" xmlns:dgm="http://schemas.openxmlformats.org/drawingml/2006/diagram" xmlns:pic="http://schemas.openxmlformats.org/drawingml/2006/picture" xmlns:wp="http://schemas.openxmlformats.org/drawingml/2006/wordprocessingDrawing" xmlns:xdr="http://schemas.openxmlformats.org/drawingml/2006/spreadsheetDrawing" xmlns:ns11="http://schemas.openxmlformats.org/drawingml/2006/compatibility" xmlns:ns12="http://schemas.openxmlformats.org/drawingml/2006/lockedCanvas">
+<p:sldMaster xmlns:r="http://schemas.openxmlformats.org/officeDocument/2006/relationships" xmlns:a="http://schemas.openxmlformats.org/drawingml/2006/main" xmlns:p="http://schemas.openxmlformats.org/presentationml/2006/main" xmlns:mc="http://schemas.openxmlformats.org/markup-compatibility/2006" xmlns:c="http://schemas.openxmlformats.org/drawingml/2006/chart" xmlns:ns6="http://schemas.openxmlformats.org/drawingml/2006/chartDrawing" xmlns:dgm="http://schemas.openxmlformats.org/drawingml/2006/diagram" xmlns:pic="http://schemas.openxmlformats.org/drawingml/2006/picture" xmlns:wp="http://schemas.openxmlformats.org/drawingml/2006/wordprocessingDrawing" xmlns:xdr="http://schemas.openxmlformats.org/drawingml/2006/spreadsheetDrawing" xmlns:ns11="http://schemas.openxmlformats.org/drawingml/2006/compatibility" xmlns:ns12="http://schemas.openxmlformats.org/drawingml/2006/lockedCanvas">
   <p:cSld>
     <p:bg>
       <p:bgRef idx="1001">
@@ -2762,7 +2762,7 @@
 </file>
 
 <file path=ppt/slides/slide1.xml><?xml version="1.0" encoding="utf-8"?>
-<p:sld xmlns:a="http://schemas.openxmlformats.org/drawingml/2006/main" xmlns:r="http://schemas.openxmlformats.org/officeDocument/2006/relationships" xmlns:p="http://schemas.openxmlformats.org/presentationml/2006/main" xmlns:mc="http://schemas.openxmlformats.org/markup-compatibility/2006" xmlns:c="http://schemas.openxmlformats.org/drawingml/2006/chart" xmlns:ns6="http://schemas.openxmlformats.org/drawingml/2006/chartDrawing" xmlns:dgm="http://schemas.openxmlformats.org/drawingml/2006/diagram" xmlns:pic="http://schemas.openxmlformats.org/drawingml/2006/picture" xmlns:wp="http://schemas.openxmlformats.org/drawingml/2006/wordprocessingDrawing" xmlns:xdr="http://schemas.openxmlformats.org/drawingml/2006/spreadsheetDrawing" xmlns:ns11="http://schemas.openxmlformats.org/drawingml/2006/compatibility" xmlns:ns12="http://schemas.openxmlformats.org/drawingml/2006/lockedCanvas">
+<p:sld xmlns:r="http://schemas.openxmlformats.org/officeDocument/2006/relationships" xmlns:a="http://schemas.openxmlformats.org/drawingml/2006/main" xmlns:p="http://schemas.openxmlformats.org/presentationml/2006/main" xmlns:mc="http://schemas.openxmlformats.org/markup-compatibility/2006" xmlns:c="http://schemas.openxmlformats.org/drawingml/2006/chart" xmlns:ns6="http://schemas.openxmlformats.org/drawingml/2006/chartDrawing" xmlns:dgm="http://schemas.openxmlformats.org/drawingml/2006/diagram" xmlns:pic="http://schemas.openxmlformats.org/drawingml/2006/picture" xmlns:wp="http://schemas.openxmlformats.org/drawingml/2006/wordprocessingDrawing" xmlns:xdr="http://schemas.openxmlformats.org/drawingml/2006/spreadsheetDrawing" xmlns:ns11="http://schemas.openxmlformats.org/drawingml/2006/compatibility" xmlns:ns12="http://schemas.openxmlformats.org/drawingml/2006/lockedCanvas">
   <p:cSld>
     <p:spTree>
       <p:nvGrpSpPr>
@@ -2801,7 +2801,7 @@
                 <a:gridCol w="457200"/>
                 <a:gridCol w="731520"/>
               </a:tblGrid>
-              <a:tr h="901700">
+              <a:tr h="990600">
                 <a:tc>
                   <a:txBody>
                     <a:bodyPr/>
@@ -2823,9 +2823,9 @@
                               <a:alpha val="100000"/>
                             </a:srgbClr>
                           </a:solidFill>
-                          <a:latin typeface="Times New Roman"/>
-                          <a:ea typeface="Times New Roman"/>
-                          <a:cs typeface="Times New Roman"/>
+                          <a:latin typeface="Helvetica"/>
+                          <a:ea typeface="Helvetica"/>
+                          <a:cs typeface="Helvetica"/>
                         </a:rPr>
                         <a:t>Sepal.Length</a:t>
                       </a:r>
@@ -2892,9 +2892,9 @@
                               <a:alpha val="100000"/>
                             </a:srgbClr>
                           </a:solidFill>
-                          <a:latin typeface="Times New Roman"/>
-                          <a:ea typeface="Times New Roman"/>
-                          <a:cs typeface="Times New Roman"/>
+                          <a:latin typeface="Helvetica"/>
+                          <a:ea typeface="Helvetica"/>
+                          <a:cs typeface="Helvetica"/>
                         </a:rPr>
                         <a:t>Sepal.Width</a:t>
                       </a:r>
@@ -2961,9 +2961,9 @@
                               <a:alpha val="100000"/>
                             </a:srgbClr>
                           </a:solidFill>
-                          <a:latin typeface="Times New Roman"/>
-                          <a:ea typeface="Times New Roman"/>
-                          <a:cs typeface="Times New Roman"/>
+                          <a:latin typeface="Helvetica"/>
+                          <a:ea typeface="Helvetica"/>
+                          <a:cs typeface="Helvetica"/>
                         </a:rPr>
                         <a:t>Petal.Length</a:t>
                       </a:r>
@@ -3030,9 +3030,9 @@
                               <a:alpha val="100000"/>
                             </a:srgbClr>
                           </a:solidFill>
-                          <a:latin typeface="Times New Roman"/>
-                          <a:ea typeface="Times New Roman"/>
-                          <a:cs typeface="Times New Roman"/>
+                          <a:latin typeface="Helvetica"/>
+                          <a:ea typeface="Helvetica"/>
+                          <a:cs typeface="Helvetica"/>
                         </a:rPr>
                         <a:t>Petal.Width</a:t>
                       </a:r>
@@ -3099,9 +3099,9 @@
                               <a:alpha val="100000"/>
                             </a:srgbClr>
                           </a:solidFill>
-                          <a:latin typeface="Times New Roman"/>
-                          <a:ea typeface="Times New Roman"/>
-                          <a:cs typeface="Times New Roman"/>
+                          <a:latin typeface="Helvetica"/>
+                          <a:ea typeface="Helvetica"/>
+                          <a:cs typeface="Helvetica"/>
                         </a:rPr>
                         <a:t>Species</a:t>
                       </a:r>
@@ -3170,9 +3170,9 @@
                               <a:alpha val="100000"/>
                             </a:srgbClr>
                           </a:solidFill>
-                          <a:latin typeface="Times New Roman"/>
-                          <a:ea typeface="Times New Roman"/>
-                          <a:cs typeface="Times New Roman"/>
+                          <a:latin typeface="Helvetica"/>
+                          <a:ea typeface="Helvetica"/>
+                          <a:cs typeface="Helvetica"/>
                         </a:rPr>
                         <a:t/>
                       </a:r>
@@ -3183,9 +3183,9 @@
                               <a:alpha val="100000"/>
                             </a:srgbClr>
                           </a:solidFill>
-                          <a:latin typeface="Times New Roman"/>
-                          <a:ea typeface="Times New Roman"/>
-                          <a:cs typeface="Times New Roman"/>
+                          <a:latin typeface="Helvetica"/>
+                          <a:ea typeface="Helvetica"/>
+                          <a:cs typeface="Helvetica"/>
                         </a:rPr>
                         <a:t>4.8</a:t>
                       </a:r>
@@ -3252,9 +3252,9 @@
                               <a:alpha val="100000"/>
                             </a:srgbClr>
                           </a:solidFill>
-                          <a:latin typeface="Times New Roman"/>
-                          <a:ea typeface="Times New Roman"/>
-                          <a:cs typeface="Times New Roman"/>
+                          <a:latin typeface="Helvetica"/>
+                          <a:ea typeface="Helvetica"/>
+                          <a:cs typeface="Helvetica"/>
                         </a:rPr>
                         <a:t/>
                       </a:r>
@@ -3265,9 +3265,9 @@
                               <a:alpha val="100000"/>
                             </a:srgbClr>
                           </a:solidFill>
-                          <a:latin typeface="Times New Roman"/>
-                          <a:ea typeface="Times New Roman"/>
-                          <a:cs typeface="Times New Roman"/>
+                          <a:latin typeface="Helvetica"/>
+                          <a:ea typeface="Helvetica"/>
+                          <a:cs typeface="Helvetica"/>
                         </a:rPr>
                         <a:t>3.0</a:t>
                       </a:r>
@@ -3334,9 +3334,9 @@
                               <a:alpha val="100000"/>
                             </a:srgbClr>
                           </a:solidFill>
-                          <a:latin typeface="Times New Roman"/>
-                          <a:ea typeface="Times New Roman"/>
-                          <a:cs typeface="Times New Roman"/>
+                          <a:latin typeface="Helvetica"/>
+                          <a:ea typeface="Helvetica"/>
+                          <a:cs typeface="Helvetica"/>
                         </a:rPr>
                         <a:t/>
                       </a:r>
@@ -3347,9 +3347,9 @@
                               <a:alpha val="100000"/>
                             </a:srgbClr>
                           </a:solidFill>
-                          <a:latin typeface="Times New Roman"/>
-                          <a:ea typeface="Times New Roman"/>
-                          <a:cs typeface="Times New Roman"/>
+                          <a:latin typeface="Helvetica"/>
+                          <a:ea typeface="Helvetica"/>
+                          <a:cs typeface="Helvetica"/>
                         </a:rPr>
                         <a:t>1.4</a:t>
                       </a:r>
@@ -3416,9 +3416,9 @@
                               <a:alpha val="100000"/>
                             </a:srgbClr>
                           </a:solidFill>
-                          <a:latin typeface="Times New Roman"/>
-                          <a:ea typeface="Times New Roman"/>
-                          <a:cs typeface="Times New Roman"/>
+                          <a:latin typeface="Helvetica"/>
+                          <a:ea typeface="Helvetica"/>
+                          <a:cs typeface="Helvetica"/>
                         </a:rPr>
                         <a:t/>
                       </a:r>
@@ -3429,9 +3429,9 @@
                               <a:alpha val="100000"/>
                             </a:srgbClr>
                           </a:solidFill>
-                          <a:latin typeface="Times New Roman"/>
-                          <a:ea typeface="Times New Roman"/>
-                          <a:cs typeface="Times New Roman"/>
+                          <a:latin typeface="Helvetica"/>
+                          <a:ea typeface="Helvetica"/>
+                          <a:cs typeface="Helvetica"/>
                         </a:rPr>
                         <a:t>0.3</a:t>
                       </a:r>
@@ -3498,9 +3498,9 @@
                               <a:alpha val="100000"/>
                             </a:srgbClr>
                           </a:solidFill>
-                          <a:latin typeface="Times New Roman"/>
-                          <a:ea typeface="Times New Roman"/>
-                          <a:cs typeface="Times New Roman"/>
+                          <a:latin typeface="Helvetica"/>
+                          <a:ea typeface="Helvetica"/>
+                          <a:cs typeface="Helvetica"/>
                         </a:rPr>
                         <a:t/>
                       </a:r>
@@ -3511,9 +3511,9 @@
                               <a:alpha val="100000"/>
                             </a:srgbClr>
                           </a:solidFill>
-                          <a:latin typeface="Times New Roman"/>
-                          <a:ea typeface="Times New Roman"/>
-                          <a:cs typeface="Times New Roman"/>
+                          <a:latin typeface="Helvetica"/>
+                          <a:ea typeface="Helvetica"/>
+                          <a:cs typeface="Helvetica"/>
                         </a:rPr>
                         <a:t>setosa</a:t>
                       </a:r>
@@ -3582,9 +3582,9 @@
                               <a:alpha val="100000"/>
                             </a:srgbClr>
                           </a:solidFill>
-                          <a:latin typeface="Times New Roman"/>
-                          <a:ea typeface="Times New Roman"/>
-                          <a:cs typeface="Times New Roman"/>
+                          <a:latin typeface="Helvetica"/>
+                          <a:ea typeface="Helvetica"/>
+                          <a:cs typeface="Helvetica"/>
                         </a:rPr>
                         <a:t/>
                       </a:r>
@@ -3595,9 +3595,9 @@
                               <a:alpha val="100000"/>
                             </a:srgbClr>
                           </a:solidFill>
-                          <a:latin typeface="Times New Roman"/>
-                          <a:ea typeface="Times New Roman"/>
-                          <a:cs typeface="Times New Roman"/>
+                          <a:latin typeface="Helvetica"/>
+                          <a:ea typeface="Helvetica"/>
+                          <a:cs typeface="Helvetica"/>
                         </a:rPr>
                         <a:t>5.1</a:t>
                       </a:r>
@@ -3664,9 +3664,9 @@
                               <a:alpha val="100000"/>
                             </a:srgbClr>
                           </a:solidFill>
-                          <a:latin typeface="Times New Roman"/>
-                          <a:ea typeface="Times New Roman"/>
-                          <a:cs typeface="Times New Roman"/>
+                          <a:latin typeface="Helvetica"/>
+                          <a:ea typeface="Helvetica"/>
+                          <a:cs typeface="Helvetica"/>
                         </a:rPr>
                         <a:t/>
                       </a:r>
@@ -3677,9 +3677,9 @@
                               <a:alpha val="100000"/>
                             </a:srgbClr>
                           </a:solidFill>
-                          <a:latin typeface="Times New Roman"/>
-                          <a:ea typeface="Times New Roman"/>
-                          <a:cs typeface="Times New Roman"/>
+                          <a:latin typeface="Helvetica"/>
+                          <a:ea typeface="Helvetica"/>
+                          <a:cs typeface="Helvetica"/>
                         </a:rPr>
                         <a:t>3.8</a:t>
                       </a:r>
@@ -3746,9 +3746,9 @@
                               <a:alpha val="100000"/>
                             </a:srgbClr>
                           </a:solidFill>
-                          <a:latin typeface="Times New Roman"/>
-                          <a:ea typeface="Times New Roman"/>
-                          <a:cs typeface="Times New Roman"/>
+                          <a:latin typeface="Helvetica"/>
+                          <a:ea typeface="Helvetica"/>
+                          <a:cs typeface="Helvetica"/>
                         </a:rPr>
                         <a:t/>
                       </a:r>
@@ -3759,9 +3759,9 @@
                               <a:alpha val="100000"/>
                             </a:srgbClr>
                           </a:solidFill>
-                          <a:latin typeface="Times New Roman"/>
-                          <a:ea typeface="Times New Roman"/>
-                          <a:cs typeface="Times New Roman"/>
+                          <a:latin typeface="Helvetica"/>
+                          <a:ea typeface="Helvetica"/>
+                          <a:cs typeface="Helvetica"/>
                         </a:rPr>
                         <a:t>1.6</a:t>
                       </a:r>
@@ -3828,9 +3828,9 @@
                               <a:alpha val="100000"/>
                             </a:srgbClr>
                           </a:solidFill>
-                          <a:latin typeface="Times New Roman"/>
-                          <a:ea typeface="Times New Roman"/>
-                          <a:cs typeface="Times New Roman"/>
+                          <a:latin typeface="Helvetica"/>
+                          <a:ea typeface="Helvetica"/>
+                          <a:cs typeface="Helvetica"/>
                         </a:rPr>
                         <a:t/>
                       </a:r>
@@ -3841,9 +3841,9 @@
                               <a:alpha val="100000"/>
                             </a:srgbClr>
                           </a:solidFill>
-                          <a:latin typeface="Times New Roman"/>
-                          <a:ea typeface="Times New Roman"/>
-                          <a:cs typeface="Times New Roman"/>
+                          <a:latin typeface="Helvetica"/>
+                          <a:ea typeface="Helvetica"/>
+                          <a:cs typeface="Helvetica"/>
                         </a:rPr>
                         <a:t>0.2</a:t>
                       </a:r>
@@ -3910,9 +3910,9 @@
                               <a:alpha val="100000"/>
                             </a:srgbClr>
                           </a:solidFill>
-                          <a:latin typeface="Times New Roman"/>
-                          <a:ea typeface="Times New Roman"/>
-                          <a:cs typeface="Times New Roman"/>
+                          <a:latin typeface="Helvetica"/>
+                          <a:ea typeface="Helvetica"/>
+                          <a:cs typeface="Helvetica"/>
                         </a:rPr>
                         <a:t/>
                       </a:r>
@@ -3923,9 +3923,9 @@
                               <a:alpha val="100000"/>
                             </a:srgbClr>
                           </a:solidFill>
-                          <a:latin typeface="Times New Roman"/>
-                          <a:ea typeface="Times New Roman"/>
-                          <a:cs typeface="Times New Roman"/>
+                          <a:latin typeface="Helvetica"/>
+                          <a:ea typeface="Helvetica"/>
+                          <a:cs typeface="Helvetica"/>
                         </a:rPr>
                         <a:t>setosa</a:t>
                       </a:r>
@@ -3994,9 +3994,9 @@
                               <a:alpha val="100000"/>
                             </a:srgbClr>
                           </a:solidFill>
-                          <a:latin typeface="Times New Roman"/>
-                          <a:ea typeface="Times New Roman"/>
-                          <a:cs typeface="Times New Roman"/>
+                          <a:latin typeface="Helvetica"/>
+                          <a:ea typeface="Helvetica"/>
+                          <a:cs typeface="Helvetica"/>
                         </a:rPr>
                         <a:t/>
                       </a:r>
@@ -4007,9 +4007,9 @@
                               <a:alpha val="100000"/>
                             </a:srgbClr>
                           </a:solidFill>
-                          <a:latin typeface="Times New Roman"/>
-                          <a:ea typeface="Times New Roman"/>
-                          <a:cs typeface="Times New Roman"/>
+                          <a:latin typeface="Helvetica"/>
+                          <a:ea typeface="Helvetica"/>
+                          <a:cs typeface="Helvetica"/>
                         </a:rPr>
                         <a:t>4.6</a:t>
                       </a:r>
@@ -4076,9 +4076,9 @@
                               <a:alpha val="100000"/>
                             </a:srgbClr>
                           </a:solidFill>
-                          <a:latin typeface="Times New Roman"/>
-                          <a:ea typeface="Times New Roman"/>
-                          <a:cs typeface="Times New Roman"/>
+                          <a:latin typeface="Helvetica"/>
+                          <a:ea typeface="Helvetica"/>
+                          <a:cs typeface="Helvetica"/>
                         </a:rPr>
                         <a:t/>
                       </a:r>
@@ -4089,9 +4089,9 @@
                               <a:alpha val="100000"/>
                             </a:srgbClr>
                           </a:solidFill>
-                          <a:latin typeface="Times New Roman"/>
-                          <a:ea typeface="Times New Roman"/>
-                          <a:cs typeface="Times New Roman"/>
+                          <a:latin typeface="Helvetica"/>
+                          <a:ea typeface="Helvetica"/>
+                          <a:cs typeface="Helvetica"/>
                         </a:rPr>
                         <a:t>3.2</a:t>
                       </a:r>
@@ -4158,9 +4158,9 @@
                               <a:alpha val="100000"/>
                             </a:srgbClr>
                           </a:solidFill>
-                          <a:latin typeface="Times New Roman"/>
-                          <a:ea typeface="Times New Roman"/>
-                          <a:cs typeface="Times New Roman"/>
+                          <a:latin typeface="Helvetica"/>
+                          <a:ea typeface="Helvetica"/>
+                          <a:cs typeface="Helvetica"/>
                         </a:rPr>
                         <a:t/>
                       </a:r>
@@ -4171,9 +4171,9 @@
                               <a:alpha val="100000"/>
                             </a:srgbClr>
                           </a:solidFill>
-                          <a:latin typeface="Times New Roman"/>
-                          <a:ea typeface="Times New Roman"/>
-                          <a:cs typeface="Times New Roman"/>
+                          <a:latin typeface="Helvetica"/>
+                          <a:ea typeface="Helvetica"/>
+                          <a:cs typeface="Helvetica"/>
                         </a:rPr>
                         <a:t>1.4</a:t>
                       </a:r>
@@ -4240,9 +4240,9 @@
                               <a:alpha val="100000"/>
                             </a:srgbClr>
                           </a:solidFill>
-                          <a:latin typeface="Times New Roman"/>
-                          <a:ea typeface="Times New Roman"/>
-                          <a:cs typeface="Times New Roman"/>
+                          <a:latin typeface="Helvetica"/>
+                          <a:ea typeface="Helvetica"/>
+                          <a:cs typeface="Helvetica"/>
                         </a:rPr>
                         <a:t/>
                       </a:r>
@@ -4253,9 +4253,9 @@
                               <a:alpha val="100000"/>
                             </a:srgbClr>
                           </a:solidFill>
-                          <a:latin typeface="Times New Roman"/>
-                          <a:ea typeface="Times New Roman"/>
-                          <a:cs typeface="Times New Roman"/>
+                          <a:latin typeface="Helvetica"/>
+                          <a:ea typeface="Helvetica"/>
+                          <a:cs typeface="Helvetica"/>
                         </a:rPr>
                         <a:t>0.2</a:t>
                       </a:r>
@@ -4322,9 +4322,9 @@
                               <a:alpha val="100000"/>
                             </a:srgbClr>
                           </a:solidFill>
-                          <a:latin typeface="Times New Roman"/>
-                          <a:ea typeface="Times New Roman"/>
-                          <a:cs typeface="Times New Roman"/>
+                          <a:latin typeface="Helvetica"/>
+                          <a:ea typeface="Helvetica"/>
+                          <a:cs typeface="Helvetica"/>
                         </a:rPr>
                         <a:t/>
                       </a:r>
@@ -4335,9 +4335,9 @@
                               <a:alpha val="100000"/>
                             </a:srgbClr>
                           </a:solidFill>
-                          <a:latin typeface="Times New Roman"/>
-                          <a:ea typeface="Times New Roman"/>
-                          <a:cs typeface="Times New Roman"/>
+                          <a:latin typeface="Helvetica"/>
+                          <a:ea typeface="Helvetica"/>
+                          <a:cs typeface="Helvetica"/>
                         </a:rPr>
                         <a:t>setosa</a:t>
                       </a:r>
@@ -4406,9 +4406,9 @@
                               <a:alpha val="100000"/>
                             </a:srgbClr>
                           </a:solidFill>
-                          <a:latin typeface="Times New Roman"/>
-                          <a:ea typeface="Times New Roman"/>
-                          <a:cs typeface="Times New Roman"/>
+                          <a:latin typeface="Helvetica"/>
+                          <a:ea typeface="Helvetica"/>
+                          <a:cs typeface="Helvetica"/>
                         </a:rPr>
                         <a:t/>
                       </a:r>
@@ -4419,9 +4419,9 @@
                               <a:alpha val="100000"/>
                             </a:srgbClr>
                           </a:solidFill>
-                          <a:latin typeface="Times New Roman"/>
-                          <a:ea typeface="Times New Roman"/>
-                          <a:cs typeface="Times New Roman"/>
+                          <a:latin typeface="Helvetica"/>
+                          <a:ea typeface="Helvetica"/>
+                          <a:cs typeface="Helvetica"/>
                         </a:rPr>
                         <a:t>5.3</a:t>
                       </a:r>
@@ -4488,9 +4488,9 @@
                               <a:alpha val="100000"/>
                             </a:srgbClr>
                           </a:solidFill>
-                          <a:latin typeface="Times New Roman"/>
-                          <a:ea typeface="Times New Roman"/>
-                          <a:cs typeface="Times New Roman"/>
+                          <a:latin typeface="Helvetica"/>
+                          <a:ea typeface="Helvetica"/>
+                          <a:cs typeface="Helvetica"/>
                         </a:rPr>
                         <a:t/>
                       </a:r>
@@ -4501,9 +4501,9 @@
                               <a:alpha val="100000"/>
                             </a:srgbClr>
                           </a:solidFill>
-                          <a:latin typeface="Times New Roman"/>
-                          <a:ea typeface="Times New Roman"/>
-                          <a:cs typeface="Times New Roman"/>
+                          <a:latin typeface="Helvetica"/>
+                          <a:ea typeface="Helvetica"/>
+                          <a:cs typeface="Helvetica"/>
                         </a:rPr>
                         <a:t>3.7</a:t>
                       </a:r>
@@ -4570,9 +4570,9 @@
                               <a:alpha val="100000"/>
                             </a:srgbClr>
                           </a:solidFill>
-                          <a:latin typeface="Times New Roman"/>
-                          <a:ea typeface="Times New Roman"/>
-                          <a:cs typeface="Times New Roman"/>
+                          <a:latin typeface="Helvetica"/>
+                          <a:ea typeface="Helvetica"/>
+                          <a:cs typeface="Helvetica"/>
                         </a:rPr>
                         <a:t/>
                       </a:r>
@@ -4583,9 +4583,9 @@
                               <a:alpha val="100000"/>
                             </a:srgbClr>
                           </a:solidFill>
-                          <a:latin typeface="Times New Roman"/>
-                          <a:ea typeface="Times New Roman"/>
-                          <a:cs typeface="Times New Roman"/>
+                          <a:latin typeface="Helvetica"/>
+                          <a:ea typeface="Helvetica"/>
+                          <a:cs typeface="Helvetica"/>
                         </a:rPr>
                         <a:t>1.5</a:t>
                       </a:r>
@@ -4652,9 +4652,9 @@
                               <a:alpha val="100000"/>
                             </a:srgbClr>
                           </a:solidFill>
-                          <a:latin typeface="Times New Roman"/>
-                          <a:ea typeface="Times New Roman"/>
-                          <a:cs typeface="Times New Roman"/>
+                          <a:latin typeface="Helvetica"/>
+                          <a:ea typeface="Helvetica"/>
+                          <a:cs typeface="Helvetica"/>
                         </a:rPr>
                         <a:t/>
                       </a:r>
@@ -4665,9 +4665,9 @@
                               <a:alpha val="100000"/>
                             </a:srgbClr>
                           </a:solidFill>
-                          <a:latin typeface="Times New Roman"/>
-                          <a:ea typeface="Times New Roman"/>
-                          <a:cs typeface="Times New Roman"/>
+                          <a:latin typeface="Helvetica"/>
+                          <a:ea typeface="Helvetica"/>
+                          <a:cs typeface="Helvetica"/>
                         </a:rPr>
                         <a:t>0.2</a:t>
                       </a:r>
@@ -4734,9 +4734,9 @@
                               <a:alpha val="100000"/>
                             </a:srgbClr>
                           </a:solidFill>
-                          <a:latin typeface="Times New Roman"/>
-                          <a:ea typeface="Times New Roman"/>
-                          <a:cs typeface="Times New Roman"/>
+                          <a:latin typeface="Helvetica"/>
+                          <a:ea typeface="Helvetica"/>
+                          <a:cs typeface="Helvetica"/>
                         </a:rPr>
                         <a:t/>
                       </a:r>
@@ -4747,9 +4747,9 @@
                               <a:alpha val="100000"/>
                             </a:srgbClr>
                           </a:solidFill>
-                          <a:latin typeface="Times New Roman"/>
-                          <a:ea typeface="Times New Roman"/>
-                          <a:cs typeface="Times New Roman"/>
+                          <a:latin typeface="Helvetica"/>
+                          <a:ea typeface="Helvetica"/>
+                          <a:cs typeface="Helvetica"/>
                         </a:rPr>
                         <a:t>setosa</a:t>
                       </a:r>
@@ -4818,9 +4818,9 @@
                               <a:alpha val="100000"/>
                             </a:srgbClr>
                           </a:solidFill>
-                          <a:latin typeface="Times New Roman"/>
-                          <a:ea typeface="Times New Roman"/>
-                          <a:cs typeface="Times New Roman"/>
+                          <a:latin typeface="Helvetica"/>
+                          <a:ea typeface="Helvetica"/>
+                          <a:cs typeface="Helvetica"/>
                         </a:rPr>
                         <a:t/>
                       </a:r>
@@ -4831,9 +4831,9 @@
                               <a:alpha val="100000"/>
                             </a:srgbClr>
                           </a:solidFill>
-                          <a:latin typeface="Times New Roman"/>
-                          <a:ea typeface="Times New Roman"/>
-                          <a:cs typeface="Times New Roman"/>
+                          <a:latin typeface="Helvetica"/>
+                          <a:ea typeface="Helvetica"/>
+                          <a:cs typeface="Helvetica"/>
                         </a:rPr>
                         <a:t>5.0</a:t>
                       </a:r>
@@ -4900,9 +4900,9 @@
                               <a:alpha val="100000"/>
                             </a:srgbClr>
                           </a:solidFill>
-                          <a:latin typeface="Times New Roman"/>
-                          <a:ea typeface="Times New Roman"/>
-                          <a:cs typeface="Times New Roman"/>
+                          <a:latin typeface="Helvetica"/>
+                          <a:ea typeface="Helvetica"/>
+                          <a:cs typeface="Helvetica"/>
                         </a:rPr>
                         <a:t/>
                       </a:r>
@@ -4913,9 +4913,9 @@
                               <a:alpha val="100000"/>
                             </a:srgbClr>
                           </a:solidFill>
-                          <a:latin typeface="Times New Roman"/>
-                          <a:ea typeface="Times New Roman"/>
-                          <a:cs typeface="Times New Roman"/>
+                          <a:latin typeface="Helvetica"/>
+                          <a:ea typeface="Helvetica"/>
+                          <a:cs typeface="Helvetica"/>
                         </a:rPr>
                         <a:t>3.3</a:t>
                       </a:r>
@@ -4982,9 +4982,9 @@
                               <a:alpha val="100000"/>
                             </a:srgbClr>
                           </a:solidFill>
-                          <a:latin typeface="Times New Roman"/>
-                          <a:ea typeface="Times New Roman"/>
-                          <a:cs typeface="Times New Roman"/>
+                          <a:latin typeface="Helvetica"/>
+                          <a:ea typeface="Helvetica"/>
+                          <a:cs typeface="Helvetica"/>
                         </a:rPr>
                         <a:t/>
                       </a:r>
@@ -4995,9 +4995,9 @@
                               <a:alpha val="100000"/>
                             </a:srgbClr>
                           </a:solidFill>
-                          <a:latin typeface="Times New Roman"/>
-                          <a:ea typeface="Times New Roman"/>
-                          <a:cs typeface="Times New Roman"/>
+                          <a:latin typeface="Helvetica"/>
+                          <a:ea typeface="Helvetica"/>
+                          <a:cs typeface="Helvetica"/>
                         </a:rPr>
                         <a:t>1.4</a:t>
                       </a:r>
@@ -5064,9 +5064,9 @@
                               <a:alpha val="100000"/>
                             </a:srgbClr>
                           </a:solidFill>
-                          <a:latin typeface="Times New Roman"/>
-                          <a:ea typeface="Times New Roman"/>
-                          <a:cs typeface="Times New Roman"/>
+                          <a:latin typeface="Helvetica"/>
+                          <a:ea typeface="Helvetica"/>
+                          <a:cs typeface="Helvetica"/>
                         </a:rPr>
                         <a:t/>
                       </a:r>
@@ -5077,9 +5077,9 @@
                               <a:alpha val="100000"/>
                             </a:srgbClr>
                           </a:solidFill>
-                          <a:latin typeface="Times New Roman"/>
-                          <a:ea typeface="Times New Roman"/>
-                          <a:cs typeface="Times New Roman"/>
+                          <a:latin typeface="Helvetica"/>
+                          <a:ea typeface="Helvetica"/>
+                          <a:cs typeface="Helvetica"/>
                         </a:rPr>
                         <a:t>0.2</a:t>
                       </a:r>
@@ -5146,9 +5146,9 @@
                               <a:alpha val="100000"/>
                             </a:srgbClr>
                           </a:solidFill>
-                          <a:latin typeface="Times New Roman"/>
-                          <a:ea typeface="Times New Roman"/>
-                          <a:cs typeface="Times New Roman"/>
+                          <a:latin typeface="Helvetica"/>
+                          <a:ea typeface="Helvetica"/>
+                          <a:cs typeface="Helvetica"/>
                         </a:rPr>
                         <a:t/>
                       </a:r>
@@ -5159,9 +5159,9 @@
                               <a:alpha val="100000"/>
                             </a:srgbClr>
                           </a:solidFill>
-                          <a:latin typeface="Times New Roman"/>
-                          <a:ea typeface="Times New Roman"/>
-                          <a:cs typeface="Times New Roman"/>
+                          <a:latin typeface="Helvetica"/>
+                          <a:ea typeface="Helvetica"/>
+                          <a:cs typeface="Helvetica"/>
                         </a:rPr>
                         <a:t>setosa</a:t>
                       </a:r>
@@ -5230,9 +5230,9 @@
                               <a:alpha val="100000"/>
                             </a:srgbClr>
                           </a:solidFill>
-                          <a:latin typeface="Times New Roman"/>
-                          <a:ea typeface="Times New Roman"/>
-                          <a:cs typeface="Times New Roman"/>
+                          <a:latin typeface="Helvetica"/>
+                          <a:ea typeface="Helvetica"/>
+                          <a:cs typeface="Helvetica"/>
                         </a:rPr>
                         <a:t/>
                       </a:r>
@@ -5243,9 +5243,9 @@
                               <a:alpha val="100000"/>
                             </a:srgbClr>
                           </a:solidFill>
-                          <a:latin typeface="Times New Roman"/>
-                          <a:ea typeface="Times New Roman"/>
-                          <a:cs typeface="Times New Roman"/>
+                          <a:latin typeface="Helvetica"/>
+                          <a:ea typeface="Helvetica"/>
+                          <a:cs typeface="Helvetica"/>
                         </a:rPr>
                         <a:t>7.0</a:t>
                       </a:r>
@@ -5312,9 +5312,9 @@
                               <a:alpha val="100000"/>
                             </a:srgbClr>
                           </a:solidFill>
-                          <a:latin typeface="Times New Roman"/>
-                          <a:ea typeface="Times New Roman"/>
-                          <a:cs typeface="Times New Roman"/>
+                          <a:latin typeface="Helvetica"/>
+                          <a:ea typeface="Helvetica"/>
+                          <a:cs typeface="Helvetica"/>
                         </a:rPr>
                         <a:t/>
                       </a:r>
@@ -5325,9 +5325,9 @@
                               <a:alpha val="100000"/>
                             </a:srgbClr>
                           </a:solidFill>
-                          <a:latin typeface="Times New Roman"/>
-                          <a:ea typeface="Times New Roman"/>
-                          <a:cs typeface="Times New Roman"/>
+                          <a:latin typeface="Helvetica"/>
+                          <a:ea typeface="Helvetica"/>
+                          <a:cs typeface="Helvetica"/>
                         </a:rPr>
                         <a:t>3.2</a:t>
                       </a:r>
@@ -5394,9 +5394,9 @@
                               <a:alpha val="100000"/>
                             </a:srgbClr>
                           </a:solidFill>
-                          <a:latin typeface="Times New Roman"/>
-                          <a:ea typeface="Times New Roman"/>
-                          <a:cs typeface="Times New Roman"/>
+                          <a:latin typeface="Helvetica"/>
+                          <a:ea typeface="Helvetica"/>
+                          <a:cs typeface="Helvetica"/>
                         </a:rPr>
                         <a:t/>
                       </a:r>
@@ -5407,9 +5407,9 @@
                               <a:alpha val="100000"/>
                             </a:srgbClr>
                           </a:solidFill>
-                          <a:latin typeface="Times New Roman"/>
-                          <a:ea typeface="Times New Roman"/>
-                          <a:cs typeface="Times New Roman"/>
+                          <a:latin typeface="Helvetica"/>
+                          <a:ea typeface="Helvetica"/>
+                          <a:cs typeface="Helvetica"/>
                         </a:rPr>
                         <a:t>4.7</a:t>
                       </a:r>
@@ -5476,9 +5476,9 @@
                               <a:alpha val="100000"/>
                             </a:srgbClr>
                           </a:solidFill>
-                          <a:latin typeface="Times New Roman"/>
-                          <a:ea typeface="Times New Roman"/>
-                          <a:cs typeface="Times New Roman"/>
+                          <a:latin typeface="Helvetica"/>
+                          <a:ea typeface="Helvetica"/>
+                          <a:cs typeface="Helvetica"/>
                         </a:rPr>
                         <a:t/>
                       </a:r>
@@ -5489,9 +5489,9 @@
                               <a:alpha val="100000"/>
                             </a:srgbClr>
                           </a:solidFill>
-                          <a:latin typeface="Times New Roman"/>
-                          <a:ea typeface="Times New Roman"/>
-                          <a:cs typeface="Times New Roman"/>
+                          <a:latin typeface="Helvetica"/>
+                          <a:ea typeface="Helvetica"/>
+                          <a:cs typeface="Helvetica"/>
                         </a:rPr>
                         <a:t>1.4</a:t>
                       </a:r>
@@ -5558,9 +5558,9 @@
                               <a:alpha val="100000"/>
                             </a:srgbClr>
                           </a:solidFill>
-                          <a:latin typeface="Times New Roman"/>
-                          <a:ea typeface="Times New Roman"/>
-                          <a:cs typeface="Times New Roman"/>
+                          <a:latin typeface="Helvetica"/>
+                          <a:ea typeface="Helvetica"/>
+                          <a:cs typeface="Helvetica"/>
                         </a:rPr>
                         <a:t/>
                       </a:r>
@@ -5571,9 +5571,9 @@
                               <a:alpha val="100000"/>
                             </a:srgbClr>
                           </a:solidFill>
-                          <a:latin typeface="Times New Roman"/>
-                          <a:ea typeface="Times New Roman"/>
-                          <a:cs typeface="Times New Roman"/>
+                          <a:latin typeface="Helvetica"/>
+                          <a:ea typeface="Helvetica"/>
+                          <a:cs typeface="Helvetica"/>
                         </a:rPr>
                         <a:t>versicolor</a:t>
                       </a:r>
@@ -5642,9 +5642,9 @@
                               <a:alpha val="100000"/>
                             </a:srgbClr>
                           </a:solidFill>
-                          <a:latin typeface="Times New Roman"/>
-                          <a:ea typeface="Times New Roman"/>
-                          <a:cs typeface="Times New Roman"/>
+                          <a:latin typeface="Helvetica"/>
+                          <a:ea typeface="Helvetica"/>
+                          <a:cs typeface="Helvetica"/>
                         </a:rPr>
                         <a:t/>
                       </a:r>
@@ -5655,9 +5655,9 @@
                               <a:alpha val="100000"/>
                             </a:srgbClr>
                           </a:solidFill>
-                          <a:latin typeface="Times New Roman"/>
-                          <a:ea typeface="Times New Roman"/>
-                          <a:cs typeface="Times New Roman"/>
+                          <a:latin typeface="Helvetica"/>
+                          <a:ea typeface="Helvetica"/>
+                          <a:cs typeface="Helvetica"/>
                         </a:rPr>
                         <a:t>6.4</a:t>
                       </a:r>
@@ -5724,9 +5724,9 @@
                               <a:alpha val="100000"/>
                             </a:srgbClr>
                           </a:solidFill>
-                          <a:latin typeface="Times New Roman"/>
-                          <a:ea typeface="Times New Roman"/>
-                          <a:cs typeface="Times New Roman"/>
+                          <a:latin typeface="Helvetica"/>
+                          <a:ea typeface="Helvetica"/>
+                          <a:cs typeface="Helvetica"/>
                         </a:rPr>
                         <a:t/>
                       </a:r>
@@ -5737,9 +5737,9 @@
                               <a:alpha val="100000"/>
                             </a:srgbClr>
                           </a:solidFill>
-                          <a:latin typeface="Times New Roman"/>
-                          <a:ea typeface="Times New Roman"/>
-                          <a:cs typeface="Times New Roman"/>
+                          <a:latin typeface="Helvetica"/>
+                          <a:ea typeface="Helvetica"/>
+                          <a:cs typeface="Helvetica"/>
                         </a:rPr>
                         <a:t>3.2</a:t>
                       </a:r>
@@ -5806,9 +5806,9 @@
                               <a:alpha val="100000"/>
                             </a:srgbClr>
                           </a:solidFill>
-                          <a:latin typeface="Times New Roman"/>
-                          <a:ea typeface="Times New Roman"/>
-                          <a:cs typeface="Times New Roman"/>
+                          <a:latin typeface="Helvetica"/>
+                          <a:ea typeface="Helvetica"/>
+                          <a:cs typeface="Helvetica"/>
                         </a:rPr>
                         <a:t/>
                       </a:r>
@@ -5819,9 +5819,9 @@
                               <a:alpha val="100000"/>
                             </a:srgbClr>
                           </a:solidFill>
-                          <a:latin typeface="Times New Roman"/>
-                          <a:ea typeface="Times New Roman"/>
-                          <a:cs typeface="Times New Roman"/>
+                          <a:latin typeface="Helvetica"/>
+                          <a:ea typeface="Helvetica"/>
+                          <a:cs typeface="Helvetica"/>
                         </a:rPr>
                         <a:t>4.5</a:t>
                       </a:r>
@@ -5888,9 +5888,9 @@
                               <a:alpha val="100000"/>
                             </a:srgbClr>
                           </a:solidFill>
-                          <a:latin typeface="Times New Roman"/>
-                          <a:ea typeface="Times New Roman"/>
-                          <a:cs typeface="Times New Roman"/>
+                          <a:latin typeface="Helvetica"/>
+                          <a:ea typeface="Helvetica"/>
+                          <a:cs typeface="Helvetica"/>
                         </a:rPr>
                         <a:t/>
                       </a:r>
@@ -5901,9 +5901,9 @@
                               <a:alpha val="100000"/>
                             </a:srgbClr>
                           </a:solidFill>
-                          <a:latin typeface="Times New Roman"/>
-                          <a:ea typeface="Times New Roman"/>
-                          <a:cs typeface="Times New Roman"/>
+                          <a:latin typeface="Helvetica"/>
+                          <a:ea typeface="Helvetica"/>
+                          <a:cs typeface="Helvetica"/>
                         </a:rPr>
                         <a:t>1.5</a:t>
                       </a:r>
@@ -5970,9 +5970,9 @@
                               <a:alpha val="100000"/>
                             </a:srgbClr>
                           </a:solidFill>
-                          <a:latin typeface="Times New Roman"/>
-                          <a:ea typeface="Times New Roman"/>
-                          <a:cs typeface="Times New Roman"/>
+                          <a:latin typeface="Helvetica"/>
+                          <a:ea typeface="Helvetica"/>
+                          <a:cs typeface="Helvetica"/>
                         </a:rPr>
                         <a:t/>
                       </a:r>
@@ -5983,9 +5983,9 @@
                               <a:alpha val="100000"/>
                             </a:srgbClr>
                           </a:solidFill>
-                          <a:latin typeface="Times New Roman"/>
-                          <a:ea typeface="Times New Roman"/>
-                          <a:cs typeface="Times New Roman"/>
+                          <a:latin typeface="Helvetica"/>
+                          <a:ea typeface="Helvetica"/>
+                          <a:cs typeface="Helvetica"/>
                         </a:rPr>
                         <a:t>versicolor</a:t>
                       </a:r>
@@ -6054,9 +6054,9 @@
                               <a:alpha val="100000"/>
                             </a:srgbClr>
                           </a:solidFill>
-                          <a:latin typeface="Times New Roman"/>
-                          <a:ea typeface="Times New Roman"/>
-                          <a:cs typeface="Times New Roman"/>
+                          <a:latin typeface="Helvetica"/>
+                          <a:ea typeface="Helvetica"/>
+                          <a:cs typeface="Helvetica"/>
                         </a:rPr>
                         <a:t/>
                       </a:r>
@@ -6067,9 +6067,9 @@
                               <a:alpha val="100000"/>
                             </a:srgbClr>
                           </a:solidFill>
-                          <a:latin typeface="Times New Roman"/>
-                          <a:ea typeface="Times New Roman"/>
-                          <a:cs typeface="Times New Roman"/>
+                          <a:latin typeface="Helvetica"/>
+                          <a:ea typeface="Helvetica"/>
+                          <a:cs typeface="Helvetica"/>
                         </a:rPr>
                         <a:t>6.9</a:t>
                       </a:r>
@@ -6136,9 +6136,9 @@
                               <a:alpha val="100000"/>
                             </a:srgbClr>
                           </a:solidFill>
-                          <a:latin typeface="Times New Roman"/>
-                          <a:ea typeface="Times New Roman"/>
-                          <a:cs typeface="Times New Roman"/>
+                          <a:latin typeface="Helvetica"/>
+                          <a:ea typeface="Helvetica"/>
+                          <a:cs typeface="Helvetica"/>
                         </a:rPr>
                         <a:t/>
                       </a:r>
@@ -6149,9 +6149,9 @@
                               <a:alpha val="100000"/>
                             </a:srgbClr>
                           </a:solidFill>
-                          <a:latin typeface="Times New Roman"/>
-                          <a:ea typeface="Times New Roman"/>
-                          <a:cs typeface="Times New Roman"/>
+                          <a:latin typeface="Helvetica"/>
+                          <a:ea typeface="Helvetica"/>
+                          <a:cs typeface="Helvetica"/>
                         </a:rPr>
                         <a:t>3.1</a:t>
                       </a:r>
@@ -6218,9 +6218,9 @@
                               <a:alpha val="100000"/>
                             </a:srgbClr>
                           </a:solidFill>
-                          <a:latin typeface="Times New Roman"/>
-                          <a:ea typeface="Times New Roman"/>
-                          <a:cs typeface="Times New Roman"/>
+                          <a:latin typeface="Helvetica"/>
+                          <a:ea typeface="Helvetica"/>
+                          <a:cs typeface="Helvetica"/>
                         </a:rPr>
                         <a:t/>
                       </a:r>
@@ -6231,9 +6231,9 @@
                               <a:alpha val="100000"/>
                             </a:srgbClr>
                           </a:solidFill>
-                          <a:latin typeface="Times New Roman"/>
-                          <a:ea typeface="Times New Roman"/>
-                          <a:cs typeface="Times New Roman"/>
+                          <a:latin typeface="Helvetica"/>
+                          <a:ea typeface="Helvetica"/>
+                          <a:cs typeface="Helvetica"/>
                         </a:rPr>
                         <a:t>4.9</a:t>
                       </a:r>
@@ -6300,9 +6300,9 @@
                               <a:alpha val="100000"/>
                             </a:srgbClr>
                           </a:solidFill>
-                          <a:latin typeface="Times New Roman"/>
-                          <a:ea typeface="Times New Roman"/>
-                          <a:cs typeface="Times New Roman"/>
+                          <a:latin typeface="Helvetica"/>
+                          <a:ea typeface="Helvetica"/>
+                          <a:cs typeface="Helvetica"/>
                         </a:rPr>
                         <a:t/>
                       </a:r>
@@ -6313,9 +6313,9 @@
                               <a:alpha val="100000"/>
                             </a:srgbClr>
                           </a:solidFill>
-                          <a:latin typeface="Times New Roman"/>
-                          <a:ea typeface="Times New Roman"/>
-                          <a:cs typeface="Times New Roman"/>
+                          <a:latin typeface="Helvetica"/>
+                          <a:ea typeface="Helvetica"/>
+                          <a:cs typeface="Helvetica"/>
                         </a:rPr>
                         <a:t>1.5</a:t>
                       </a:r>
@@ -6382,9 +6382,9 @@
                               <a:alpha val="100000"/>
                             </a:srgbClr>
                           </a:solidFill>
-                          <a:latin typeface="Times New Roman"/>
-                          <a:ea typeface="Times New Roman"/>
-                          <a:cs typeface="Times New Roman"/>
+                          <a:latin typeface="Helvetica"/>
+                          <a:ea typeface="Helvetica"/>
+                          <a:cs typeface="Helvetica"/>
                         </a:rPr>
                         <a:t/>
                       </a:r>
@@ -6395,9 +6395,9 @@
                               <a:alpha val="100000"/>
                             </a:srgbClr>
                           </a:solidFill>
-                          <a:latin typeface="Times New Roman"/>
-                          <a:ea typeface="Times New Roman"/>
-                          <a:cs typeface="Times New Roman"/>
+                          <a:latin typeface="Helvetica"/>
+                          <a:ea typeface="Helvetica"/>
+                          <a:cs typeface="Helvetica"/>
                         </a:rPr>
                         <a:t>versicolor</a:t>
                       </a:r>
@@ -6466,9 +6466,9 @@
                               <a:alpha val="100000"/>
                             </a:srgbClr>
                           </a:solidFill>
-                          <a:latin typeface="Times New Roman"/>
-                          <a:ea typeface="Times New Roman"/>
-                          <a:cs typeface="Times New Roman"/>
+                          <a:latin typeface="Helvetica"/>
+                          <a:ea typeface="Helvetica"/>
+                          <a:cs typeface="Helvetica"/>
                         </a:rPr>
                         <a:t/>
                       </a:r>
@@ -6479,9 +6479,9 @@
                               <a:alpha val="100000"/>
                             </a:srgbClr>
                           </a:solidFill>
-                          <a:latin typeface="Times New Roman"/>
-                          <a:ea typeface="Times New Roman"/>
-                          <a:cs typeface="Times New Roman"/>
+                          <a:latin typeface="Helvetica"/>
+                          <a:ea typeface="Helvetica"/>
+                          <a:cs typeface="Helvetica"/>
                         </a:rPr>
                         <a:t>5.5</a:t>
                       </a:r>
@@ -6548,9 +6548,9 @@
                               <a:alpha val="100000"/>
                             </a:srgbClr>
                           </a:solidFill>
-                          <a:latin typeface="Times New Roman"/>
-                          <a:ea typeface="Times New Roman"/>
-                          <a:cs typeface="Times New Roman"/>
+                          <a:latin typeface="Helvetica"/>
+                          <a:ea typeface="Helvetica"/>
+                          <a:cs typeface="Helvetica"/>
                         </a:rPr>
                         <a:t/>
                       </a:r>
@@ -6561,9 +6561,9 @@
                               <a:alpha val="100000"/>
                             </a:srgbClr>
                           </a:solidFill>
-                          <a:latin typeface="Times New Roman"/>
-                          <a:ea typeface="Times New Roman"/>
-                          <a:cs typeface="Times New Roman"/>
+                          <a:latin typeface="Helvetica"/>
+                          <a:ea typeface="Helvetica"/>
+                          <a:cs typeface="Helvetica"/>
                         </a:rPr>
                         <a:t>2.3</a:t>
                       </a:r>
@@ -6630,9 +6630,9 @@
                               <a:alpha val="100000"/>
                             </a:srgbClr>
                           </a:solidFill>
-                          <a:latin typeface="Times New Roman"/>
-                          <a:ea typeface="Times New Roman"/>
-                          <a:cs typeface="Times New Roman"/>
+                          <a:latin typeface="Helvetica"/>
+                          <a:ea typeface="Helvetica"/>
+                          <a:cs typeface="Helvetica"/>
                         </a:rPr>
                         <a:t/>
                       </a:r>
@@ -6643,9 +6643,9 @@
                               <a:alpha val="100000"/>
                             </a:srgbClr>
                           </a:solidFill>
-                          <a:latin typeface="Times New Roman"/>
-                          <a:ea typeface="Times New Roman"/>
-                          <a:cs typeface="Times New Roman"/>
+                          <a:latin typeface="Helvetica"/>
+                          <a:ea typeface="Helvetica"/>
+                          <a:cs typeface="Helvetica"/>
                         </a:rPr>
                         <a:t>4.0</a:t>
                       </a:r>
@@ -6712,9 +6712,9 @@
                               <a:alpha val="100000"/>
                             </a:srgbClr>
                           </a:solidFill>
-                          <a:latin typeface="Times New Roman"/>
-                          <a:ea typeface="Times New Roman"/>
-                          <a:cs typeface="Times New Roman"/>
+                          <a:latin typeface="Helvetica"/>
+                          <a:ea typeface="Helvetica"/>
+                          <a:cs typeface="Helvetica"/>
                         </a:rPr>
                         <a:t/>
                       </a:r>
@@ -6725,9 +6725,9 @@
                               <a:alpha val="100000"/>
                             </a:srgbClr>
                           </a:solidFill>
-                          <a:latin typeface="Times New Roman"/>
-                          <a:ea typeface="Times New Roman"/>
-                          <a:cs typeface="Times New Roman"/>
+                          <a:latin typeface="Helvetica"/>
+                          <a:ea typeface="Helvetica"/>
+                          <a:cs typeface="Helvetica"/>
                         </a:rPr>
                         <a:t>1.3</a:t>
                       </a:r>
@@ -6794,9 +6794,9 @@
                               <a:alpha val="100000"/>
                             </a:srgbClr>
                           </a:solidFill>
-                          <a:latin typeface="Times New Roman"/>
-                          <a:ea typeface="Times New Roman"/>
-                          <a:cs typeface="Times New Roman"/>
+                          <a:latin typeface="Helvetica"/>
+                          <a:ea typeface="Helvetica"/>
+                          <a:cs typeface="Helvetica"/>
                         </a:rPr>
                         <a:t/>
                       </a:r>
@@ -6807,9 +6807,9 @@
                               <a:alpha val="100000"/>
                             </a:srgbClr>
                           </a:solidFill>
-                          <a:latin typeface="Times New Roman"/>
-                          <a:ea typeface="Times New Roman"/>
-                          <a:cs typeface="Times New Roman"/>
+                          <a:latin typeface="Helvetica"/>
+                          <a:ea typeface="Helvetica"/>
+                          <a:cs typeface="Helvetica"/>
                         </a:rPr>
                         <a:t>versicolor</a:t>
                       </a:r>
@@ -6878,9 +6878,9 @@
                               <a:alpha val="100000"/>
                             </a:srgbClr>
                           </a:solidFill>
-                          <a:latin typeface="Times New Roman"/>
-                          <a:ea typeface="Times New Roman"/>
-                          <a:cs typeface="Times New Roman"/>
+                          <a:latin typeface="Helvetica"/>
+                          <a:ea typeface="Helvetica"/>
+                          <a:cs typeface="Helvetica"/>
                         </a:rPr>
                         <a:t/>
                       </a:r>
@@ -6891,9 +6891,9 @@
                               <a:alpha val="100000"/>
                             </a:srgbClr>
                           </a:solidFill>
-                          <a:latin typeface="Times New Roman"/>
-                          <a:ea typeface="Times New Roman"/>
-                          <a:cs typeface="Times New Roman"/>
+                          <a:latin typeface="Helvetica"/>
+                          <a:ea typeface="Helvetica"/>
+                          <a:cs typeface="Helvetica"/>
                         </a:rPr>
                         <a:t>6.5</a:t>
                       </a:r>
@@ -6960,9 +6960,9 @@
                               <a:alpha val="100000"/>
                             </a:srgbClr>
                           </a:solidFill>
-                          <a:latin typeface="Times New Roman"/>
-                          <a:ea typeface="Times New Roman"/>
-                          <a:cs typeface="Times New Roman"/>
+                          <a:latin typeface="Helvetica"/>
+                          <a:ea typeface="Helvetica"/>
+                          <a:cs typeface="Helvetica"/>
                         </a:rPr>
                         <a:t/>
                       </a:r>
@@ -6973,9 +6973,9 @@
                               <a:alpha val="100000"/>
                             </a:srgbClr>
                           </a:solidFill>
-                          <a:latin typeface="Times New Roman"/>
-                          <a:ea typeface="Times New Roman"/>
-                          <a:cs typeface="Times New Roman"/>
+                          <a:latin typeface="Helvetica"/>
+                          <a:ea typeface="Helvetica"/>
+                          <a:cs typeface="Helvetica"/>
                         </a:rPr>
                         <a:t>2.8</a:t>
                       </a:r>
@@ -7042,9 +7042,9 @@
                               <a:alpha val="100000"/>
                             </a:srgbClr>
                           </a:solidFill>
-                          <a:latin typeface="Times New Roman"/>
-                          <a:ea typeface="Times New Roman"/>
-                          <a:cs typeface="Times New Roman"/>
+                          <a:latin typeface="Helvetica"/>
+                          <a:ea typeface="Helvetica"/>
+                          <a:cs typeface="Helvetica"/>
                         </a:rPr>
                         <a:t/>
                       </a:r>
@@ -7055,9 +7055,9 @@
                               <a:alpha val="100000"/>
                             </a:srgbClr>
                           </a:solidFill>
-                          <a:latin typeface="Times New Roman"/>
-                          <a:ea typeface="Times New Roman"/>
-                          <a:cs typeface="Times New Roman"/>
+                          <a:latin typeface="Helvetica"/>
+                          <a:ea typeface="Helvetica"/>
+                          <a:cs typeface="Helvetica"/>
                         </a:rPr>
                         <a:t>4.6</a:t>
                       </a:r>
@@ -7124,9 +7124,9 @@
                               <a:alpha val="100000"/>
                             </a:srgbClr>
                           </a:solidFill>
-                          <a:latin typeface="Times New Roman"/>
-                          <a:ea typeface="Times New Roman"/>
-                          <a:cs typeface="Times New Roman"/>
+                          <a:latin typeface="Helvetica"/>
+                          <a:ea typeface="Helvetica"/>
+                          <a:cs typeface="Helvetica"/>
                         </a:rPr>
                         <a:t/>
                       </a:r>
@@ -7137,9 +7137,9 @@
                               <a:alpha val="100000"/>
                             </a:srgbClr>
                           </a:solidFill>
-                          <a:latin typeface="Times New Roman"/>
-                          <a:ea typeface="Times New Roman"/>
-                          <a:cs typeface="Times New Roman"/>
+                          <a:latin typeface="Helvetica"/>
+                          <a:ea typeface="Helvetica"/>
+                          <a:cs typeface="Helvetica"/>
                         </a:rPr>
                         <a:t>1.5</a:t>
                       </a:r>
@@ -7206,9 +7206,9 @@
                               <a:alpha val="100000"/>
                             </a:srgbClr>
                           </a:solidFill>
-                          <a:latin typeface="Times New Roman"/>
-                          <a:ea typeface="Times New Roman"/>
-                          <a:cs typeface="Times New Roman"/>
+                          <a:latin typeface="Helvetica"/>
+                          <a:ea typeface="Helvetica"/>
+                          <a:cs typeface="Helvetica"/>
                         </a:rPr>
                         <a:t/>
                       </a:r>
@@ -7219,9 +7219,9 @@
                               <a:alpha val="100000"/>
                             </a:srgbClr>
                           </a:solidFill>
-                          <a:latin typeface="Times New Roman"/>
-                          <a:ea typeface="Times New Roman"/>
-                          <a:cs typeface="Times New Roman"/>
+                          <a:latin typeface="Helvetica"/>
+                          <a:ea typeface="Helvetica"/>
+                          <a:cs typeface="Helvetica"/>
                         </a:rPr>
                         <a:t>versicolor</a:t>
                       </a:r>

--- a/docs/articles/header_rot.pptx
+++ b/docs/articles/header_rot.pptx
@@ -1,11 +1,11 @@
 
 <file path=ppt/presentation.xml><?xml version="1.0" encoding="utf-8"?>
-<p:presentation xmlns:r="http://schemas.openxmlformats.org/officeDocument/2006/relationships" xmlns:a="http://schemas.openxmlformats.org/drawingml/2006/main" xmlns:p="http://schemas.openxmlformats.org/presentationml/2006/main" xmlns:mc="http://schemas.openxmlformats.org/markup-compatibility/2006" xmlns:c="http://schemas.openxmlformats.org/drawingml/2006/chart" xmlns:ns6="http://schemas.openxmlformats.org/drawingml/2006/chartDrawing" xmlns:dgm="http://schemas.openxmlformats.org/drawingml/2006/diagram" xmlns:pic="http://schemas.openxmlformats.org/drawingml/2006/picture" xmlns:wp="http://schemas.openxmlformats.org/drawingml/2006/wordprocessingDrawing" xmlns:xdr="http://schemas.openxmlformats.org/drawingml/2006/spreadsheetDrawing" xmlns:ns11="http://schemas.openxmlformats.org/drawingml/2006/compatibility" xmlns:ns12="http://schemas.openxmlformats.org/drawingml/2006/lockedCanvas" saveSubsetFonts="true">
+<p:presentation xmlns:a="http://schemas.openxmlformats.org/drawingml/2006/main" xmlns:r="http://schemas.openxmlformats.org/officeDocument/2006/relationships" xmlns:p="http://schemas.openxmlformats.org/presentationml/2006/main" xmlns:mc="http://schemas.openxmlformats.org/markup-compatibility/2006" xmlns:c="http://schemas.openxmlformats.org/drawingml/2006/chart" xmlns:ns6="http://schemas.openxmlformats.org/drawingml/2006/chartDrawing" xmlns:dgm="http://schemas.openxmlformats.org/drawingml/2006/diagram" xmlns:pic="http://schemas.openxmlformats.org/drawingml/2006/picture" xmlns:wp="http://schemas.openxmlformats.org/drawingml/2006/wordprocessingDrawing" xmlns:xdr="http://schemas.openxmlformats.org/drawingml/2006/spreadsheetDrawing" xmlns:ns11="http://schemas.openxmlformats.org/drawingml/2006/compatibility" xmlns:ns12="http://schemas.openxmlformats.org/drawingml/2006/lockedCanvas" saveSubsetFonts="true">
   <p:sldMasterIdLst>
     <p:sldMasterId id="2147483648" r:id="rId1"/>
   </p:sldMasterIdLst>
   <p:sldIdLst>
-    <p:sldId id="2091622036" r:id="rId6"/>
+    <p:sldId id="588854160" r:id="rId6"/>
   </p:sldIdLst>
   <p:sldSz cx="12192000" cy="6858000"/>
   <p:notesSz cx="6858000" cy="9144000"/>
@@ -113,7 +113,7 @@
 </file>
 
 <file path=ppt/slideLayouts/slideLayout1.xml><?xml version="1.0" encoding="utf-8"?>
-<p:sldLayout xmlns:r="http://schemas.openxmlformats.org/officeDocument/2006/relationships" xmlns:a="http://schemas.openxmlformats.org/drawingml/2006/main" xmlns:p="http://schemas.openxmlformats.org/presentationml/2006/main" xmlns:mc="http://schemas.openxmlformats.org/markup-compatibility/2006" xmlns:c="http://schemas.openxmlformats.org/drawingml/2006/chart" xmlns:ns6="http://schemas.openxmlformats.org/drawingml/2006/chartDrawing" xmlns:dgm="http://schemas.openxmlformats.org/drawingml/2006/diagram" xmlns:pic="http://schemas.openxmlformats.org/drawingml/2006/picture" xmlns:wp="http://schemas.openxmlformats.org/drawingml/2006/wordprocessingDrawing" xmlns:xdr="http://schemas.openxmlformats.org/drawingml/2006/spreadsheetDrawing" xmlns:ns11="http://schemas.openxmlformats.org/drawingml/2006/compatibility" xmlns:ns12="http://schemas.openxmlformats.org/drawingml/2006/lockedCanvas" type="title" preserve="true">
+<p:sldLayout xmlns:a="http://schemas.openxmlformats.org/drawingml/2006/main" xmlns:r="http://schemas.openxmlformats.org/officeDocument/2006/relationships" xmlns:p="http://schemas.openxmlformats.org/presentationml/2006/main" xmlns:mc="http://schemas.openxmlformats.org/markup-compatibility/2006" xmlns:c="http://schemas.openxmlformats.org/drawingml/2006/chart" xmlns:ns6="http://schemas.openxmlformats.org/drawingml/2006/chartDrawing" xmlns:dgm="http://schemas.openxmlformats.org/drawingml/2006/diagram" xmlns:pic="http://schemas.openxmlformats.org/drawingml/2006/picture" xmlns:wp="http://schemas.openxmlformats.org/drawingml/2006/wordprocessingDrawing" xmlns:xdr="http://schemas.openxmlformats.org/drawingml/2006/spreadsheetDrawing" xmlns:ns11="http://schemas.openxmlformats.org/drawingml/2006/compatibility" xmlns:ns12="http://schemas.openxmlformats.org/drawingml/2006/lockedCanvas" type="title" preserve="true">
   <p:cSld name="Title Slide">
     <p:spTree>
       <p:nvGrpSpPr>
@@ -312,7 +312,7 @@
 </file>
 
 <file path=ppt/slideLayouts/slideLayout10.xml><?xml version="1.0" encoding="utf-8"?>
-<p:sldLayout xmlns:r="http://schemas.openxmlformats.org/officeDocument/2006/relationships" xmlns:a="http://schemas.openxmlformats.org/drawingml/2006/main" xmlns:p="http://schemas.openxmlformats.org/presentationml/2006/main" xmlns:mc="http://schemas.openxmlformats.org/markup-compatibility/2006" xmlns:c="http://schemas.openxmlformats.org/drawingml/2006/chart" xmlns:ns6="http://schemas.openxmlformats.org/drawingml/2006/chartDrawing" xmlns:dgm="http://schemas.openxmlformats.org/drawingml/2006/diagram" xmlns:pic="http://schemas.openxmlformats.org/drawingml/2006/picture" xmlns:wp="http://schemas.openxmlformats.org/drawingml/2006/wordprocessingDrawing" xmlns:xdr="http://schemas.openxmlformats.org/drawingml/2006/spreadsheetDrawing" xmlns:ns11="http://schemas.openxmlformats.org/drawingml/2006/compatibility" xmlns:ns12="http://schemas.openxmlformats.org/drawingml/2006/lockedCanvas" type="vertTitleAndTx" preserve="true">
+<p:sldLayout xmlns:a="http://schemas.openxmlformats.org/drawingml/2006/main" xmlns:r="http://schemas.openxmlformats.org/officeDocument/2006/relationships" xmlns:p="http://schemas.openxmlformats.org/presentationml/2006/main" xmlns:mc="http://schemas.openxmlformats.org/markup-compatibility/2006" xmlns:c="http://schemas.openxmlformats.org/drawingml/2006/chart" xmlns:ns6="http://schemas.openxmlformats.org/drawingml/2006/chartDrawing" xmlns:dgm="http://schemas.openxmlformats.org/drawingml/2006/diagram" xmlns:pic="http://schemas.openxmlformats.org/drawingml/2006/picture" xmlns:wp="http://schemas.openxmlformats.org/drawingml/2006/wordprocessingDrawing" xmlns:xdr="http://schemas.openxmlformats.org/drawingml/2006/spreadsheetDrawing" xmlns:ns11="http://schemas.openxmlformats.org/drawingml/2006/compatibility" xmlns:ns12="http://schemas.openxmlformats.org/drawingml/2006/lockedCanvas" type="vertTitleAndTx" preserve="true">
   <p:cSld name="Vertical Title and Text">
     <p:spTree>
       <p:nvGrpSpPr>
@@ -499,7 +499,7 @@
 </file>
 
 <file path=ppt/slideLayouts/slideLayout2.xml><?xml version="1.0" encoding="utf-8"?>
-<p:sldLayout xmlns:r="http://schemas.openxmlformats.org/officeDocument/2006/relationships" xmlns:a="http://schemas.openxmlformats.org/drawingml/2006/main" xmlns:p="http://schemas.openxmlformats.org/presentationml/2006/main" xmlns:mc="http://schemas.openxmlformats.org/markup-compatibility/2006" xmlns:c="http://schemas.openxmlformats.org/drawingml/2006/chart" xmlns:ns6="http://schemas.openxmlformats.org/drawingml/2006/chartDrawing" xmlns:dgm="http://schemas.openxmlformats.org/drawingml/2006/diagram" xmlns:pic="http://schemas.openxmlformats.org/drawingml/2006/picture" xmlns:wp="http://schemas.openxmlformats.org/drawingml/2006/wordprocessingDrawing" xmlns:xdr="http://schemas.openxmlformats.org/drawingml/2006/spreadsheetDrawing" xmlns:ns11="http://schemas.openxmlformats.org/drawingml/2006/compatibility" xmlns:ns12="http://schemas.openxmlformats.org/drawingml/2006/lockedCanvas" type="obj" preserve="true">
+<p:sldLayout xmlns:a="http://schemas.openxmlformats.org/drawingml/2006/main" xmlns:r="http://schemas.openxmlformats.org/officeDocument/2006/relationships" xmlns:p="http://schemas.openxmlformats.org/presentationml/2006/main" xmlns:mc="http://schemas.openxmlformats.org/markup-compatibility/2006" xmlns:c="http://schemas.openxmlformats.org/drawingml/2006/chart" xmlns:ns6="http://schemas.openxmlformats.org/drawingml/2006/chartDrawing" xmlns:dgm="http://schemas.openxmlformats.org/drawingml/2006/diagram" xmlns:pic="http://schemas.openxmlformats.org/drawingml/2006/picture" xmlns:wp="http://schemas.openxmlformats.org/drawingml/2006/wordprocessingDrawing" xmlns:xdr="http://schemas.openxmlformats.org/drawingml/2006/spreadsheetDrawing" xmlns:ns11="http://schemas.openxmlformats.org/drawingml/2006/compatibility" xmlns:ns12="http://schemas.openxmlformats.org/drawingml/2006/lockedCanvas" type="obj" preserve="true">
   <p:cSld name="Title and Content">
     <p:spTree>
       <p:nvGrpSpPr>
@@ -681,7 +681,7 @@
 </file>
 
 <file path=ppt/slideLayouts/slideLayout3.xml><?xml version="1.0" encoding="utf-8"?>
-<p:sldLayout xmlns:r="http://schemas.openxmlformats.org/officeDocument/2006/relationships" xmlns:a="http://schemas.openxmlformats.org/drawingml/2006/main" xmlns:p="http://schemas.openxmlformats.org/presentationml/2006/main" xmlns:mc="http://schemas.openxmlformats.org/markup-compatibility/2006" xmlns:c="http://schemas.openxmlformats.org/drawingml/2006/chart" xmlns:ns6="http://schemas.openxmlformats.org/drawingml/2006/chartDrawing" xmlns:dgm="http://schemas.openxmlformats.org/drawingml/2006/diagram" xmlns:pic="http://schemas.openxmlformats.org/drawingml/2006/picture" xmlns:wp="http://schemas.openxmlformats.org/drawingml/2006/wordprocessingDrawing" xmlns:xdr="http://schemas.openxmlformats.org/drawingml/2006/spreadsheetDrawing" xmlns:ns11="http://schemas.openxmlformats.org/drawingml/2006/compatibility" xmlns:ns12="http://schemas.openxmlformats.org/drawingml/2006/lockedCanvas" type="secHead" preserve="true">
+<p:sldLayout xmlns:a="http://schemas.openxmlformats.org/drawingml/2006/main" xmlns:r="http://schemas.openxmlformats.org/officeDocument/2006/relationships" xmlns:p="http://schemas.openxmlformats.org/presentationml/2006/main" xmlns:mc="http://schemas.openxmlformats.org/markup-compatibility/2006" xmlns:c="http://schemas.openxmlformats.org/drawingml/2006/chart" xmlns:ns6="http://schemas.openxmlformats.org/drawingml/2006/chartDrawing" xmlns:dgm="http://schemas.openxmlformats.org/drawingml/2006/diagram" xmlns:pic="http://schemas.openxmlformats.org/drawingml/2006/picture" xmlns:wp="http://schemas.openxmlformats.org/drawingml/2006/wordprocessingDrawing" xmlns:xdr="http://schemas.openxmlformats.org/drawingml/2006/spreadsheetDrawing" xmlns:ns11="http://schemas.openxmlformats.org/drawingml/2006/compatibility" xmlns:ns12="http://schemas.openxmlformats.org/drawingml/2006/lockedCanvas" type="secHead" preserve="true">
   <p:cSld name="Section Header">
     <p:spTree>
       <p:nvGrpSpPr>
@@ -934,7 +934,7 @@
 </file>
 
 <file path=ppt/slideLayouts/slideLayout4.xml><?xml version="1.0" encoding="utf-8"?>
-<p:sldLayout xmlns:r="http://schemas.openxmlformats.org/officeDocument/2006/relationships" xmlns:a="http://schemas.openxmlformats.org/drawingml/2006/main" xmlns:p="http://schemas.openxmlformats.org/presentationml/2006/main" xmlns:mc="http://schemas.openxmlformats.org/markup-compatibility/2006" xmlns:c="http://schemas.openxmlformats.org/drawingml/2006/chart" xmlns:ns6="http://schemas.openxmlformats.org/drawingml/2006/chartDrawing" xmlns:dgm="http://schemas.openxmlformats.org/drawingml/2006/diagram" xmlns:pic="http://schemas.openxmlformats.org/drawingml/2006/picture" xmlns:wp="http://schemas.openxmlformats.org/drawingml/2006/wordprocessingDrawing" xmlns:xdr="http://schemas.openxmlformats.org/drawingml/2006/spreadsheetDrawing" xmlns:ns11="http://schemas.openxmlformats.org/drawingml/2006/compatibility" xmlns:ns12="http://schemas.openxmlformats.org/drawingml/2006/lockedCanvas" type="twoObj" preserve="true">
+<p:sldLayout xmlns:a="http://schemas.openxmlformats.org/drawingml/2006/main" xmlns:r="http://schemas.openxmlformats.org/officeDocument/2006/relationships" xmlns:p="http://schemas.openxmlformats.org/presentationml/2006/main" xmlns:mc="http://schemas.openxmlformats.org/markup-compatibility/2006" xmlns:c="http://schemas.openxmlformats.org/drawingml/2006/chart" xmlns:ns6="http://schemas.openxmlformats.org/drawingml/2006/chartDrawing" xmlns:dgm="http://schemas.openxmlformats.org/drawingml/2006/diagram" xmlns:pic="http://schemas.openxmlformats.org/drawingml/2006/picture" xmlns:wp="http://schemas.openxmlformats.org/drawingml/2006/wordprocessingDrawing" xmlns:xdr="http://schemas.openxmlformats.org/drawingml/2006/spreadsheetDrawing" xmlns:ns11="http://schemas.openxmlformats.org/drawingml/2006/compatibility" xmlns:ns12="http://schemas.openxmlformats.org/drawingml/2006/lockedCanvas" type="twoObj" preserve="true">
   <p:cSld name="Two Content">
     <p:spTree>
       <p:nvGrpSpPr>
@@ -1173,7 +1173,7 @@
 </file>
 
 <file path=ppt/slideLayouts/slideLayout5.xml><?xml version="1.0" encoding="utf-8"?>
-<p:sldLayout xmlns:r="http://schemas.openxmlformats.org/officeDocument/2006/relationships" xmlns:a="http://schemas.openxmlformats.org/drawingml/2006/main" xmlns:p="http://schemas.openxmlformats.org/presentationml/2006/main" xmlns:mc="http://schemas.openxmlformats.org/markup-compatibility/2006" xmlns:c="http://schemas.openxmlformats.org/drawingml/2006/chart" xmlns:ns6="http://schemas.openxmlformats.org/drawingml/2006/chartDrawing" xmlns:dgm="http://schemas.openxmlformats.org/drawingml/2006/diagram" xmlns:pic="http://schemas.openxmlformats.org/drawingml/2006/picture" xmlns:wp="http://schemas.openxmlformats.org/drawingml/2006/wordprocessingDrawing" xmlns:xdr="http://schemas.openxmlformats.org/drawingml/2006/spreadsheetDrawing" xmlns:ns11="http://schemas.openxmlformats.org/drawingml/2006/compatibility" xmlns:ns12="http://schemas.openxmlformats.org/drawingml/2006/lockedCanvas" type="twoTxTwoObj" preserve="true">
+<p:sldLayout xmlns:a="http://schemas.openxmlformats.org/drawingml/2006/main" xmlns:r="http://schemas.openxmlformats.org/officeDocument/2006/relationships" xmlns:p="http://schemas.openxmlformats.org/presentationml/2006/main" xmlns:mc="http://schemas.openxmlformats.org/markup-compatibility/2006" xmlns:c="http://schemas.openxmlformats.org/drawingml/2006/chart" xmlns:ns6="http://schemas.openxmlformats.org/drawingml/2006/chartDrawing" xmlns:dgm="http://schemas.openxmlformats.org/drawingml/2006/diagram" xmlns:pic="http://schemas.openxmlformats.org/drawingml/2006/picture" xmlns:wp="http://schemas.openxmlformats.org/drawingml/2006/wordprocessingDrawing" xmlns:xdr="http://schemas.openxmlformats.org/drawingml/2006/spreadsheetDrawing" xmlns:ns11="http://schemas.openxmlformats.org/drawingml/2006/compatibility" xmlns:ns12="http://schemas.openxmlformats.org/drawingml/2006/lockedCanvas" type="twoTxTwoObj" preserve="true">
   <p:cSld name="Comparison">
     <p:spTree>
       <p:nvGrpSpPr>
@@ -1528,7 +1528,7 @@
 </file>
 
 <file path=ppt/slideLayouts/slideLayout6.xml><?xml version="1.0" encoding="utf-8"?>
-<p:sldLayout xmlns:r="http://schemas.openxmlformats.org/officeDocument/2006/relationships" xmlns:a="http://schemas.openxmlformats.org/drawingml/2006/main" xmlns:p="http://schemas.openxmlformats.org/presentationml/2006/main" xmlns:mc="http://schemas.openxmlformats.org/markup-compatibility/2006" xmlns:c="http://schemas.openxmlformats.org/drawingml/2006/chart" xmlns:ns6="http://schemas.openxmlformats.org/drawingml/2006/chartDrawing" xmlns:dgm="http://schemas.openxmlformats.org/drawingml/2006/diagram" xmlns:pic="http://schemas.openxmlformats.org/drawingml/2006/picture" xmlns:wp="http://schemas.openxmlformats.org/drawingml/2006/wordprocessingDrawing" xmlns:xdr="http://schemas.openxmlformats.org/drawingml/2006/spreadsheetDrawing" xmlns:ns11="http://schemas.openxmlformats.org/drawingml/2006/compatibility" xmlns:ns12="http://schemas.openxmlformats.org/drawingml/2006/lockedCanvas" type="titleOnly" preserve="true">
+<p:sldLayout xmlns:a="http://schemas.openxmlformats.org/drawingml/2006/main" xmlns:r="http://schemas.openxmlformats.org/officeDocument/2006/relationships" xmlns:p="http://schemas.openxmlformats.org/presentationml/2006/main" xmlns:mc="http://schemas.openxmlformats.org/markup-compatibility/2006" xmlns:c="http://schemas.openxmlformats.org/drawingml/2006/chart" xmlns:ns6="http://schemas.openxmlformats.org/drawingml/2006/chartDrawing" xmlns:dgm="http://schemas.openxmlformats.org/drawingml/2006/diagram" xmlns:pic="http://schemas.openxmlformats.org/drawingml/2006/picture" xmlns:wp="http://schemas.openxmlformats.org/drawingml/2006/wordprocessingDrawing" xmlns:xdr="http://schemas.openxmlformats.org/drawingml/2006/spreadsheetDrawing" xmlns:ns11="http://schemas.openxmlformats.org/drawingml/2006/compatibility" xmlns:ns12="http://schemas.openxmlformats.org/drawingml/2006/lockedCanvas" type="titleOnly" preserve="true">
   <p:cSld name="Title Only">
     <p:spTree>
       <p:nvGrpSpPr>
@@ -1653,7 +1653,7 @@
 </file>
 
 <file path=ppt/slideLayouts/slideLayout7.xml><?xml version="1.0" encoding="utf-8"?>
-<p:sldLayout xmlns:r="http://schemas.openxmlformats.org/officeDocument/2006/relationships" xmlns:a="http://schemas.openxmlformats.org/drawingml/2006/main" xmlns:p="http://schemas.openxmlformats.org/presentationml/2006/main" xmlns:mc="http://schemas.openxmlformats.org/markup-compatibility/2006" xmlns:c="http://schemas.openxmlformats.org/drawingml/2006/chart" xmlns:ns6="http://schemas.openxmlformats.org/drawingml/2006/chartDrawing" xmlns:dgm="http://schemas.openxmlformats.org/drawingml/2006/diagram" xmlns:pic="http://schemas.openxmlformats.org/drawingml/2006/picture" xmlns:wp="http://schemas.openxmlformats.org/drawingml/2006/wordprocessingDrawing" xmlns:xdr="http://schemas.openxmlformats.org/drawingml/2006/spreadsheetDrawing" xmlns:ns11="http://schemas.openxmlformats.org/drawingml/2006/compatibility" xmlns:ns12="http://schemas.openxmlformats.org/drawingml/2006/lockedCanvas" type="blank" preserve="true">
+<p:sldLayout xmlns:a="http://schemas.openxmlformats.org/drawingml/2006/main" xmlns:r="http://schemas.openxmlformats.org/officeDocument/2006/relationships" xmlns:p="http://schemas.openxmlformats.org/presentationml/2006/main" xmlns:mc="http://schemas.openxmlformats.org/markup-compatibility/2006" xmlns:c="http://schemas.openxmlformats.org/drawingml/2006/chart" xmlns:ns6="http://schemas.openxmlformats.org/drawingml/2006/chartDrawing" xmlns:dgm="http://schemas.openxmlformats.org/drawingml/2006/diagram" xmlns:pic="http://schemas.openxmlformats.org/drawingml/2006/picture" xmlns:wp="http://schemas.openxmlformats.org/drawingml/2006/wordprocessingDrawing" xmlns:xdr="http://schemas.openxmlformats.org/drawingml/2006/spreadsheetDrawing" xmlns:ns11="http://schemas.openxmlformats.org/drawingml/2006/compatibility" xmlns:ns12="http://schemas.openxmlformats.org/drawingml/2006/lockedCanvas" type="blank" preserve="true">
   <p:cSld name="Blank">
     <p:spTree>
       <p:nvGrpSpPr>
@@ -1755,7 +1755,7 @@
 </file>
 
 <file path=ppt/slideLayouts/slideLayout8.xml><?xml version="1.0" encoding="utf-8"?>
-<p:sldLayout xmlns:r="http://schemas.openxmlformats.org/officeDocument/2006/relationships" xmlns:a="http://schemas.openxmlformats.org/drawingml/2006/main" xmlns:p="http://schemas.openxmlformats.org/presentationml/2006/main" xmlns:mc="http://schemas.openxmlformats.org/markup-compatibility/2006" xmlns:c="http://schemas.openxmlformats.org/drawingml/2006/chart" xmlns:ns6="http://schemas.openxmlformats.org/drawingml/2006/chartDrawing" xmlns:dgm="http://schemas.openxmlformats.org/drawingml/2006/diagram" xmlns:pic="http://schemas.openxmlformats.org/drawingml/2006/picture" xmlns:wp="http://schemas.openxmlformats.org/drawingml/2006/wordprocessingDrawing" xmlns:xdr="http://schemas.openxmlformats.org/drawingml/2006/spreadsheetDrawing" xmlns:ns11="http://schemas.openxmlformats.org/drawingml/2006/compatibility" xmlns:ns12="http://schemas.openxmlformats.org/drawingml/2006/lockedCanvas" type="objTx" preserve="true">
+<p:sldLayout xmlns:a="http://schemas.openxmlformats.org/drawingml/2006/main" xmlns:r="http://schemas.openxmlformats.org/officeDocument/2006/relationships" xmlns:p="http://schemas.openxmlformats.org/presentationml/2006/main" xmlns:mc="http://schemas.openxmlformats.org/markup-compatibility/2006" xmlns:c="http://schemas.openxmlformats.org/drawingml/2006/chart" xmlns:ns6="http://schemas.openxmlformats.org/drawingml/2006/chartDrawing" xmlns:dgm="http://schemas.openxmlformats.org/drawingml/2006/diagram" xmlns:pic="http://schemas.openxmlformats.org/drawingml/2006/picture" xmlns:wp="http://schemas.openxmlformats.org/drawingml/2006/wordprocessingDrawing" xmlns:xdr="http://schemas.openxmlformats.org/drawingml/2006/spreadsheetDrawing" xmlns:ns11="http://schemas.openxmlformats.org/drawingml/2006/compatibility" xmlns:ns12="http://schemas.openxmlformats.org/drawingml/2006/lockedCanvas" type="objTx" preserve="true">
   <p:cSld name="Content with Caption">
     <p:spTree>
       <p:nvGrpSpPr>
@@ -2039,7 +2039,7 @@
 </file>
 
 <file path=ppt/slideLayouts/slideLayout9.xml><?xml version="1.0" encoding="utf-8"?>
-<p:sldLayout xmlns:r="http://schemas.openxmlformats.org/officeDocument/2006/relationships" xmlns:a="http://schemas.openxmlformats.org/drawingml/2006/main" xmlns:p="http://schemas.openxmlformats.org/presentationml/2006/main" xmlns:mc="http://schemas.openxmlformats.org/markup-compatibility/2006" xmlns:c="http://schemas.openxmlformats.org/drawingml/2006/chart" xmlns:ns6="http://schemas.openxmlformats.org/drawingml/2006/chartDrawing" xmlns:dgm="http://schemas.openxmlformats.org/drawingml/2006/diagram" xmlns:pic="http://schemas.openxmlformats.org/drawingml/2006/picture" xmlns:wp="http://schemas.openxmlformats.org/drawingml/2006/wordprocessingDrawing" xmlns:xdr="http://schemas.openxmlformats.org/drawingml/2006/spreadsheetDrawing" xmlns:ns11="http://schemas.openxmlformats.org/drawingml/2006/compatibility" xmlns:ns12="http://schemas.openxmlformats.org/drawingml/2006/lockedCanvas" type="vertTx" preserve="true">
+<p:sldLayout xmlns:a="http://schemas.openxmlformats.org/drawingml/2006/main" xmlns:r="http://schemas.openxmlformats.org/officeDocument/2006/relationships" xmlns:p="http://schemas.openxmlformats.org/presentationml/2006/main" xmlns:mc="http://schemas.openxmlformats.org/markup-compatibility/2006" xmlns:c="http://schemas.openxmlformats.org/drawingml/2006/chart" xmlns:ns6="http://schemas.openxmlformats.org/drawingml/2006/chartDrawing" xmlns:dgm="http://schemas.openxmlformats.org/drawingml/2006/diagram" xmlns:pic="http://schemas.openxmlformats.org/drawingml/2006/picture" xmlns:wp="http://schemas.openxmlformats.org/drawingml/2006/wordprocessingDrawing" xmlns:xdr="http://schemas.openxmlformats.org/drawingml/2006/spreadsheetDrawing" xmlns:ns11="http://schemas.openxmlformats.org/drawingml/2006/compatibility" xmlns:ns12="http://schemas.openxmlformats.org/drawingml/2006/lockedCanvas" type="vertTx" preserve="true">
   <p:cSld name="Title and Vertical Text">
     <p:spTree>
       <p:nvGrpSpPr>
@@ -2216,7 +2216,7 @@
 </file>
 
 <file path=ppt/slideMasters/slideMaster1.xml><?xml version="1.0" encoding="utf-8"?>
-<p:sldMaster xmlns:r="http://schemas.openxmlformats.org/officeDocument/2006/relationships" xmlns:a="http://schemas.openxmlformats.org/drawingml/2006/main" xmlns:p="http://schemas.openxmlformats.org/presentationml/2006/main" xmlns:mc="http://schemas.openxmlformats.org/markup-compatibility/2006" xmlns:c="http://schemas.openxmlformats.org/drawingml/2006/chart" xmlns:ns6="http://schemas.openxmlformats.org/drawingml/2006/chartDrawing" xmlns:dgm="http://schemas.openxmlformats.org/drawingml/2006/diagram" xmlns:pic="http://schemas.openxmlformats.org/drawingml/2006/picture" xmlns:wp="http://schemas.openxmlformats.org/drawingml/2006/wordprocessingDrawing" xmlns:xdr="http://schemas.openxmlformats.org/drawingml/2006/spreadsheetDrawing" xmlns:ns11="http://schemas.openxmlformats.org/drawingml/2006/compatibility" xmlns:ns12="http://schemas.openxmlformats.org/drawingml/2006/lockedCanvas">
+<p:sldMaster xmlns:a="http://schemas.openxmlformats.org/drawingml/2006/main" xmlns:r="http://schemas.openxmlformats.org/officeDocument/2006/relationships" xmlns:p="http://schemas.openxmlformats.org/presentationml/2006/main" xmlns:mc="http://schemas.openxmlformats.org/markup-compatibility/2006" xmlns:c="http://schemas.openxmlformats.org/drawingml/2006/chart" xmlns:ns6="http://schemas.openxmlformats.org/drawingml/2006/chartDrawing" xmlns:dgm="http://schemas.openxmlformats.org/drawingml/2006/diagram" xmlns:pic="http://schemas.openxmlformats.org/drawingml/2006/picture" xmlns:wp="http://schemas.openxmlformats.org/drawingml/2006/wordprocessingDrawing" xmlns:xdr="http://schemas.openxmlformats.org/drawingml/2006/spreadsheetDrawing" xmlns:ns11="http://schemas.openxmlformats.org/drawingml/2006/compatibility" xmlns:ns12="http://schemas.openxmlformats.org/drawingml/2006/lockedCanvas">
   <p:cSld>
     <p:bg>
       <p:bgRef idx="1001">
@@ -2762,7 +2762,7 @@
 </file>
 
 <file path=ppt/slides/slide1.xml><?xml version="1.0" encoding="utf-8"?>
-<p:sld xmlns:r="http://schemas.openxmlformats.org/officeDocument/2006/relationships" xmlns:a="http://schemas.openxmlformats.org/drawingml/2006/main" xmlns:p="http://schemas.openxmlformats.org/presentationml/2006/main" xmlns:mc="http://schemas.openxmlformats.org/markup-compatibility/2006" xmlns:c="http://schemas.openxmlformats.org/drawingml/2006/chart" xmlns:ns6="http://schemas.openxmlformats.org/drawingml/2006/chartDrawing" xmlns:dgm="http://schemas.openxmlformats.org/drawingml/2006/diagram" xmlns:pic="http://schemas.openxmlformats.org/drawingml/2006/picture" xmlns:wp="http://schemas.openxmlformats.org/drawingml/2006/wordprocessingDrawing" xmlns:xdr="http://schemas.openxmlformats.org/drawingml/2006/spreadsheetDrawing" xmlns:ns11="http://schemas.openxmlformats.org/drawingml/2006/compatibility" xmlns:ns12="http://schemas.openxmlformats.org/drawingml/2006/lockedCanvas">
+<p:sld xmlns:a="http://schemas.openxmlformats.org/drawingml/2006/main" xmlns:r="http://schemas.openxmlformats.org/officeDocument/2006/relationships" xmlns:p="http://schemas.openxmlformats.org/presentationml/2006/main" xmlns:mc="http://schemas.openxmlformats.org/markup-compatibility/2006" xmlns:c="http://schemas.openxmlformats.org/drawingml/2006/chart" xmlns:ns6="http://schemas.openxmlformats.org/drawingml/2006/chartDrawing" xmlns:dgm="http://schemas.openxmlformats.org/drawingml/2006/diagram" xmlns:pic="http://schemas.openxmlformats.org/drawingml/2006/picture" xmlns:wp="http://schemas.openxmlformats.org/drawingml/2006/wordprocessingDrawing" xmlns:xdr="http://schemas.openxmlformats.org/drawingml/2006/spreadsheetDrawing" xmlns:ns11="http://schemas.openxmlformats.org/drawingml/2006/compatibility" xmlns:ns12="http://schemas.openxmlformats.org/drawingml/2006/lockedCanvas">
   <p:cSld>
     <p:spTree>
       <p:nvGrpSpPr>

--- a/docs/articles/header_rot.pptx
+++ b/docs/articles/header_rot.pptx
@@ -5,7 +5,7 @@
     <p:sldMasterId id="2147483648" r:id="rId1"/>
   </p:sldMasterIdLst>
   <p:sldIdLst>
-    <p:sldId id="588854160" r:id="rId6"/>
+    <p:sldId id="180868151" r:id="rId6"/>
   </p:sldIdLst>
   <p:sldSz cx="12192000" cy="6858000"/>
   <p:notesSz cx="6858000" cy="9144000"/>
@@ -2801,7 +2801,7 @@
                 <a:gridCol w="457200"/>
                 <a:gridCol w="731520"/>
               </a:tblGrid>
-              <a:tr h="990600">
+              <a:tr h="901700">
                 <a:tc>
                   <a:txBody>
                     <a:bodyPr/>
@@ -2823,9 +2823,9 @@
                               <a:alpha val="100000"/>
                             </a:srgbClr>
                           </a:solidFill>
-                          <a:latin typeface="Helvetica"/>
-                          <a:ea typeface="Helvetica"/>
-                          <a:cs typeface="Helvetica"/>
+                          <a:latin typeface="Times New Roman"/>
+                          <a:ea typeface="Times New Roman"/>
+                          <a:cs typeface="Times New Roman"/>
                         </a:rPr>
                         <a:t>Sepal.Length</a:t>
                       </a:r>
@@ -2892,9 +2892,9 @@
                               <a:alpha val="100000"/>
                             </a:srgbClr>
                           </a:solidFill>
-                          <a:latin typeface="Helvetica"/>
-                          <a:ea typeface="Helvetica"/>
-                          <a:cs typeface="Helvetica"/>
+                          <a:latin typeface="Times New Roman"/>
+                          <a:ea typeface="Times New Roman"/>
+                          <a:cs typeface="Times New Roman"/>
                         </a:rPr>
                         <a:t>Sepal.Width</a:t>
                       </a:r>
@@ -2961,9 +2961,9 @@
                               <a:alpha val="100000"/>
                             </a:srgbClr>
                           </a:solidFill>
-                          <a:latin typeface="Helvetica"/>
-                          <a:ea typeface="Helvetica"/>
-                          <a:cs typeface="Helvetica"/>
+                          <a:latin typeface="Times New Roman"/>
+                          <a:ea typeface="Times New Roman"/>
+                          <a:cs typeface="Times New Roman"/>
                         </a:rPr>
                         <a:t>Petal.Length</a:t>
                       </a:r>
@@ -3030,9 +3030,9 @@
                               <a:alpha val="100000"/>
                             </a:srgbClr>
                           </a:solidFill>
-                          <a:latin typeface="Helvetica"/>
-                          <a:ea typeface="Helvetica"/>
-                          <a:cs typeface="Helvetica"/>
+                          <a:latin typeface="Times New Roman"/>
+                          <a:ea typeface="Times New Roman"/>
+                          <a:cs typeface="Times New Roman"/>
                         </a:rPr>
                         <a:t>Petal.Width</a:t>
                       </a:r>
@@ -3099,9 +3099,9 @@
                               <a:alpha val="100000"/>
                             </a:srgbClr>
                           </a:solidFill>
-                          <a:latin typeface="Helvetica"/>
-                          <a:ea typeface="Helvetica"/>
-                          <a:cs typeface="Helvetica"/>
+                          <a:latin typeface="Times New Roman"/>
+                          <a:ea typeface="Times New Roman"/>
+                          <a:cs typeface="Times New Roman"/>
                         </a:rPr>
                         <a:t>Species</a:t>
                       </a:r>
@@ -3170,9 +3170,9 @@
                               <a:alpha val="100000"/>
                             </a:srgbClr>
                           </a:solidFill>
-                          <a:latin typeface="Helvetica"/>
-                          <a:ea typeface="Helvetica"/>
-                          <a:cs typeface="Helvetica"/>
+                          <a:latin typeface="Times New Roman"/>
+                          <a:ea typeface="Times New Roman"/>
+                          <a:cs typeface="Times New Roman"/>
                         </a:rPr>
                         <a:t/>
                       </a:r>
@@ -3183,9 +3183,9 @@
                               <a:alpha val="100000"/>
                             </a:srgbClr>
                           </a:solidFill>
-                          <a:latin typeface="Helvetica"/>
-                          <a:ea typeface="Helvetica"/>
-                          <a:cs typeface="Helvetica"/>
+                          <a:latin typeface="Times New Roman"/>
+                          <a:ea typeface="Times New Roman"/>
+                          <a:cs typeface="Times New Roman"/>
                         </a:rPr>
                         <a:t>4.8</a:t>
                       </a:r>
@@ -3252,9 +3252,9 @@
                               <a:alpha val="100000"/>
                             </a:srgbClr>
                           </a:solidFill>
-                          <a:latin typeface="Helvetica"/>
-                          <a:ea typeface="Helvetica"/>
-                          <a:cs typeface="Helvetica"/>
+                          <a:latin typeface="Times New Roman"/>
+                          <a:ea typeface="Times New Roman"/>
+                          <a:cs typeface="Times New Roman"/>
                         </a:rPr>
                         <a:t/>
                       </a:r>
@@ -3265,9 +3265,9 @@
                               <a:alpha val="100000"/>
                             </a:srgbClr>
                           </a:solidFill>
-                          <a:latin typeface="Helvetica"/>
-                          <a:ea typeface="Helvetica"/>
-                          <a:cs typeface="Helvetica"/>
+                          <a:latin typeface="Times New Roman"/>
+                          <a:ea typeface="Times New Roman"/>
+                          <a:cs typeface="Times New Roman"/>
                         </a:rPr>
                         <a:t>3.0</a:t>
                       </a:r>
@@ -3334,9 +3334,9 @@
                               <a:alpha val="100000"/>
                             </a:srgbClr>
                           </a:solidFill>
-                          <a:latin typeface="Helvetica"/>
-                          <a:ea typeface="Helvetica"/>
-                          <a:cs typeface="Helvetica"/>
+                          <a:latin typeface="Times New Roman"/>
+                          <a:ea typeface="Times New Roman"/>
+                          <a:cs typeface="Times New Roman"/>
                         </a:rPr>
                         <a:t/>
                       </a:r>
@@ -3347,9 +3347,9 @@
                               <a:alpha val="100000"/>
                             </a:srgbClr>
                           </a:solidFill>
-                          <a:latin typeface="Helvetica"/>
-                          <a:ea typeface="Helvetica"/>
-                          <a:cs typeface="Helvetica"/>
+                          <a:latin typeface="Times New Roman"/>
+                          <a:ea typeface="Times New Roman"/>
+                          <a:cs typeface="Times New Roman"/>
                         </a:rPr>
                         <a:t>1.4</a:t>
                       </a:r>
@@ -3416,9 +3416,9 @@
                               <a:alpha val="100000"/>
                             </a:srgbClr>
                           </a:solidFill>
-                          <a:latin typeface="Helvetica"/>
-                          <a:ea typeface="Helvetica"/>
-                          <a:cs typeface="Helvetica"/>
+                          <a:latin typeface="Times New Roman"/>
+                          <a:ea typeface="Times New Roman"/>
+                          <a:cs typeface="Times New Roman"/>
                         </a:rPr>
                         <a:t/>
                       </a:r>
@@ -3429,9 +3429,9 @@
                               <a:alpha val="100000"/>
                             </a:srgbClr>
                           </a:solidFill>
-                          <a:latin typeface="Helvetica"/>
-                          <a:ea typeface="Helvetica"/>
-                          <a:cs typeface="Helvetica"/>
+                          <a:latin typeface="Times New Roman"/>
+                          <a:ea typeface="Times New Roman"/>
+                          <a:cs typeface="Times New Roman"/>
                         </a:rPr>
                         <a:t>0.3</a:t>
                       </a:r>
@@ -3498,9 +3498,9 @@
                               <a:alpha val="100000"/>
                             </a:srgbClr>
                           </a:solidFill>
-                          <a:latin typeface="Helvetica"/>
-                          <a:ea typeface="Helvetica"/>
-                          <a:cs typeface="Helvetica"/>
+                          <a:latin typeface="Times New Roman"/>
+                          <a:ea typeface="Times New Roman"/>
+                          <a:cs typeface="Times New Roman"/>
                         </a:rPr>
                         <a:t/>
                       </a:r>
@@ -3511,9 +3511,9 @@
                               <a:alpha val="100000"/>
                             </a:srgbClr>
                           </a:solidFill>
-                          <a:latin typeface="Helvetica"/>
-                          <a:ea typeface="Helvetica"/>
-                          <a:cs typeface="Helvetica"/>
+                          <a:latin typeface="Times New Roman"/>
+                          <a:ea typeface="Times New Roman"/>
+                          <a:cs typeface="Times New Roman"/>
                         </a:rPr>
                         <a:t>setosa</a:t>
                       </a:r>
@@ -3582,9 +3582,9 @@
                               <a:alpha val="100000"/>
                             </a:srgbClr>
                           </a:solidFill>
-                          <a:latin typeface="Helvetica"/>
-                          <a:ea typeface="Helvetica"/>
-                          <a:cs typeface="Helvetica"/>
+                          <a:latin typeface="Times New Roman"/>
+                          <a:ea typeface="Times New Roman"/>
+                          <a:cs typeface="Times New Roman"/>
                         </a:rPr>
                         <a:t/>
                       </a:r>
@@ -3595,9 +3595,9 @@
                               <a:alpha val="100000"/>
                             </a:srgbClr>
                           </a:solidFill>
-                          <a:latin typeface="Helvetica"/>
-                          <a:ea typeface="Helvetica"/>
-                          <a:cs typeface="Helvetica"/>
+                          <a:latin typeface="Times New Roman"/>
+                          <a:ea typeface="Times New Roman"/>
+                          <a:cs typeface="Times New Roman"/>
                         </a:rPr>
                         <a:t>5.1</a:t>
                       </a:r>
@@ -3664,9 +3664,9 @@
                               <a:alpha val="100000"/>
                             </a:srgbClr>
                           </a:solidFill>
-                          <a:latin typeface="Helvetica"/>
-                          <a:ea typeface="Helvetica"/>
-                          <a:cs typeface="Helvetica"/>
+                          <a:latin typeface="Times New Roman"/>
+                          <a:ea typeface="Times New Roman"/>
+                          <a:cs typeface="Times New Roman"/>
                         </a:rPr>
                         <a:t/>
                       </a:r>
@@ -3677,9 +3677,9 @@
                               <a:alpha val="100000"/>
                             </a:srgbClr>
                           </a:solidFill>
-                          <a:latin typeface="Helvetica"/>
-                          <a:ea typeface="Helvetica"/>
-                          <a:cs typeface="Helvetica"/>
+                          <a:latin typeface="Times New Roman"/>
+                          <a:ea typeface="Times New Roman"/>
+                          <a:cs typeface="Times New Roman"/>
                         </a:rPr>
                         <a:t>3.8</a:t>
                       </a:r>
@@ -3746,9 +3746,9 @@
                               <a:alpha val="100000"/>
                             </a:srgbClr>
                           </a:solidFill>
-                          <a:latin typeface="Helvetica"/>
-                          <a:ea typeface="Helvetica"/>
-                          <a:cs typeface="Helvetica"/>
+                          <a:latin typeface="Times New Roman"/>
+                          <a:ea typeface="Times New Roman"/>
+                          <a:cs typeface="Times New Roman"/>
                         </a:rPr>
                         <a:t/>
                       </a:r>
@@ -3759,9 +3759,9 @@
                               <a:alpha val="100000"/>
                             </a:srgbClr>
                           </a:solidFill>
-                          <a:latin typeface="Helvetica"/>
-                          <a:ea typeface="Helvetica"/>
-                          <a:cs typeface="Helvetica"/>
+                          <a:latin typeface="Times New Roman"/>
+                          <a:ea typeface="Times New Roman"/>
+                          <a:cs typeface="Times New Roman"/>
                         </a:rPr>
                         <a:t>1.6</a:t>
                       </a:r>
@@ -3828,9 +3828,9 @@
                               <a:alpha val="100000"/>
                             </a:srgbClr>
                           </a:solidFill>
-                          <a:latin typeface="Helvetica"/>
-                          <a:ea typeface="Helvetica"/>
-                          <a:cs typeface="Helvetica"/>
+                          <a:latin typeface="Times New Roman"/>
+                          <a:ea typeface="Times New Roman"/>
+                          <a:cs typeface="Times New Roman"/>
                         </a:rPr>
                         <a:t/>
                       </a:r>
@@ -3841,9 +3841,9 @@
                               <a:alpha val="100000"/>
                             </a:srgbClr>
                           </a:solidFill>
-                          <a:latin typeface="Helvetica"/>
-                          <a:ea typeface="Helvetica"/>
-                          <a:cs typeface="Helvetica"/>
+                          <a:latin typeface="Times New Roman"/>
+                          <a:ea typeface="Times New Roman"/>
+                          <a:cs typeface="Times New Roman"/>
                         </a:rPr>
                         <a:t>0.2</a:t>
                       </a:r>
@@ -3910,9 +3910,9 @@
                               <a:alpha val="100000"/>
                             </a:srgbClr>
                           </a:solidFill>
-                          <a:latin typeface="Helvetica"/>
-                          <a:ea typeface="Helvetica"/>
-                          <a:cs typeface="Helvetica"/>
+                          <a:latin typeface="Times New Roman"/>
+                          <a:ea typeface="Times New Roman"/>
+                          <a:cs typeface="Times New Roman"/>
                         </a:rPr>
                         <a:t/>
                       </a:r>
@@ -3923,9 +3923,9 @@
                               <a:alpha val="100000"/>
                             </a:srgbClr>
                           </a:solidFill>
-                          <a:latin typeface="Helvetica"/>
-                          <a:ea typeface="Helvetica"/>
-                          <a:cs typeface="Helvetica"/>
+                          <a:latin typeface="Times New Roman"/>
+                          <a:ea typeface="Times New Roman"/>
+                          <a:cs typeface="Times New Roman"/>
                         </a:rPr>
                         <a:t>setosa</a:t>
                       </a:r>
@@ -3994,9 +3994,9 @@
                               <a:alpha val="100000"/>
                             </a:srgbClr>
                           </a:solidFill>
-                          <a:latin typeface="Helvetica"/>
-                          <a:ea typeface="Helvetica"/>
-                          <a:cs typeface="Helvetica"/>
+                          <a:latin typeface="Times New Roman"/>
+                          <a:ea typeface="Times New Roman"/>
+                          <a:cs typeface="Times New Roman"/>
                         </a:rPr>
                         <a:t/>
                       </a:r>
@@ -4007,9 +4007,9 @@
                               <a:alpha val="100000"/>
                             </a:srgbClr>
                           </a:solidFill>
-                          <a:latin typeface="Helvetica"/>
-                          <a:ea typeface="Helvetica"/>
-                          <a:cs typeface="Helvetica"/>
+                          <a:latin typeface="Times New Roman"/>
+                          <a:ea typeface="Times New Roman"/>
+                          <a:cs typeface="Times New Roman"/>
                         </a:rPr>
                         <a:t>4.6</a:t>
                       </a:r>
@@ -4076,9 +4076,9 @@
                               <a:alpha val="100000"/>
                             </a:srgbClr>
                           </a:solidFill>
-                          <a:latin typeface="Helvetica"/>
-                          <a:ea typeface="Helvetica"/>
-                          <a:cs typeface="Helvetica"/>
+                          <a:latin typeface="Times New Roman"/>
+                          <a:ea typeface="Times New Roman"/>
+                          <a:cs typeface="Times New Roman"/>
                         </a:rPr>
                         <a:t/>
                       </a:r>
@@ -4089,9 +4089,9 @@
                               <a:alpha val="100000"/>
                             </a:srgbClr>
                           </a:solidFill>
-                          <a:latin typeface="Helvetica"/>
-                          <a:ea typeface="Helvetica"/>
-                          <a:cs typeface="Helvetica"/>
+                          <a:latin typeface="Times New Roman"/>
+                          <a:ea typeface="Times New Roman"/>
+                          <a:cs typeface="Times New Roman"/>
                         </a:rPr>
                         <a:t>3.2</a:t>
                       </a:r>
@@ -4158,9 +4158,9 @@
                               <a:alpha val="100000"/>
                             </a:srgbClr>
                           </a:solidFill>
-                          <a:latin typeface="Helvetica"/>
-                          <a:ea typeface="Helvetica"/>
-                          <a:cs typeface="Helvetica"/>
+                          <a:latin typeface="Times New Roman"/>
+                          <a:ea typeface="Times New Roman"/>
+                          <a:cs typeface="Times New Roman"/>
                         </a:rPr>
                         <a:t/>
                       </a:r>
@@ -4171,9 +4171,9 @@
                               <a:alpha val="100000"/>
                             </a:srgbClr>
                           </a:solidFill>
-                          <a:latin typeface="Helvetica"/>
-                          <a:ea typeface="Helvetica"/>
-                          <a:cs typeface="Helvetica"/>
+                          <a:latin typeface="Times New Roman"/>
+                          <a:ea typeface="Times New Roman"/>
+                          <a:cs typeface="Times New Roman"/>
                         </a:rPr>
                         <a:t>1.4</a:t>
                       </a:r>
@@ -4240,9 +4240,9 @@
                               <a:alpha val="100000"/>
                             </a:srgbClr>
                           </a:solidFill>
-                          <a:latin typeface="Helvetica"/>
-                          <a:ea typeface="Helvetica"/>
-                          <a:cs typeface="Helvetica"/>
+                          <a:latin typeface="Times New Roman"/>
+                          <a:ea typeface="Times New Roman"/>
+                          <a:cs typeface="Times New Roman"/>
                         </a:rPr>
                         <a:t/>
                       </a:r>
@@ -4253,9 +4253,9 @@
                               <a:alpha val="100000"/>
                             </a:srgbClr>
                           </a:solidFill>
-                          <a:latin typeface="Helvetica"/>
-                          <a:ea typeface="Helvetica"/>
-                          <a:cs typeface="Helvetica"/>
+                          <a:latin typeface="Times New Roman"/>
+                          <a:ea typeface="Times New Roman"/>
+                          <a:cs typeface="Times New Roman"/>
                         </a:rPr>
                         <a:t>0.2</a:t>
                       </a:r>
@@ -4322,9 +4322,9 @@
                               <a:alpha val="100000"/>
                             </a:srgbClr>
                           </a:solidFill>
-                          <a:latin typeface="Helvetica"/>
-                          <a:ea typeface="Helvetica"/>
-                          <a:cs typeface="Helvetica"/>
+                          <a:latin typeface="Times New Roman"/>
+                          <a:ea typeface="Times New Roman"/>
+                          <a:cs typeface="Times New Roman"/>
                         </a:rPr>
                         <a:t/>
                       </a:r>
@@ -4335,9 +4335,9 @@
                               <a:alpha val="100000"/>
                             </a:srgbClr>
                           </a:solidFill>
-                          <a:latin typeface="Helvetica"/>
-                          <a:ea typeface="Helvetica"/>
-                          <a:cs typeface="Helvetica"/>
+                          <a:latin typeface="Times New Roman"/>
+                          <a:ea typeface="Times New Roman"/>
+                          <a:cs typeface="Times New Roman"/>
                         </a:rPr>
                         <a:t>setosa</a:t>
                       </a:r>
@@ -4406,9 +4406,9 @@
                               <a:alpha val="100000"/>
                             </a:srgbClr>
                           </a:solidFill>
-                          <a:latin typeface="Helvetica"/>
-                          <a:ea typeface="Helvetica"/>
-                          <a:cs typeface="Helvetica"/>
+                          <a:latin typeface="Times New Roman"/>
+                          <a:ea typeface="Times New Roman"/>
+                          <a:cs typeface="Times New Roman"/>
                         </a:rPr>
                         <a:t/>
                       </a:r>
@@ -4419,9 +4419,9 @@
                               <a:alpha val="100000"/>
                             </a:srgbClr>
                           </a:solidFill>
-                          <a:latin typeface="Helvetica"/>
-                          <a:ea typeface="Helvetica"/>
-                          <a:cs typeface="Helvetica"/>
+                          <a:latin typeface="Times New Roman"/>
+                          <a:ea typeface="Times New Roman"/>
+                          <a:cs typeface="Times New Roman"/>
                         </a:rPr>
                         <a:t>5.3</a:t>
                       </a:r>
@@ -4488,9 +4488,9 @@
                               <a:alpha val="100000"/>
                             </a:srgbClr>
                           </a:solidFill>
-                          <a:latin typeface="Helvetica"/>
-                          <a:ea typeface="Helvetica"/>
-                          <a:cs typeface="Helvetica"/>
+                          <a:latin typeface="Times New Roman"/>
+                          <a:ea typeface="Times New Roman"/>
+                          <a:cs typeface="Times New Roman"/>
                         </a:rPr>
                         <a:t/>
                       </a:r>
@@ -4501,9 +4501,9 @@
                               <a:alpha val="100000"/>
                             </a:srgbClr>
                           </a:solidFill>
-                          <a:latin typeface="Helvetica"/>
-                          <a:ea typeface="Helvetica"/>
-                          <a:cs typeface="Helvetica"/>
+                          <a:latin typeface="Times New Roman"/>
+                          <a:ea typeface="Times New Roman"/>
+                          <a:cs typeface="Times New Roman"/>
                         </a:rPr>
                         <a:t>3.7</a:t>
                       </a:r>
@@ -4570,9 +4570,9 @@
                               <a:alpha val="100000"/>
                             </a:srgbClr>
                           </a:solidFill>
-                          <a:latin typeface="Helvetica"/>
-                          <a:ea typeface="Helvetica"/>
-                          <a:cs typeface="Helvetica"/>
+                          <a:latin typeface="Times New Roman"/>
+                          <a:ea typeface="Times New Roman"/>
+                          <a:cs typeface="Times New Roman"/>
                         </a:rPr>
                         <a:t/>
                       </a:r>
@@ -4583,9 +4583,9 @@
                               <a:alpha val="100000"/>
                             </a:srgbClr>
                           </a:solidFill>
-                          <a:latin typeface="Helvetica"/>
-                          <a:ea typeface="Helvetica"/>
-                          <a:cs typeface="Helvetica"/>
+                          <a:latin typeface="Times New Roman"/>
+                          <a:ea typeface="Times New Roman"/>
+                          <a:cs typeface="Times New Roman"/>
                         </a:rPr>
                         <a:t>1.5</a:t>
                       </a:r>
@@ -4652,9 +4652,9 @@
                               <a:alpha val="100000"/>
                             </a:srgbClr>
                           </a:solidFill>
-                          <a:latin typeface="Helvetica"/>
-                          <a:ea typeface="Helvetica"/>
-                          <a:cs typeface="Helvetica"/>
+                          <a:latin typeface="Times New Roman"/>
+                          <a:ea typeface="Times New Roman"/>
+                          <a:cs typeface="Times New Roman"/>
                         </a:rPr>
                         <a:t/>
                       </a:r>
@@ -4665,9 +4665,9 @@
                               <a:alpha val="100000"/>
                             </a:srgbClr>
                           </a:solidFill>
-                          <a:latin typeface="Helvetica"/>
-                          <a:ea typeface="Helvetica"/>
-                          <a:cs typeface="Helvetica"/>
+                          <a:latin typeface="Times New Roman"/>
+                          <a:ea typeface="Times New Roman"/>
+                          <a:cs typeface="Times New Roman"/>
                         </a:rPr>
                         <a:t>0.2</a:t>
                       </a:r>
@@ -4734,9 +4734,9 @@
                               <a:alpha val="100000"/>
                             </a:srgbClr>
                           </a:solidFill>
-                          <a:latin typeface="Helvetica"/>
-                          <a:ea typeface="Helvetica"/>
-                          <a:cs typeface="Helvetica"/>
+                          <a:latin typeface="Times New Roman"/>
+                          <a:ea typeface="Times New Roman"/>
+                          <a:cs typeface="Times New Roman"/>
                         </a:rPr>
                         <a:t/>
                       </a:r>
@@ -4747,9 +4747,9 @@
                               <a:alpha val="100000"/>
                             </a:srgbClr>
                           </a:solidFill>
-                          <a:latin typeface="Helvetica"/>
-                          <a:ea typeface="Helvetica"/>
-                          <a:cs typeface="Helvetica"/>
+                          <a:latin typeface="Times New Roman"/>
+                          <a:ea typeface="Times New Roman"/>
+                          <a:cs typeface="Times New Roman"/>
                         </a:rPr>
                         <a:t>setosa</a:t>
                       </a:r>
@@ -4818,9 +4818,9 @@
                               <a:alpha val="100000"/>
                             </a:srgbClr>
                           </a:solidFill>
-                          <a:latin typeface="Helvetica"/>
-                          <a:ea typeface="Helvetica"/>
-                          <a:cs typeface="Helvetica"/>
+                          <a:latin typeface="Times New Roman"/>
+                          <a:ea typeface="Times New Roman"/>
+                          <a:cs typeface="Times New Roman"/>
                         </a:rPr>
                         <a:t/>
                       </a:r>
@@ -4831,9 +4831,9 @@
                               <a:alpha val="100000"/>
                             </a:srgbClr>
                           </a:solidFill>
-                          <a:latin typeface="Helvetica"/>
-                          <a:ea typeface="Helvetica"/>
-                          <a:cs typeface="Helvetica"/>
+                          <a:latin typeface="Times New Roman"/>
+                          <a:ea typeface="Times New Roman"/>
+                          <a:cs typeface="Times New Roman"/>
                         </a:rPr>
                         <a:t>5.0</a:t>
                       </a:r>
@@ -4900,9 +4900,9 @@
                               <a:alpha val="100000"/>
                             </a:srgbClr>
                           </a:solidFill>
-                          <a:latin typeface="Helvetica"/>
-                          <a:ea typeface="Helvetica"/>
-                          <a:cs typeface="Helvetica"/>
+                          <a:latin typeface="Times New Roman"/>
+                          <a:ea typeface="Times New Roman"/>
+                          <a:cs typeface="Times New Roman"/>
                         </a:rPr>
                         <a:t/>
                       </a:r>
@@ -4913,9 +4913,9 @@
                               <a:alpha val="100000"/>
                             </a:srgbClr>
                           </a:solidFill>
-                          <a:latin typeface="Helvetica"/>
-                          <a:ea typeface="Helvetica"/>
-                          <a:cs typeface="Helvetica"/>
+                          <a:latin typeface="Times New Roman"/>
+                          <a:ea typeface="Times New Roman"/>
+                          <a:cs typeface="Times New Roman"/>
                         </a:rPr>
                         <a:t>3.3</a:t>
                       </a:r>
@@ -4982,9 +4982,9 @@
                               <a:alpha val="100000"/>
                             </a:srgbClr>
                           </a:solidFill>
-                          <a:latin typeface="Helvetica"/>
-                          <a:ea typeface="Helvetica"/>
-                          <a:cs typeface="Helvetica"/>
+                          <a:latin typeface="Times New Roman"/>
+                          <a:ea typeface="Times New Roman"/>
+                          <a:cs typeface="Times New Roman"/>
                         </a:rPr>
                         <a:t/>
                       </a:r>
@@ -4995,9 +4995,9 @@
                               <a:alpha val="100000"/>
                             </a:srgbClr>
                           </a:solidFill>
-                          <a:latin typeface="Helvetica"/>
-                          <a:ea typeface="Helvetica"/>
-                          <a:cs typeface="Helvetica"/>
+                          <a:latin typeface="Times New Roman"/>
+                          <a:ea typeface="Times New Roman"/>
+                          <a:cs typeface="Times New Roman"/>
                         </a:rPr>
                         <a:t>1.4</a:t>
                       </a:r>
@@ -5064,9 +5064,9 @@
                               <a:alpha val="100000"/>
                             </a:srgbClr>
                           </a:solidFill>
-                          <a:latin typeface="Helvetica"/>
-                          <a:ea typeface="Helvetica"/>
-                          <a:cs typeface="Helvetica"/>
+                          <a:latin typeface="Times New Roman"/>
+                          <a:ea typeface="Times New Roman"/>
+                          <a:cs typeface="Times New Roman"/>
                         </a:rPr>
                         <a:t/>
                       </a:r>
@@ -5077,9 +5077,9 @@
                               <a:alpha val="100000"/>
                             </a:srgbClr>
                           </a:solidFill>
-                          <a:latin typeface="Helvetica"/>
-                          <a:ea typeface="Helvetica"/>
-                          <a:cs typeface="Helvetica"/>
+                          <a:latin typeface="Times New Roman"/>
+                          <a:ea typeface="Times New Roman"/>
+                          <a:cs typeface="Times New Roman"/>
                         </a:rPr>
                         <a:t>0.2</a:t>
                       </a:r>
@@ -5146,9 +5146,9 @@
                               <a:alpha val="100000"/>
                             </a:srgbClr>
                           </a:solidFill>
-                          <a:latin typeface="Helvetica"/>
-                          <a:ea typeface="Helvetica"/>
-                          <a:cs typeface="Helvetica"/>
+                          <a:latin typeface="Times New Roman"/>
+                          <a:ea typeface="Times New Roman"/>
+                          <a:cs typeface="Times New Roman"/>
                         </a:rPr>
                         <a:t/>
                       </a:r>
@@ -5159,9 +5159,9 @@
                               <a:alpha val="100000"/>
                             </a:srgbClr>
                           </a:solidFill>
-                          <a:latin typeface="Helvetica"/>
-                          <a:ea typeface="Helvetica"/>
-                          <a:cs typeface="Helvetica"/>
+                          <a:latin typeface="Times New Roman"/>
+                          <a:ea typeface="Times New Roman"/>
+                          <a:cs typeface="Times New Roman"/>
                         </a:rPr>
                         <a:t>setosa</a:t>
                       </a:r>
@@ -5230,9 +5230,9 @@
                               <a:alpha val="100000"/>
                             </a:srgbClr>
                           </a:solidFill>
-                          <a:latin typeface="Helvetica"/>
-                          <a:ea typeface="Helvetica"/>
-                          <a:cs typeface="Helvetica"/>
+                          <a:latin typeface="Times New Roman"/>
+                          <a:ea typeface="Times New Roman"/>
+                          <a:cs typeface="Times New Roman"/>
                         </a:rPr>
                         <a:t/>
                       </a:r>
@@ -5243,9 +5243,9 @@
                               <a:alpha val="100000"/>
                             </a:srgbClr>
                           </a:solidFill>
-                          <a:latin typeface="Helvetica"/>
-                          <a:ea typeface="Helvetica"/>
-                          <a:cs typeface="Helvetica"/>
+                          <a:latin typeface="Times New Roman"/>
+                          <a:ea typeface="Times New Roman"/>
+                          <a:cs typeface="Times New Roman"/>
                         </a:rPr>
                         <a:t>7.0</a:t>
                       </a:r>
@@ -5312,9 +5312,9 @@
                               <a:alpha val="100000"/>
                             </a:srgbClr>
                           </a:solidFill>
-                          <a:latin typeface="Helvetica"/>
-                          <a:ea typeface="Helvetica"/>
-                          <a:cs typeface="Helvetica"/>
+                          <a:latin typeface="Times New Roman"/>
+                          <a:ea typeface="Times New Roman"/>
+                          <a:cs typeface="Times New Roman"/>
                         </a:rPr>
                         <a:t/>
                       </a:r>
@@ -5325,9 +5325,9 @@
                               <a:alpha val="100000"/>
                             </a:srgbClr>
                           </a:solidFill>
-                          <a:latin typeface="Helvetica"/>
-                          <a:ea typeface="Helvetica"/>
-                          <a:cs typeface="Helvetica"/>
+                          <a:latin typeface="Times New Roman"/>
+                          <a:ea typeface="Times New Roman"/>
+                          <a:cs typeface="Times New Roman"/>
                         </a:rPr>
                         <a:t>3.2</a:t>
                       </a:r>
@@ -5394,9 +5394,9 @@
                               <a:alpha val="100000"/>
                             </a:srgbClr>
                           </a:solidFill>
-                          <a:latin typeface="Helvetica"/>
-                          <a:ea typeface="Helvetica"/>
-                          <a:cs typeface="Helvetica"/>
+                          <a:latin typeface="Times New Roman"/>
+                          <a:ea typeface="Times New Roman"/>
+                          <a:cs typeface="Times New Roman"/>
                         </a:rPr>
                         <a:t/>
                       </a:r>
@@ -5407,9 +5407,9 @@
                               <a:alpha val="100000"/>
                             </a:srgbClr>
                           </a:solidFill>
-                          <a:latin typeface="Helvetica"/>
-                          <a:ea typeface="Helvetica"/>
-                          <a:cs typeface="Helvetica"/>
+                          <a:latin typeface="Times New Roman"/>
+                          <a:ea typeface="Times New Roman"/>
+                          <a:cs typeface="Times New Roman"/>
                         </a:rPr>
                         <a:t>4.7</a:t>
                       </a:r>
@@ -5476,9 +5476,9 @@
                               <a:alpha val="100000"/>
                             </a:srgbClr>
                           </a:solidFill>
-                          <a:latin typeface="Helvetica"/>
-                          <a:ea typeface="Helvetica"/>
-                          <a:cs typeface="Helvetica"/>
+                          <a:latin typeface="Times New Roman"/>
+                          <a:ea typeface="Times New Roman"/>
+                          <a:cs typeface="Times New Roman"/>
                         </a:rPr>
                         <a:t/>
                       </a:r>
@@ -5489,9 +5489,9 @@
                               <a:alpha val="100000"/>
                             </a:srgbClr>
                           </a:solidFill>
-                          <a:latin typeface="Helvetica"/>
-                          <a:ea typeface="Helvetica"/>
-                          <a:cs typeface="Helvetica"/>
+                          <a:latin typeface="Times New Roman"/>
+                          <a:ea typeface="Times New Roman"/>
+                          <a:cs typeface="Times New Roman"/>
                         </a:rPr>
                         <a:t>1.4</a:t>
                       </a:r>
@@ -5558,9 +5558,9 @@
                               <a:alpha val="100000"/>
                             </a:srgbClr>
                           </a:solidFill>
-                          <a:latin typeface="Helvetica"/>
-                          <a:ea typeface="Helvetica"/>
-                          <a:cs typeface="Helvetica"/>
+                          <a:latin typeface="Times New Roman"/>
+                          <a:ea typeface="Times New Roman"/>
+                          <a:cs typeface="Times New Roman"/>
                         </a:rPr>
                         <a:t/>
                       </a:r>
@@ -5571,9 +5571,9 @@
                               <a:alpha val="100000"/>
                             </a:srgbClr>
                           </a:solidFill>
-                          <a:latin typeface="Helvetica"/>
-                          <a:ea typeface="Helvetica"/>
-                          <a:cs typeface="Helvetica"/>
+                          <a:latin typeface="Times New Roman"/>
+                          <a:ea typeface="Times New Roman"/>
+                          <a:cs typeface="Times New Roman"/>
                         </a:rPr>
                         <a:t>versicolor</a:t>
                       </a:r>
@@ -5642,9 +5642,9 @@
                               <a:alpha val="100000"/>
                             </a:srgbClr>
                           </a:solidFill>
-                          <a:latin typeface="Helvetica"/>
-                          <a:ea typeface="Helvetica"/>
-                          <a:cs typeface="Helvetica"/>
+                          <a:latin typeface="Times New Roman"/>
+                          <a:ea typeface="Times New Roman"/>
+                          <a:cs typeface="Times New Roman"/>
                         </a:rPr>
                         <a:t/>
                       </a:r>
@@ -5655,9 +5655,9 @@
                               <a:alpha val="100000"/>
                             </a:srgbClr>
                           </a:solidFill>
-                          <a:latin typeface="Helvetica"/>
-                          <a:ea typeface="Helvetica"/>
-                          <a:cs typeface="Helvetica"/>
+                          <a:latin typeface="Times New Roman"/>
+                          <a:ea typeface="Times New Roman"/>
+                          <a:cs typeface="Times New Roman"/>
                         </a:rPr>
                         <a:t>6.4</a:t>
                       </a:r>
@@ -5724,9 +5724,9 @@
                               <a:alpha val="100000"/>
                             </a:srgbClr>
                           </a:solidFill>
-                          <a:latin typeface="Helvetica"/>
-                          <a:ea typeface="Helvetica"/>
-                          <a:cs typeface="Helvetica"/>
+                          <a:latin typeface="Times New Roman"/>
+                          <a:ea typeface="Times New Roman"/>
+                          <a:cs typeface="Times New Roman"/>
                         </a:rPr>
                         <a:t/>
                       </a:r>
@@ -5737,9 +5737,9 @@
                               <a:alpha val="100000"/>
                             </a:srgbClr>
                           </a:solidFill>
-                          <a:latin typeface="Helvetica"/>
-                          <a:ea typeface="Helvetica"/>
-                          <a:cs typeface="Helvetica"/>
+                          <a:latin typeface="Times New Roman"/>
+                          <a:ea typeface="Times New Roman"/>
+                          <a:cs typeface="Times New Roman"/>
                         </a:rPr>
                         <a:t>3.2</a:t>
                       </a:r>
@@ -5806,9 +5806,9 @@
                               <a:alpha val="100000"/>
                             </a:srgbClr>
                           </a:solidFill>
-                          <a:latin typeface="Helvetica"/>
-                          <a:ea typeface="Helvetica"/>
-                          <a:cs typeface="Helvetica"/>
+                          <a:latin typeface="Times New Roman"/>
+                          <a:ea typeface="Times New Roman"/>
+                          <a:cs typeface="Times New Roman"/>
                         </a:rPr>
                         <a:t/>
                       </a:r>
@@ -5819,9 +5819,9 @@
                               <a:alpha val="100000"/>
                             </a:srgbClr>
                           </a:solidFill>
-                          <a:latin typeface="Helvetica"/>
-                          <a:ea typeface="Helvetica"/>
-                          <a:cs typeface="Helvetica"/>
+                          <a:latin typeface="Times New Roman"/>
+                          <a:ea typeface="Times New Roman"/>
+                          <a:cs typeface="Times New Roman"/>
                         </a:rPr>
                         <a:t>4.5</a:t>
                       </a:r>
@@ -5888,9 +5888,9 @@
                               <a:alpha val="100000"/>
                             </a:srgbClr>
                           </a:solidFill>
-                          <a:latin typeface="Helvetica"/>
-                          <a:ea typeface="Helvetica"/>
-                          <a:cs typeface="Helvetica"/>
+                          <a:latin typeface="Times New Roman"/>
+                          <a:ea typeface="Times New Roman"/>
+                          <a:cs typeface="Times New Roman"/>
                         </a:rPr>
                         <a:t/>
                       </a:r>
@@ -5901,9 +5901,9 @@
                               <a:alpha val="100000"/>
                             </a:srgbClr>
                           </a:solidFill>
-                          <a:latin typeface="Helvetica"/>
-                          <a:ea typeface="Helvetica"/>
-                          <a:cs typeface="Helvetica"/>
+                          <a:latin typeface="Times New Roman"/>
+                          <a:ea typeface="Times New Roman"/>
+                          <a:cs typeface="Times New Roman"/>
                         </a:rPr>
                         <a:t>1.5</a:t>
                       </a:r>
@@ -5970,9 +5970,9 @@
                               <a:alpha val="100000"/>
                             </a:srgbClr>
                           </a:solidFill>
-                          <a:latin typeface="Helvetica"/>
-                          <a:ea typeface="Helvetica"/>
-                          <a:cs typeface="Helvetica"/>
+                          <a:latin typeface="Times New Roman"/>
+                          <a:ea typeface="Times New Roman"/>
+                          <a:cs typeface="Times New Roman"/>
                         </a:rPr>
                         <a:t/>
                       </a:r>
@@ -5983,9 +5983,9 @@
                               <a:alpha val="100000"/>
                             </a:srgbClr>
                           </a:solidFill>
-                          <a:latin typeface="Helvetica"/>
-                          <a:ea typeface="Helvetica"/>
-                          <a:cs typeface="Helvetica"/>
+                          <a:latin typeface="Times New Roman"/>
+                          <a:ea typeface="Times New Roman"/>
+                          <a:cs typeface="Times New Roman"/>
                         </a:rPr>
                         <a:t>versicolor</a:t>
                       </a:r>
@@ -6054,9 +6054,9 @@
                               <a:alpha val="100000"/>
                             </a:srgbClr>
                           </a:solidFill>
-                          <a:latin typeface="Helvetica"/>
-                          <a:ea typeface="Helvetica"/>
-                          <a:cs typeface="Helvetica"/>
+                          <a:latin typeface="Times New Roman"/>
+                          <a:ea typeface="Times New Roman"/>
+                          <a:cs typeface="Times New Roman"/>
                         </a:rPr>
                         <a:t/>
                       </a:r>
@@ -6067,9 +6067,9 @@
                               <a:alpha val="100000"/>
                             </a:srgbClr>
                           </a:solidFill>
-                          <a:latin typeface="Helvetica"/>
-                          <a:ea typeface="Helvetica"/>
-                          <a:cs typeface="Helvetica"/>
+                          <a:latin typeface="Times New Roman"/>
+                          <a:ea typeface="Times New Roman"/>
+                          <a:cs typeface="Times New Roman"/>
                         </a:rPr>
                         <a:t>6.9</a:t>
                       </a:r>
@@ -6136,9 +6136,9 @@
                               <a:alpha val="100000"/>
                             </a:srgbClr>
                           </a:solidFill>
-                          <a:latin typeface="Helvetica"/>
-                          <a:ea typeface="Helvetica"/>
-                          <a:cs typeface="Helvetica"/>
+                          <a:latin typeface="Times New Roman"/>
+                          <a:ea typeface="Times New Roman"/>
+                          <a:cs typeface="Times New Roman"/>
                         </a:rPr>
                         <a:t/>
                       </a:r>
@@ -6149,9 +6149,9 @@
                               <a:alpha val="100000"/>
                             </a:srgbClr>
                           </a:solidFill>
-                          <a:latin typeface="Helvetica"/>
-                          <a:ea typeface="Helvetica"/>
-                          <a:cs typeface="Helvetica"/>
+                          <a:latin typeface="Times New Roman"/>
+                          <a:ea typeface="Times New Roman"/>
+                          <a:cs typeface="Times New Roman"/>
                         </a:rPr>
                         <a:t>3.1</a:t>
                       </a:r>
@@ -6218,9 +6218,9 @@
                               <a:alpha val="100000"/>
                             </a:srgbClr>
                           </a:solidFill>
-                          <a:latin typeface="Helvetica"/>
-                          <a:ea typeface="Helvetica"/>
-                          <a:cs typeface="Helvetica"/>
+                          <a:latin typeface="Times New Roman"/>
+                          <a:ea typeface="Times New Roman"/>
+                          <a:cs typeface="Times New Roman"/>
                         </a:rPr>
                         <a:t/>
                       </a:r>
@@ -6231,9 +6231,9 @@
                               <a:alpha val="100000"/>
                             </a:srgbClr>
                           </a:solidFill>
-                          <a:latin typeface="Helvetica"/>
-                          <a:ea typeface="Helvetica"/>
-                          <a:cs typeface="Helvetica"/>
+                          <a:latin typeface="Times New Roman"/>
+                          <a:ea typeface="Times New Roman"/>
+                          <a:cs typeface="Times New Roman"/>
                         </a:rPr>
                         <a:t>4.9</a:t>
                       </a:r>
@@ -6300,9 +6300,9 @@
                               <a:alpha val="100000"/>
                             </a:srgbClr>
                           </a:solidFill>
-                          <a:latin typeface="Helvetica"/>
-                          <a:ea typeface="Helvetica"/>
-                          <a:cs typeface="Helvetica"/>
+                          <a:latin typeface="Times New Roman"/>
+                          <a:ea typeface="Times New Roman"/>
+                          <a:cs typeface="Times New Roman"/>
                         </a:rPr>
                         <a:t/>
                       </a:r>
@@ -6313,9 +6313,9 @@
                               <a:alpha val="100000"/>
                             </a:srgbClr>
                           </a:solidFill>
-                          <a:latin typeface="Helvetica"/>
-                          <a:ea typeface="Helvetica"/>
-                          <a:cs typeface="Helvetica"/>
+                          <a:latin typeface="Times New Roman"/>
+                          <a:ea typeface="Times New Roman"/>
+                          <a:cs typeface="Times New Roman"/>
                         </a:rPr>
                         <a:t>1.5</a:t>
                       </a:r>
@@ -6382,9 +6382,9 @@
                               <a:alpha val="100000"/>
                             </a:srgbClr>
                           </a:solidFill>
-                          <a:latin typeface="Helvetica"/>
-                          <a:ea typeface="Helvetica"/>
-                          <a:cs typeface="Helvetica"/>
+                          <a:latin typeface="Times New Roman"/>
+                          <a:ea typeface="Times New Roman"/>
+                          <a:cs typeface="Times New Roman"/>
                         </a:rPr>
                         <a:t/>
                       </a:r>
@@ -6395,9 +6395,9 @@
                               <a:alpha val="100000"/>
                             </a:srgbClr>
                           </a:solidFill>
-                          <a:latin typeface="Helvetica"/>
-                          <a:ea typeface="Helvetica"/>
-                          <a:cs typeface="Helvetica"/>
+                          <a:latin typeface="Times New Roman"/>
+                          <a:ea typeface="Times New Roman"/>
+                          <a:cs typeface="Times New Roman"/>
                         </a:rPr>
                         <a:t>versicolor</a:t>
                       </a:r>
@@ -6466,9 +6466,9 @@
                               <a:alpha val="100000"/>
                             </a:srgbClr>
                           </a:solidFill>
-                          <a:latin typeface="Helvetica"/>
-                          <a:ea typeface="Helvetica"/>
-                          <a:cs typeface="Helvetica"/>
+                          <a:latin typeface="Times New Roman"/>
+                          <a:ea typeface="Times New Roman"/>
+                          <a:cs typeface="Times New Roman"/>
                         </a:rPr>
                         <a:t/>
                       </a:r>
@@ -6479,9 +6479,9 @@
                               <a:alpha val="100000"/>
                             </a:srgbClr>
                           </a:solidFill>
-                          <a:latin typeface="Helvetica"/>
-                          <a:ea typeface="Helvetica"/>
-                          <a:cs typeface="Helvetica"/>
+                          <a:latin typeface="Times New Roman"/>
+                          <a:ea typeface="Times New Roman"/>
+                          <a:cs typeface="Times New Roman"/>
                         </a:rPr>
                         <a:t>5.5</a:t>
                       </a:r>
@@ -6548,9 +6548,9 @@
                               <a:alpha val="100000"/>
                             </a:srgbClr>
                           </a:solidFill>
-                          <a:latin typeface="Helvetica"/>
-                          <a:ea typeface="Helvetica"/>
-                          <a:cs typeface="Helvetica"/>
+                          <a:latin typeface="Times New Roman"/>
+                          <a:ea typeface="Times New Roman"/>
+                          <a:cs typeface="Times New Roman"/>
                         </a:rPr>
                         <a:t/>
                       </a:r>
@@ -6561,9 +6561,9 @@
                               <a:alpha val="100000"/>
                             </a:srgbClr>
                           </a:solidFill>
-                          <a:latin typeface="Helvetica"/>
-                          <a:ea typeface="Helvetica"/>
-                          <a:cs typeface="Helvetica"/>
+                          <a:latin typeface="Times New Roman"/>
+                          <a:ea typeface="Times New Roman"/>
+                          <a:cs typeface="Times New Roman"/>
                         </a:rPr>
                         <a:t>2.3</a:t>
                       </a:r>
@@ -6630,9 +6630,9 @@
                               <a:alpha val="100000"/>
                             </a:srgbClr>
                           </a:solidFill>
-                          <a:latin typeface="Helvetica"/>
-                          <a:ea typeface="Helvetica"/>
-                          <a:cs typeface="Helvetica"/>
+                          <a:latin typeface="Times New Roman"/>
+                          <a:ea typeface="Times New Roman"/>
+                          <a:cs typeface="Times New Roman"/>
                         </a:rPr>
                         <a:t/>
                       </a:r>
@@ -6643,9 +6643,9 @@
                               <a:alpha val="100000"/>
                             </a:srgbClr>
                           </a:solidFill>
-                          <a:latin typeface="Helvetica"/>
-                          <a:ea typeface="Helvetica"/>
-                          <a:cs typeface="Helvetica"/>
+                          <a:latin typeface="Times New Roman"/>
+                          <a:ea typeface="Times New Roman"/>
+                          <a:cs typeface="Times New Roman"/>
                         </a:rPr>
                         <a:t>4.0</a:t>
                       </a:r>
@@ -6712,9 +6712,9 @@
                               <a:alpha val="100000"/>
                             </a:srgbClr>
                           </a:solidFill>
-                          <a:latin typeface="Helvetica"/>
-                          <a:ea typeface="Helvetica"/>
-                          <a:cs typeface="Helvetica"/>
+                          <a:latin typeface="Times New Roman"/>
+                          <a:ea typeface="Times New Roman"/>
+                          <a:cs typeface="Times New Roman"/>
                         </a:rPr>
                         <a:t/>
                       </a:r>
@@ -6725,9 +6725,9 @@
                               <a:alpha val="100000"/>
                             </a:srgbClr>
                           </a:solidFill>
-                          <a:latin typeface="Helvetica"/>
-                          <a:ea typeface="Helvetica"/>
-                          <a:cs typeface="Helvetica"/>
+                          <a:latin typeface="Times New Roman"/>
+                          <a:ea typeface="Times New Roman"/>
+                          <a:cs typeface="Times New Roman"/>
                         </a:rPr>
                         <a:t>1.3</a:t>
                       </a:r>
@@ -6794,9 +6794,9 @@
                               <a:alpha val="100000"/>
                             </a:srgbClr>
                           </a:solidFill>
-                          <a:latin typeface="Helvetica"/>
-                          <a:ea typeface="Helvetica"/>
-                          <a:cs typeface="Helvetica"/>
+                          <a:latin typeface="Times New Roman"/>
+                          <a:ea typeface="Times New Roman"/>
+                          <a:cs typeface="Times New Roman"/>
                         </a:rPr>
                         <a:t/>
                       </a:r>
@@ -6807,9 +6807,9 @@
                               <a:alpha val="100000"/>
                             </a:srgbClr>
                           </a:solidFill>
-                          <a:latin typeface="Helvetica"/>
-                          <a:ea typeface="Helvetica"/>
-                          <a:cs typeface="Helvetica"/>
+                          <a:latin typeface="Times New Roman"/>
+                          <a:ea typeface="Times New Roman"/>
+                          <a:cs typeface="Times New Roman"/>
                         </a:rPr>
                         <a:t>versicolor</a:t>
                       </a:r>
@@ -6878,9 +6878,9 @@
                               <a:alpha val="100000"/>
                             </a:srgbClr>
                           </a:solidFill>
-                          <a:latin typeface="Helvetica"/>
-                          <a:ea typeface="Helvetica"/>
-                          <a:cs typeface="Helvetica"/>
+                          <a:latin typeface="Times New Roman"/>
+                          <a:ea typeface="Times New Roman"/>
+                          <a:cs typeface="Times New Roman"/>
                         </a:rPr>
                         <a:t/>
                       </a:r>
@@ -6891,9 +6891,9 @@
                               <a:alpha val="100000"/>
                             </a:srgbClr>
                           </a:solidFill>
-                          <a:latin typeface="Helvetica"/>
-                          <a:ea typeface="Helvetica"/>
-                          <a:cs typeface="Helvetica"/>
+                          <a:latin typeface="Times New Roman"/>
+                          <a:ea typeface="Times New Roman"/>
+                          <a:cs typeface="Times New Roman"/>
                         </a:rPr>
                         <a:t>6.5</a:t>
                       </a:r>
@@ -6960,9 +6960,9 @@
                               <a:alpha val="100000"/>
                             </a:srgbClr>
                           </a:solidFill>
-                          <a:latin typeface="Helvetica"/>
-                          <a:ea typeface="Helvetica"/>
-                          <a:cs typeface="Helvetica"/>
+                          <a:latin typeface="Times New Roman"/>
+                          <a:ea typeface="Times New Roman"/>
+                          <a:cs typeface="Times New Roman"/>
                         </a:rPr>
                         <a:t/>
                       </a:r>
@@ -6973,9 +6973,9 @@
                               <a:alpha val="100000"/>
                             </a:srgbClr>
                           </a:solidFill>
-                          <a:latin typeface="Helvetica"/>
-                          <a:ea typeface="Helvetica"/>
-                          <a:cs typeface="Helvetica"/>
+                          <a:latin typeface="Times New Roman"/>
+                          <a:ea typeface="Times New Roman"/>
+                          <a:cs typeface="Times New Roman"/>
                         </a:rPr>
                         <a:t>2.8</a:t>
                       </a:r>
@@ -7042,9 +7042,9 @@
                               <a:alpha val="100000"/>
                             </a:srgbClr>
                           </a:solidFill>
-                          <a:latin typeface="Helvetica"/>
-                          <a:ea typeface="Helvetica"/>
-                          <a:cs typeface="Helvetica"/>
+                          <a:latin typeface="Times New Roman"/>
+                          <a:ea typeface="Times New Roman"/>
+                          <a:cs typeface="Times New Roman"/>
                         </a:rPr>
                         <a:t/>
                       </a:r>
@@ -7055,9 +7055,9 @@
                               <a:alpha val="100000"/>
                             </a:srgbClr>
                           </a:solidFill>
-                          <a:latin typeface="Helvetica"/>
-                          <a:ea typeface="Helvetica"/>
-                          <a:cs typeface="Helvetica"/>
+                          <a:latin typeface="Times New Roman"/>
+                          <a:ea typeface="Times New Roman"/>
+                          <a:cs typeface="Times New Roman"/>
                         </a:rPr>
                         <a:t>4.6</a:t>
                       </a:r>
@@ -7124,9 +7124,9 @@
                               <a:alpha val="100000"/>
                             </a:srgbClr>
                           </a:solidFill>
-                          <a:latin typeface="Helvetica"/>
-                          <a:ea typeface="Helvetica"/>
-                          <a:cs typeface="Helvetica"/>
+                          <a:latin typeface="Times New Roman"/>
+                          <a:ea typeface="Times New Roman"/>
+                          <a:cs typeface="Times New Roman"/>
                         </a:rPr>
                         <a:t/>
                       </a:r>
@@ -7137,9 +7137,9 @@
                               <a:alpha val="100000"/>
                             </a:srgbClr>
                           </a:solidFill>
-                          <a:latin typeface="Helvetica"/>
-                          <a:ea typeface="Helvetica"/>
-                          <a:cs typeface="Helvetica"/>
+                          <a:latin typeface="Times New Roman"/>
+                          <a:ea typeface="Times New Roman"/>
+                          <a:cs typeface="Times New Roman"/>
                         </a:rPr>
                         <a:t>1.5</a:t>
                       </a:r>
@@ -7206,9 +7206,9 @@
                               <a:alpha val="100000"/>
                             </a:srgbClr>
                           </a:solidFill>
-                          <a:latin typeface="Helvetica"/>
-                          <a:ea typeface="Helvetica"/>
-                          <a:cs typeface="Helvetica"/>
+                          <a:latin typeface="Times New Roman"/>
+                          <a:ea typeface="Times New Roman"/>
+                          <a:cs typeface="Times New Roman"/>
                         </a:rPr>
                         <a:t/>
                       </a:r>
@@ -7219,9 +7219,9 @@
                               <a:alpha val="100000"/>
                             </a:srgbClr>
                           </a:solidFill>
-                          <a:latin typeface="Helvetica"/>
-                          <a:ea typeface="Helvetica"/>
-                          <a:cs typeface="Helvetica"/>
+                          <a:latin typeface="Times New Roman"/>
+                          <a:ea typeface="Times New Roman"/>
+                          <a:cs typeface="Times New Roman"/>
                         </a:rPr>
                         <a:t>versicolor</a:t>
                       </a:r>

--- a/docs/articles/header_rot.pptx
+++ b/docs/articles/header_rot.pptx
@@ -1,11 +1,11 @@
 
 <file path=ppt/presentation.xml><?xml version="1.0" encoding="utf-8"?>
-<p:presentation xmlns:a="http://schemas.openxmlformats.org/drawingml/2006/main" xmlns:r="http://schemas.openxmlformats.org/officeDocument/2006/relationships" xmlns:p="http://schemas.openxmlformats.org/presentationml/2006/main" xmlns:mc="http://schemas.openxmlformats.org/markup-compatibility/2006" xmlns:c="http://schemas.openxmlformats.org/drawingml/2006/chart" xmlns:ns6="http://schemas.openxmlformats.org/drawingml/2006/chartDrawing" xmlns:dgm="http://schemas.openxmlformats.org/drawingml/2006/diagram" xmlns:pic="http://schemas.openxmlformats.org/drawingml/2006/picture" xmlns:wp="http://schemas.openxmlformats.org/drawingml/2006/wordprocessingDrawing" xmlns:xdr="http://schemas.openxmlformats.org/drawingml/2006/spreadsheetDrawing" xmlns:ns11="http://schemas.openxmlformats.org/drawingml/2006/compatibility" xmlns:ns12="http://schemas.openxmlformats.org/drawingml/2006/lockedCanvas" saveSubsetFonts="true">
+<p:presentation xmlns:r="http://schemas.openxmlformats.org/officeDocument/2006/relationships" xmlns:a="http://schemas.openxmlformats.org/drawingml/2006/main" xmlns:p="http://schemas.openxmlformats.org/presentationml/2006/main" xmlns:mc="http://schemas.openxmlformats.org/markup-compatibility/2006" xmlns:c="http://schemas.openxmlformats.org/drawingml/2006/chart" xmlns:ns6="http://schemas.openxmlformats.org/drawingml/2006/chartDrawing" xmlns:dgm="http://schemas.openxmlformats.org/drawingml/2006/diagram" xmlns:pic="http://schemas.openxmlformats.org/drawingml/2006/picture" xmlns:wp="http://schemas.openxmlformats.org/drawingml/2006/wordprocessingDrawing" xmlns:xdr="http://schemas.openxmlformats.org/drawingml/2006/spreadsheetDrawing" xmlns:ns11="http://schemas.openxmlformats.org/drawingml/2006/compatibility" xmlns:ns12="http://schemas.openxmlformats.org/drawingml/2006/lockedCanvas" saveSubsetFonts="true">
   <p:sldMasterIdLst>
     <p:sldMasterId id="2147483648" r:id="rId1"/>
   </p:sldMasterIdLst>
   <p:sldIdLst>
-    <p:sldId id="180868151" r:id="rId6"/>
+    <p:sldId id="2144364921" r:id="rId6"/>
   </p:sldIdLst>
   <p:sldSz cx="12192000" cy="6858000"/>
   <p:notesSz cx="6858000" cy="9144000"/>
@@ -113,7 +113,7 @@
 </file>
 
 <file path=ppt/slideLayouts/slideLayout1.xml><?xml version="1.0" encoding="utf-8"?>
-<p:sldLayout xmlns:a="http://schemas.openxmlformats.org/drawingml/2006/main" xmlns:r="http://schemas.openxmlformats.org/officeDocument/2006/relationships" xmlns:p="http://schemas.openxmlformats.org/presentationml/2006/main" xmlns:mc="http://schemas.openxmlformats.org/markup-compatibility/2006" xmlns:c="http://schemas.openxmlformats.org/drawingml/2006/chart" xmlns:ns6="http://schemas.openxmlformats.org/drawingml/2006/chartDrawing" xmlns:dgm="http://schemas.openxmlformats.org/drawingml/2006/diagram" xmlns:pic="http://schemas.openxmlformats.org/drawingml/2006/picture" xmlns:wp="http://schemas.openxmlformats.org/drawingml/2006/wordprocessingDrawing" xmlns:xdr="http://schemas.openxmlformats.org/drawingml/2006/spreadsheetDrawing" xmlns:ns11="http://schemas.openxmlformats.org/drawingml/2006/compatibility" xmlns:ns12="http://schemas.openxmlformats.org/drawingml/2006/lockedCanvas" type="title" preserve="true">
+<p:sldLayout xmlns:r="http://schemas.openxmlformats.org/officeDocument/2006/relationships" xmlns:a="http://schemas.openxmlformats.org/drawingml/2006/main" xmlns:p="http://schemas.openxmlformats.org/presentationml/2006/main" xmlns:mc="http://schemas.openxmlformats.org/markup-compatibility/2006" xmlns:c="http://schemas.openxmlformats.org/drawingml/2006/chart" xmlns:ns6="http://schemas.openxmlformats.org/drawingml/2006/chartDrawing" xmlns:dgm="http://schemas.openxmlformats.org/drawingml/2006/diagram" xmlns:pic="http://schemas.openxmlformats.org/drawingml/2006/picture" xmlns:wp="http://schemas.openxmlformats.org/drawingml/2006/wordprocessingDrawing" xmlns:xdr="http://schemas.openxmlformats.org/drawingml/2006/spreadsheetDrawing" xmlns:ns11="http://schemas.openxmlformats.org/drawingml/2006/compatibility" xmlns:ns12="http://schemas.openxmlformats.org/drawingml/2006/lockedCanvas" type="title" preserve="true">
   <p:cSld name="Title Slide">
     <p:spTree>
       <p:nvGrpSpPr>
@@ -312,7 +312,7 @@
 </file>
 
 <file path=ppt/slideLayouts/slideLayout10.xml><?xml version="1.0" encoding="utf-8"?>
-<p:sldLayout xmlns:a="http://schemas.openxmlformats.org/drawingml/2006/main" xmlns:r="http://schemas.openxmlformats.org/officeDocument/2006/relationships" xmlns:p="http://schemas.openxmlformats.org/presentationml/2006/main" xmlns:mc="http://schemas.openxmlformats.org/markup-compatibility/2006" xmlns:c="http://schemas.openxmlformats.org/drawingml/2006/chart" xmlns:ns6="http://schemas.openxmlformats.org/drawingml/2006/chartDrawing" xmlns:dgm="http://schemas.openxmlformats.org/drawingml/2006/diagram" xmlns:pic="http://schemas.openxmlformats.org/drawingml/2006/picture" xmlns:wp="http://schemas.openxmlformats.org/drawingml/2006/wordprocessingDrawing" xmlns:xdr="http://schemas.openxmlformats.org/drawingml/2006/spreadsheetDrawing" xmlns:ns11="http://schemas.openxmlformats.org/drawingml/2006/compatibility" xmlns:ns12="http://schemas.openxmlformats.org/drawingml/2006/lockedCanvas" type="vertTitleAndTx" preserve="true">
+<p:sldLayout xmlns:r="http://schemas.openxmlformats.org/officeDocument/2006/relationships" xmlns:a="http://schemas.openxmlformats.org/drawingml/2006/main" xmlns:p="http://schemas.openxmlformats.org/presentationml/2006/main" xmlns:mc="http://schemas.openxmlformats.org/markup-compatibility/2006" xmlns:c="http://schemas.openxmlformats.org/drawingml/2006/chart" xmlns:ns6="http://schemas.openxmlformats.org/drawingml/2006/chartDrawing" xmlns:dgm="http://schemas.openxmlformats.org/drawingml/2006/diagram" xmlns:pic="http://schemas.openxmlformats.org/drawingml/2006/picture" xmlns:wp="http://schemas.openxmlformats.org/drawingml/2006/wordprocessingDrawing" xmlns:xdr="http://schemas.openxmlformats.org/drawingml/2006/spreadsheetDrawing" xmlns:ns11="http://schemas.openxmlformats.org/drawingml/2006/compatibility" xmlns:ns12="http://schemas.openxmlformats.org/drawingml/2006/lockedCanvas" type="vertTitleAndTx" preserve="true">
   <p:cSld name="Vertical Title and Text">
     <p:spTree>
       <p:nvGrpSpPr>
@@ -499,7 +499,7 @@
 </file>
 
 <file path=ppt/slideLayouts/slideLayout2.xml><?xml version="1.0" encoding="utf-8"?>
-<p:sldLayout xmlns:a="http://schemas.openxmlformats.org/drawingml/2006/main" xmlns:r="http://schemas.openxmlformats.org/officeDocument/2006/relationships" xmlns:p="http://schemas.openxmlformats.org/presentationml/2006/main" xmlns:mc="http://schemas.openxmlformats.org/markup-compatibility/2006" xmlns:c="http://schemas.openxmlformats.org/drawingml/2006/chart" xmlns:ns6="http://schemas.openxmlformats.org/drawingml/2006/chartDrawing" xmlns:dgm="http://schemas.openxmlformats.org/drawingml/2006/diagram" xmlns:pic="http://schemas.openxmlformats.org/drawingml/2006/picture" xmlns:wp="http://schemas.openxmlformats.org/drawingml/2006/wordprocessingDrawing" xmlns:xdr="http://schemas.openxmlformats.org/drawingml/2006/spreadsheetDrawing" xmlns:ns11="http://schemas.openxmlformats.org/drawingml/2006/compatibility" xmlns:ns12="http://schemas.openxmlformats.org/drawingml/2006/lockedCanvas" type="obj" preserve="true">
+<p:sldLayout xmlns:r="http://schemas.openxmlformats.org/officeDocument/2006/relationships" xmlns:a="http://schemas.openxmlformats.org/drawingml/2006/main" xmlns:p="http://schemas.openxmlformats.org/presentationml/2006/main" xmlns:mc="http://schemas.openxmlformats.org/markup-compatibility/2006" xmlns:c="http://schemas.openxmlformats.org/drawingml/2006/chart" xmlns:ns6="http://schemas.openxmlformats.org/drawingml/2006/chartDrawing" xmlns:dgm="http://schemas.openxmlformats.org/drawingml/2006/diagram" xmlns:pic="http://schemas.openxmlformats.org/drawingml/2006/picture" xmlns:wp="http://schemas.openxmlformats.org/drawingml/2006/wordprocessingDrawing" xmlns:xdr="http://schemas.openxmlformats.org/drawingml/2006/spreadsheetDrawing" xmlns:ns11="http://schemas.openxmlformats.org/drawingml/2006/compatibility" xmlns:ns12="http://schemas.openxmlformats.org/drawingml/2006/lockedCanvas" type="obj" preserve="true">
   <p:cSld name="Title and Content">
     <p:spTree>
       <p:nvGrpSpPr>
@@ -681,7 +681,7 @@
 </file>
 
 <file path=ppt/slideLayouts/slideLayout3.xml><?xml version="1.0" encoding="utf-8"?>
-<p:sldLayout xmlns:a="http://schemas.openxmlformats.org/drawingml/2006/main" xmlns:r="http://schemas.openxmlformats.org/officeDocument/2006/relationships" xmlns:p="http://schemas.openxmlformats.org/presentationml/2006/main" xmlns:mc="http://schemas.openxmlformats.org/markup-compatibility/2006" xmlns:c="http://schemas.openxmlformats.org/drawingml/2006/chart" xmlns:ns6="http://schemas.openxmlformats.org/drawingml/2006/chartDrawing" xmlns:dgm="http://schemas.openxmlformats.org/drawingml/2006/diagram" xmlns:pic="http://schemas.openxmlformats.org/drawingml/2006/picture" xmlns:wp="http://schemas.openxmlformats.org/drawingml/2006/wordprocessingDrawing" xmlns:xdr="http://schemas.openxmlformats.org/drawingml/2006/spreadsheetDrawing" xmlns:ns11="http://schemas.openxmlformats.org/drawingml/2006/compatibility" xmlns:ns12="http://schemas.openxmlformats.org/drawingml/2006/lockedCanvas" type="secHead" preserve="true">
+<p:sldLayout xmlns:r="http://schemas.openxmlformats.org/officeDocument/2006/relationships" xmlns:a="http://schemas.openxmlformats.org/drawingml/2006/main" xmlns:p="http://schemas.openxmlformats.org/presentationml/2006/main" xmlns:mc="http://schemas.openxmlformats.org/markup-compatibility/2006" xmlns:c="http://schemas.openxmlformats.org/drawingml/2006/chart" xmlns:ns6="http://schemas.openxmlformats.org/drawingml/2006/chartDrawing" xmlns:dgm="http://schemas.openxmlformats.org/drawingml/2006/diagram" xmlns:pic="http://schemas.openxmlformats.org/drawingml/2006/picture" xmlns:wp="http://schemas.openxmlformats.org/drawingml/2006/wordprocessingDrawing" xmlns:xdr="http://schemas.openxmlformats.org/drawingml/2006/spreadsheetDrawing" xmlns:ns11="http://schemas.openxmlformats.org/drawingml/2006/compatibility" xmlns:ns12="http://schemas.openxmlformats.org/drawingml/2006/lockedCanvas" type="secHead" preserve="true">
   <p:cSld name="Section Header">
     <p:spTree>
       <p:nvGrpSpPr>
@@ -934,7 +934,7 @@
 </file>
 
 <file path=ppt/slideLayouts/slideLayout4.xml><?xml version="1.0" encoding="utf-8"?>
-<p:sldLayout xmlns:a="http://schemas.openxmlformats.org/drawingml/2006/main" xmlns:r="http://schemas.openxmlformats.org/officeDocument/2006/relationships" xmlns:p="http://schemas.openxmlformats.org/presentationml/2006/main" xmlns:mc="http://schemas.openxmlformats.org/markup-compatibility/2006" xmlns:c="http://schemas.openxmlformats.org/drawingml/2006/chart" xmlns:ns6="http://schemas.openxmlformats.org/drawingml/2006/chartDrawing" xmlns:dgm="http://schemas.openxmlformats.org/drawingml/2006/diagram" xmlns:pic="http://schemas.openxmlformats.org/drawingml/2006/picture" xmlns:wp="http://schemas.openxmlformats.org/drawingml/2006/wordprocessingDrawing" xmlns:xdr="http://schemas.openxmlformats.org/drawingml/2006/spreadsheetDrawing" xmlns:ns11="http://schemas.openxmlformats.org/drawingml/2006/compatibility" xmlns:ns12="http://schemas.openxmlformats.org/drawingml/2006/lockedCanvas" type="twoObj" preserve="true">
+<p:sldLayout xmlns:r="http://schemas.openxmlformats.org/officeDocument/2006/relationships" xmlns:a="http://schemas.openxmlformats.org/drawingml/2006/main" xmlns:p="http://schemas.openxmlformats.org/presentationml/2006/main" xmlns:mc="http://schemas.openxmlformats.org/markup-compatibility/2006" xmlns:c="http://schemas.openxmlformats.org/drawingml/2006/chart" xmlns:ns6="http://schemas.openxmlformats.org/drawingml/2006/chartDrawing" xmlns:dgm="http://schemas.openxmlformats.org/drawingml/2006/diagram" xmlns:pic="http://schemas.openxmlformats.org/drawingml/2006/picture" xmlns:wp="http://schemas.openxmlformats.org/drawingml/2006/wordprocessingDrawing" xmlns:xdr="http://schemas.openxmlformats.org/drawingml/2006/spreadsheetDrawing" xmlns:ns11="http://schemas.openxmlformats.org/drawingml/2006/compatibility" xmlns:ns12="http://schemas.openxmlformats.org/drawingml/2006/lockedCanvas" type="twoObj" preserve="true">
   <p:cSld name="Two Content">
     <p:spTree>
       <p:nvGrpSpPr>
@@ -1173,7 +1173,7 @@
 </file>
 
 <file path=ppt/slideLayouts/slideLayout5.xml><?xml version="1.0" encoding="utf-8"?>
-<p:sldLayout xmlns:a="http://schemas.openxmlformats.org/drawingml/2006/main" xmlns:r="http://schemas.openxmlformats.org/officeDocument/2006/relationships" xmlns:p="http://schemas.openxmlformats.org/presentationml/2006/main" xmlns:mc="http://schemas.openxmlformats.org/markup-compatibility/2006" xmlns:c="http://schemas.openxmlformats.org/drawingml/2006/chart" xmlns:ns6="http://schemas.openxmlformats.org/drawingml/2006/chartDrawing" xmlns:dgm="http://schemas.openxmlformats.org/drawingml/2006/diagram" xmlns:pic="http://schemas.openxmlformats.org/drawingml/2006/picture" xmlns:wp="http://schemas.openxmlformats.org/drawingml/2006/wordprocessingDrawing" xmlns:xdr="http://schemas.openxmlformats.org/drawingml/2006/spreadsheetDrawing" xmlns:ns11="http://schemas.openxmlformats.org/drawingml/2006/compatibility" xmlns:ns12="http://schemas.openxmlformats.org/drawingml/2006/lockedCanvas" type="twoTxTwoObj" preserve="true">
+<p:sldLayout xmlns:r="http://schemas.openxmlformats.org/officeDocument/2006/relationships" xmlns:a="http://schemas.openxmlformats.org/drawingml/2006/main" xmlns:p="http://schemas.openxmlformats.org/presentationml/2006/main" xmlns:mc="http://schemas.openxmlformats.org/markup-compatibility/2006" xmlns:c="http://schemas.openxmlformats.org/drawingml/2006/chart" xmlns:ns6="http://schemas.openxmlformats.org/drawingml/2006/chartDrawing" xmlns:dgm="http://schemas.openxmlformats.org/drawingml/2006/diagram" xmlns:pic="http://schemas.openxmlformats.org/drawingml/2006/picture" xmlns:wp="http://schemas.openxmlformats.org/drawingml/2006/wordprocessingDrawing" xmlns:xdr="http://schemas.openxmlformats.org/drawingml/2006/spreadsheetDrawing" xmlns:ns11="http://schemas.openxmlformats.org/drawingml/2006/compatibility" xmlns:ns12="http://schemas.openxmlformats.org/drawingml/2006/lockedCanvas" type="twoTxTwoObj" preserve="true">
   <p:cSld name="Comparison">
     <p:spTree>
       <p:nvGrpSpPr>
@@ -1528,7 +1528,7 @@
 </file>
 
 <file path=ppt/slideLayouts/slideLayout6.xml><?xml version="1.0" encoding="utf-8"?>
-<p:sldLayout xmlns:a="http://schemas.openxmlformats.org/drawingml/2006/main" xmlns:r="http://schemas.openxmlformats.org/officeDocument/2006/relationships" xmlns:p="http://schemas.openxmlformats.org/presentationml/2006/main" xmlns:mc="http://schemas.openxmlformats.org/markup-compatibility/2006" xmlns:c="http://schemas.openxmlformats.org/drawingml/2006/chart" xmlns:ns6="http://schemas.openxmlformats.org/drawingml/2006/chartDrawing" xmlns:dgm="http://schemas.openxmlformats.org/drawingml/2006/diagram" xmlns:pic="http://schemas.openxmlformats.org/drawingml/2006/picture" xmlns:wp="http://schemas.openxmlformats.org/drawingml/2006/wordprocessingDrawing" xmlns:xdr="http://schemas.openxmlformats.org/drawingml/2006/spreadsheetDrawing" xmlns:ns11="http://schemas.openxmlformats.org/drawingml/2006/compatibility" xmlns:ns12="http://schemas.openxmlformats.org/drawingml/2006/lockedCanvas" type="titleOnly" preserve="true">
+<p:sldLayout xmlns:r="http://schemas.openxmlformats.org/officeDocument/2006/relationships" xmlns:a="http://schemas.openxmlformats.org/drawingml/2006/main" xmlns:p="http://schemas.openxmlformats.org/presentationml/2006/main" xmlns:mc="http://schemas.openxmlformats.org/markup-compatibility/2006" xmlns:c="http://schemas.openxmlformats.org/drawingml/2006/chart" xmlns:ns6="http://schemas.openxmlformats.org/drawingml/2006/chartDrawing" xmlns:dgm="http://schemas.openxmlformats.org/drawingml/2006/diagram" xmlns:pic="http://schemas.openxmlformats.org/drawingml/2006/picture" xmlns:wp="http://schemas.openxmlformats.org/drawingml/2006/wordprocessingDrawing" xmlns:xdr="http://schemas.openxmlformats.org/drawingml/2006/spreadsheetDrawing" xmlns:ns11="http://schemas.openxmlformats.org/drawingml/2006/compatibility" xmlns:ns12="http://schemas.openxmlformats.org/drawingml/2006/lockedCanvas" type="titleOnly" preserve="true">
   <p:cSld name="Title Only">
     <p:spTree>
       <p:nvGrpSpPr>
@@ -1653,7 +1653,7 @@
 </file>
 
 <file path=ppt/slideLayouts/slideLayout7.xml><?xml version="1.0" encoding="utf-8"?>
-<p:sldLayout xmlns:a="http://schemas.openxmlformats.org/drawingml/2006/main" xmlns:r="http://schemas.openxmlformats.org/officeDocument/2006/relationships" xmlns:p="http://schemas.openxmlformats.org/presentationml/2006/main" xmlns:mc="http://schemas.openxmlformats.org/markup-compatibility/2006" xmlns:c="http://schemas.openxmlformats.org/drawingml/2006/chart" xmlns:ns6="http://schemas.openxmlformats.org/drawingml/2006/chartDrawing" xmlns:dgm="http://schemas.openxmlformats.org/drawingml/2006/diagram" xmlns:pic="http://schemas.openxmlformats.org/drawingml/2006/picture" xmlns:wp="http://schemas.openxmlformats.org/drawingml/2006/wordprocessingDrawing" xmlns:xdr="http://schemas.openxmlformats.org/drawingml/2006/spreadsheetDrawing" xmlns:ns11="http://schemas.openxmlformats.org/drawingml/2006/compatibility" xmlns:ns12="http://schemas.openxmlformats.org/drawingml/2006/lockedCanvas" type="blank" preserve="true">
+<p:sldLayout xmlns:r="http://schemas.openxmlformats.org/officeDocument/2006/relationships" xmlns:a="http://schemas.openxmlformats.org/drawingml/2006/main" xmlns:p="http://schemas.openxmlformats.org/presentationml/2006/main" xmlns:mc="http://schemas.openxmlformats.org/markup-compatibility/2006" xmlns:c="http://schemas.openxmlformats.org/drawingml/2006/chart" xmlns:ns6="http://schemas.openxmlformats.org/drawingml/2006/chartDrawing" xmlns:dgm="http://schemas.openxmlformats.org/drawingml/2006/diagram" xmlns:pic="http://schemas.openxmlformats.org/drawingml/2006/picture" xmlns:wp="http://schemas.openxmlformats.org/drawingml/2006/wordprocessingDrawing" xmlns:xdr="http://schemas.openxmlformats.org/drawingml/2006/spreadsheetDrawing" xmlns:ns11="http://schemas.openxmlformats.org/drawingml/2006/compatibility" xmlns:ns12="http://schemas.openxmlformats.org/drawingml/2006/lockedCanvas" type="blank" preserve="true">
   <p:cSld name="Blank">
     <p:spTree>
       <p:nvGrpSpPr>
@@ -1755,7 +1755,7 @@
 </file>
 
 <file path=ppt/slideLayouts/slideLayout8.xml><?xml version="1.0" encoding="utf-8"?>
-<p:sldLayout xmlns:a="http://schemas.openxmlformats.org/drawingml/2006/main" xmlns:r="http://schemas.openxmlformats.org/officeDocument/2006/relationships" xmlns:p="http://schemas.openxmlformats.org/presentationml/2006/main" xmlns:mc="http://schemas.openxmlformats.org/markup-compatibility/2006" xmlns:c="http://schemas.openxmlformats.org/drawingml/2006/chart" xmlns:ns6="http://schemas.openxmlformats.org/drawingml/2006/chartDrawing" xmlns:dgm="http://schemas.openxmlformats.org/drawingml/2006/diagram" xmlns:pic="http://schemas.openxmlformats.org/drawingml/2006/picture" xmlns:wp="http://schemas.openxmlformats.org/drawingml/2006/wordprocessingDrawing" xmlns:xdr="http://schemas.openxmlformats.org/drawingml/2006/spreadsheetDrawing" xmlns:ns11="http://schemas.openxmlformats.org/drawingml/2006/compatibility" xmlns:ns12="http://schemas.openxmlformats.org/drawingml/2006/lockedCanvas" type="objTx" preserve="true">
+<p:sldLayout xmlns:r="http://schemas.openxmlformats.org/officeDocument/2006/relationships" xmlns:a="http://schemas.openxmlformats.org/drawingml/2006/main" xmlns:p="http://schemas.openxmlformats.org/presentationml/2006/main" xmlns:mc="http://schemas.openxmlformats.org/markup-compatibility/2006" xmlns:c="http://schemas.openxmlformats.org/drawingml/2006/chart" xmlns:ns6="http://schemas.openxmlformats.org/drawingml/2006/chartDrawing" xmlns:dgm="http://schemas.openxmlformats.org/drawingml/2006/diagram" xmlns:pic="http://schemas.openxmlformats.org/drawingml/2006/picture" xmlns:wp="http://schemas.openxmlformats.org/drawingml/2006/wordprocessingDrawing" xmlns:xdr="http://schemas.openxmlformats.org/drawingml/2006/spreadsheetDrawing" xmlns:ns11="http://schemas.openxmlformats.org/drawingml/2006/compatibility" xmlns:ns12="http://schemas.openxmlformats.org/drawingml/2006/lockedCanvas" type="objTx" preserve="true">
   <p:cSld name="Content with Caption">
     <p:spTree>
       <p:nvGrpSpPr>
@@ -2039,7 +2039,7 @@
 </file>
 
 <file path=ppt/slideLayouts/slideLayout9.xml><?xml version="1.0" encoding="utf-8"?>
-<p:sldLayout xmlns:a="http://schemas.openxmlformats.org/drawingml/2006/main" xmlns:r="http://schemas.openxmlformats.org/officeDocument/2006/relationships" xmlns:p="http://schemas.openxmlformats.org/presentationml/2006/main" xmlns:mc="http://schemas.openxmlformats.org/markup-compatibility/2006" xmlns:c="http://schemas.openxmlformats.org/drawingml/2006/chart" xmlns:ns6="http://schemas.openxmlformats.org/drawingml/2006/chartDrawing" xmlns:dgm="http://schemas.openxmlformats.org/drawingml/2006/diagram" xmlns:pic="http://schemas.openxmlformats.org/drawingml/2006/picture" xmlns:wp="http://schemas.openxmlformats.org/drawingml/2006/wordprocessingDrawing" xmlns:xdr="http://schemas.openxmlformats.org/drawingml/2006/spreadsheetDrawing" xmlns:ns11="http://schemas.openxmlformats.org/drawingml/2006/compatibility" xmlns:ns12="http://schemas.openxmlformats.org/drawingml/2006/lockedCanvas" type="vertTx" preserve="true">
+<p:sldLayout xmlns:r="http://schemas.openxmlformats.org/officeDocument/2006/relationships" xmlns:a="http://schemas.openxmlformats.org/drawingml/2006/main" xmlns:p="http://schemas.openxmlformats.org/presentationml/2006/main" xmlns:mc="http://schemas.openxmlformats.org/markup-compatibility/2006" xmlns:c="http://schemas.openxmlformats.org/drawingml/2006/chart" xmlns:ns6="http://schemas.openxmlformats.org/drawingml/2006/chartDrawing" xmlns:dgm="http://schemas.openxmlformats.org/drawingml/2006/diagram" xmlns:pic="http://schemas.openxmlformats.org/drawingml/2006/picture" xmlns:wp="http://schemas.openxmlformats.org/drawingml/2006/wordprocessingDrawing" xmlns:xdr="http://schemas.openxmlformats.org/drawingml/2006/spreadsheetDrawing" xmlns:ns11="http://schemas.openxmlformats.org/drawingml/2006/compatibility" xmlns:ns12="http://schemas.openxmlformats.org/drawingml/2006/lockedCanvas" type="vertTx" preserve="true">
   <p:cSld name="Title and Vertical Text">
     <p:spTree>
       <p:nvGrpSpPr>
@@ -2216,7 +2216,7 @@
 </file>
 
 <file path=ppt/slideMasters/slideMaster1.xml><?xml version="1.0" encoding="utf-8"?>
-<p:sldMaster xmlns:a="http://schemas.openxmlformats.org/drawingml/2006/main" xmlns:r="http://schemas.openxmlformats.org/officeDocument/2006/relationships" xmlns:p="http://schemas.openxmlformats.org/presentationml/2006/main" xmlns:mc="http://schemas.openxmlformats.org/markup-compatibility/2006" xmlns:c="http://schemas.openxmlformats.org/drawingml/2006/chart" xmlns:ns6="http://schemas.openxmlformats.org/drawingml/2006/chartDrawing" xmlns:dgm="http://schemas.openxmlformats.org/drawingml/2006/diagram" xmlns:pic="http://schemas.openxmlformats.org/drawingml/2006/picture" xmlns:wp="http://schemas.openxmlformats.org/drawingml/2006/wordprocessingDrawing" xmlns:xdr="http://schemas.openxmlformats.org/drawingml/2006/spreadsheetDrawing" xmlns:ns11="http://schemas.openxmlformats.org/drawingml/2006/compatibility" xmlns:ns12="http://schemas.openxmlformats.org/drawingml/2006/lockedCanvas">
+<p:sldMaster xmlns:r="http://schemas.openxmlformats.org/officeDocument/2006/relationships" xmlns:a="http://schemas.openxmlformats.org/drawingml/2006/main" xmlns:p="http://schemas.openxmlformats.org/presentationml/2006/main" xmlns:mc="http://schemas.openxmlformats.org/markup-compatibility/2006" xmlns:c="http://schemas.openxmlformats.org/drawingml/2006/chart" xmlns:ns6="http://schemas.openxmlformats.org/drawingml/2006/chartDrawing" xmlns:dgm="http://schemas.openxmlformats.org/drawingml/2006/diagram" xmlns:pic="http://schemas.openxmlformats.org/drawingml/2006/picture" xmlns:wp="http://schemas.openxmlformats.org/drawingml/2006/wordprocessingDrawing" xmlns:xdr="http://schemas.openxmlformats.org/drawingml/2006/spreadsheetDrawing" xmlns:ns11="http://schemas.openxmlformats.org/drawingml/2006/compatibility" xmlns:ns12="http://schemas.openxmlformats.org/drawingml/2006/lockedCanvas">
   <p:cSld>
     <p:bg>
       <p:bgRef idx="1001">
@@ -2762,7 +2762,7 @@
 </file>
 
 <file path=ppt/slides/slide1.xml><?xml version="1.0" encoding="utf-8"?>
-<p:sld xmlns:a="http://schemas.openxmlformats.org/drawingml/2006/main" xmlns:r="http://schemas.openxmlformats.org/officeDocument/2006/relationships" xmlns:p="http://schemas.openxmlformats.org/presentationml/2006/main" xmlns:mc="http://schemas.openxmlformats.org/markup-compatibility/2006" xmlns:c="http://schemas.openxmlformats.org/drawingml/2006/chart" xmlns:ns6="http://schemas.openxmlformats.org/drawingml/2006/chartDrawing" xmlns:dgm="http://schemas.openxmlformats.org/drawingml/2006/diagram" xmlns:pic="http://schemas.openxmlformats.org/drawingml/2006/picture" xmlns:wp="http://schemas.openxmlformats.org/drawingml/2006/wordprocessingDrawing" xmlns:xdr="http://schemas.openxmlformats.org/drawingml/2006/spreadsheetDrawing" xmlns:ns11="http://schemas.openxmlformats.org/drawingml/2006/compatibility" xmlns:ns12="http://schemas.openxmlformats.org/drawingml/2006/lockedCanvas">
+<p:sld xmlns:r="http://schemas.openxmlformats.org/officeDocument/2006/relationships" xmlns:a="http://schemas.openxmlformats.org/drawingml/2006/main" xmlns:p="http://schemas.openxmlformats.org/presentationml/2006/main" xmlns:mc="http://schemas.openxmlformats.org/markup-compatibility/2006" xmlns:c="http://schemas.openxmlformats.org/drawingml/2006/chart" xmlns:ns6="http://schemas.openxmlformats.org/drawingml/2006/chartDrawing" xmlns:dgm="http://schemas.openxmlformats.org/drawingml/2006/diagram" xmlns:pic="http://schemas.openxmlformats.org/drawingml/2006/picture" xmlns:wp="http://schemas.openxmlformats.org/drawingml/2006/wordprocessingDrawing" xmlns:xdr="http://schemas.openxmlformats.org/drawingml/2006/spreadsheetDrawing" xmlns:ns11="http://schemas.openxmlformats.org/drawingml/2006/compatibility" xmlns:ns12="http://schemas.openxmlformats.org/drawingml/2006/lockedCanvas">
   <p:cSld>
     <p:spTree>
       <p:nvGrpSpPr>
